--- a/documents/DesignPresentation.pptx
+++ b/documents/DesignPresentation.pptx
@@ -5,7 +5,7 @@
     <p:sldMasterId id="2147483660" r:id="rId1"/>
   </p:sldMasterIdLst>
   <p:notesMasterIdLst>
-    <p:notesMasterId r:id="rId23"/>
+    <p:notesMasterId r:id="rId25"/>
   </p:notesMasterIdLst>
   <p:sldIdLst>
     <p:sldId id="256" r:id="rId2"/>
@@ -13,22 +13,24 @@
     <p:sldId id="266" r:id="rId4"/>
     <p:sldId id="269" r:id="rId5"/>
     <p:sldId id="270" r:id="rId6"/>
-    <p:sldId id="263" r:id="rId7"/>
-    <p:sldId id="268" r:id="rId8"/>
-    <p:sldId id="264" r:id="rId9"/>
-    <p:sldId id="257" r:id="rId10"/>
-    <p:sldId id="271" r:id="rId11"/>
-    <p:sldId id="272" r:id="rId12"/>
-    <p:sldId id="273" r:id="rId13"/>
-    <p:sldId id="274" r:id="rId14"/>
-    <p:sldId id="275" r:id="rId15"/>
-    <p:sldId id="258" r:id="rId16"/>
-    <p:sldId id="276" r:id="rId17"/>
-    <p:sldId id="277" r:id="rId18"/>
-    <p:sldId id="259" r:id="rId19"/>
-    <p:sldId id="278" r:id="rId20"/>
-    <p:sldId id="279" r:id="rId21"/>
-    <p:sldId id="261" r:id="rId22"/>
+    <p:sldId id="280" r:id="rId7"/>
+    <p:sldId id="263" r:id="rId8"/>
+    <p:sldId id="268" r:id="rId9"/>
+    <p:sldId id="281" r:id="rId10"/>
+    <p:sldId id="264" r:id="rId11"/>
+    <p:sldId id="257" r:id="rId12"/>
+    <p:sldId id="271" r:id="rId13"/>
+    <p:sldId id="272" r:id="rId14"/>
+    <p:sldId id="273" r:id="rId15"/>
+    <p:sldId id="274" r:id="rId16"/>
+    <p:sldId id="275" r:id="rId17"/>
+    <p:sldId id="258" r:id="rId18"/>
+    <p:sldId id="276" r:id="rId19"/>
+    <p:sldId id="277" r:id="rId20"/>
+    <p:sldId id="259" r:id="rId21"/>
+    <p:sldId id="278" r:id="rId22"/>
+    <p:sldId id="279" r:id="rId23"/>
+    <p:sldId id="261" r:id="rId24"/>
   </p:sldIdLst>
   <p:sldSz cx="12192000" cy="6858000"/>
   <p:notesSz cx="6858000" cy="9144000"/>
@@ -138,8 +140,8 @@
 <file path=ppt/revisionInfo.xml><?xml version="1.0" encoding="utf-8"?>
 <p1510:revInfo xmlns:a="http://schemas.openxmlformats.org/drawingml/2006/main" xmlns:r="http://schemas.openxmlformats.org/officeDocument/2006/relationships" xmlns:p1510="http://schemas.microsoft.com/office/powerpoint/2015/10/main">
   <p1510:revLst>
-    <p1510:client id="{1CB92BA6-3AFC-4B33-8686-DD02520B6B01}" v="1527" dt="2025-10-23T21:16:24.355"/>
-    <p1510:client id="{50B32702-54B6-4807-8C94-D2962061F8CD}" v="966" dt="2025-10-23T21:44:38.763"/>
+    <p1510:client id="{1CB92BA6-3AFC-4B33-8686-DD02520B6B01}" v="1741" dt="2025-10-24T17:27:38.739"/>
+    <p1510:client id="{50B32702-54B6-4807-8C94-D2962061F8CD}" v="1561" dt="2025-10-24T17:24:46.493"/>
     <p1510:client id="{AB3B3CC6-73F9-4F20-8771-62DF945E4649}" v="1951" dt="2025-10-23T21:17:59.638"/>
     <p1510:client id="{B4C35B7E-1318-486F-ACD8-97C059FE3726}" v="219" dt="2025-10-23T21:28:46.443"/>
   </p1510:revLst>
@@ -149,9 +151,94 @@
 <file path=ppt/changesInfos/changesInfo1.xml><?xml version="1.0" encoding="utf-8"?>
 <pc:chgInfo xmlns:a="http://schemas.openxmlformats.org/drawingml/2006/main" xmlns:r="http://schemas.openxmlformats.org/officeDocument/2006/relationships" xmlns:ac="http://schemas.microsoft.com/office/drawing/2013/main/command" xmlns:pc="http://schemas.microsoft.com/office/powerpoint/2013/main/command">
   <pc:docChgLst>
+    <pc:chgData name="Claire Oliver" userId="acdb28d9-e31d-470e-b9d1-813f9afc5a02" providerId="ADAL" clId="{B4C35B7E-1318-486F-ACD8-97C059FE3726}"/>
+    <pc:docChg chg="modSld">
+      <pc:chgData name="Claire Oliver" userId="acdb28d9-e31d-470e-b9d1-813f9afc5a02" providerId="ADAL" clId="{B4C35B7E-1318-486F-ACD8-97C059FE3726}" dt="2025-10-23T21:28:46.443" v="218" actId="20577"/>
+      <pc:docMkLst>
+        <pc:docMk/>
+      </pc:docMkLst>
+      <pc:sldChg chg="modNotesTx">
+        <pc:chgData name="Claire Oliver" userId="acdb28d9-e31d-470e-b9d1-813f9afc5a02" providerId="ADAL" clId="{B4C35B7E-1318-486F-ACD8-97C059FE3726}" dt="2025-10-23T20:06:15.389" v="1" actId="20577"/>
+        <pc:sldMkLst>
+          <pc:docMk/>
+          <pc:sldMk cId="2170380744" sldId="260"/>
+        </pc:sldMkLst>
+      </pc:sldChg>
+      <pc:sldChg chg="modAnim">
+        <pc:chgData name="Claire Oliver" userId="acdb28d9-e31d-470e-b9d1-813f9afc5a02" providerId="ADAL" clId="{B4C35B7E-1318-486F-ACD8-97C059FE3726}" dt="2025-10-23T20:37:08.269" v="4"/>
+        <pc:sldMkLst>
+          <pc:docMk/>
+          <pc:sldMk cId="1018784656" sldId="261"/>
+        </pc:sldMkLst>
+      </pc:sldChg>
+      <pc:sldChg chg="addSp modSp mod">
+        <pc:chgData name="Claire Oliver" userId="acdb28d9-e31d-470e-b9d1-813f9afc5a02" providerId="ADAL" clId="{B4C35B7E-1318-486F-ACD8-97C059FE3726}" dt="2025-10-23T21:24:03.809" v="202" actId="20577"/>
+        <pc:sldMkLst>
+          <pc:docMk/>
+          <pc:sldMk cId="3504638596" sldId="264"/>
+        </pc:sldMkLst>
+        <pc:spChg chg="mod">
+          <ac:chgData name="Claire Oliver" userId="acdb28d9-e31d-470e-b9d1-813f9afc5a02" providerId="ADAL" clId="{B4C35B7E-1318-486F-ACD8-97C059FE3726}" dt="2025-10-23T21:14:08.244" v="5"/>
+          <ac:spMkLst>
+            <pc:docMk/>
+            <pc:sldMk cId="3504638596" sldId="264"/>
+            <ac:spMk id="5" creationId="{9DB8C2EC-E83F-62D4-D4B2-4694597CB0C2}"/>
+          </ac:spMkLst>
+        </pc:spChg>
+        <pc:spChg chg="mod">
+          <ac:chgData name="Claire Oliver" userId="acdb28d9-e31d-470e-b9d1-813f9afc5a02" providerId="ADAL" clId="{B4C35B7E-1318-486F-ACD8-97C059FE3726}" dt="2025-10-23T21:24:03.809" v="202" actId="20577"/>
+          <ac:spMkLst>
+            <pc:docMk/>
+            <pc:sldMk cId="3504638596" sldId="264"/>
+            <ac:spMk id="11" creationId="{7F2510A0-240E-2938-6711-1993EDFDE77A}"/>
+          </ac:spMkLst>
+        </pc:spChg>
+        <pc:grpChg chg="add mod">
+          <ac:chgData name="Claire Oliver" userId="acdb28d9-e31d-470e-b9d1-813f9afc5a02" providerId="ADAL" clId="{B4C35B7E-1318-486F-ACD8-97C059FE3726}" dt="2025-10-23T21:14:08.244" v="5"/>
+          <ac:grpSpMkLst>
+            <pc:docMk/>
+            <pc:sldMk cId="3504638596" sldId="264"/>
+            <ac:grpSpMk id="3" creationId="{569179EF-8000-C73B-7073-5E8F26F28781}"/>
+          </ac:grpSpMkLst>
+        </pc:grpChg>
+        <pc:picChg chg="mod">
+          <ac:chgData name="Claire Oliver" userId="acdb28d9-e31d-470e-b9d1-813f9afc5a02" providerId="ADAL" clId="{B4C35B7E-1318-486F-ACD8-97C059FE3726}" dt="2025-10-23T21:14:08.244" v="5"/>
+          <ac:picMkLst>
+            <pc:docMk/>
+            <pc:sldMk cId="3504638596" sldId="264"/>
+            <ac:picMk id="6" creationId="{E991F26F-BE82-706B-78DE-BD347DA7261D}"/>
+          </ac:picMkLst>
+        </pc:picChg>
+        <pc:picChg chg="mod">
+          <ac:chgData name="Claire Oliver" userId="acdb28d9-e31d-470e-b9d1-813f9afc5a02" providerId="ADAL" clId="{B4C35B7E-1318-486F-ACD8-97C059FE3726}" dt="2025-10-23T21:14:08.244" v="5"/>
+          <ac:picMkLst>
+            <pc:docMk/>
+            <pc:sldMk cId="3504638596" sldId="264"/>
+            <ac:picMk id="8" creationId="{1B04333C-AABE-3EB4-E629-487E501A7DFA}"/>
+          </ac:picMkLst>
+        </pc:picChg>
+      </pc:sldChg>
+      <pc:sldChg chg="modSp mod">
+        <pc:chgData name="Claire Oliver" userId="acdb28d9-e31d-470e-b9d1-813f9afc5a02" providerId="ADAL" clId="{B4C35B7E-1318-486F-ACD8-97C059FE3726}" dt="2025-10-23T21:28:46.443" v="218" actId="20577"/>
+        <pc:sldMkLst>
+          <pc:docMk/>
+          <pc:sldMk cId="3186619387" sldId="266"/>
+        </pc:sldMkLst>
+        <pc:spChg chg="mod">
+          <ac:chgData name="Claire Oliver" userId="acdb28d9-e31d-470e-b9d1-813f9afc5a02" providerId="ADAL" clId="{B4C35B7E-1318-486F-ACD8-97C059FE3726}" dt="2025-10-23T21:28:46.443" v="218" actId="20577"/>
+          <ac:spMkLst>
+            <pc:docMk/>
+            <pc:sldMk cId="3186619387" sldId="266"/>
+            <ac:spMk id="5" creationId="{11F1AE4F-841E-966A-7698-18FB75039DCF}"/>
+          </ac:spMkLst>
+        </pc:spChg>
+      </pc:sldChg>
+    </pc:docChg>
+  </pc:docChgLst>
+  <pc:docChgLst>
     <pc:chgData name="Janniebeth Melendez Torres" userId="25d978bd-68e7-499a-b3e4-56238858c328" providerId="ADAL" clId="{1CB92BA6-3AFC-4B33-8686-DD02520B6B01}"/>
     <pc:docChg chg="undo custSel addSld delSld modSld sldOrd">
-      <pc:chgData name="Janniebeth Melendez Torres" userId="25d978bd-68e7-499a-b3e4-56238858c328" providerId="ADAL" clId="{1CB92BA6-3AFC-4B33-8686-DD02520B6B01}" dt="2025-10-23T21:16:24.355" v="1526"/>
+      <pc:chgData name="Janniebeth Melendez Torres" userId="25d978bd-68e7-499a-b3e4-56238858c328" providerId="ADAL" clId="{1CB92BA6-3AFC-4B33-8686-DD02520B6B01}" dt="2025-10-24T17:27:38.739" v="1740" actId="1076"/>
       <pc:docMkLst>
         <pc:docMk/>
       </pc:docMkLst>
@@ -250,7 +337,7 @@
         </pc:picChg>
       </pc:sldChg>
       <pc:sldChg chg="addSp delSp modSp new mod ord">
-        <pc:chgData name="Janniebeth Melendez Torres" userId="25d978bd-68e7-499a-b3e4-56238858c328" providerId="ADAL" clId="{1CB92BA6-3AFC-4B33-8686-DD02520B6B01}" dt="2025-10-23T19:05:04.632" v="168" actId="14100"/>
+        <pc:chgData name="Janniebeth Melendez Torres" userId="25d978bd-68e7-499a-b3e4-56238858c328" providerId="ADAL" clId="{1CB92BA6-3AFC-4B33-8686-DD02520B6B01}" dt="2025-10-24T17:16:53.034" v="1711" actId="21"/>
         <pc:sldMkLst>
           <pc:docMk/>
           <pc:sldMk cId="3504638596" sldId="264"/>
@@ -287,14 +374,22 @@
             <ac:spMk id="10" creationId="{B6F649F2-A7B5-B590-9008-E8A18A401B4E}"/>
           </ac:spMkLst>
         </pc:spChg>
-        <pc:spChg chg="add mod">
-          <ac:chgData name="Janniebeth Melendez Torres" userId="25d978bd-68e7-499a-b3e4-56238858c328" providerId="ADAL" clId="{1CB92BA6-3AFC-4B33-8686-DD02520B6B01}" dt="2025-10-23T19:05:04.632" v="168" actId="14100"/>
+        <pc:spChg chg="add del mod">
+          <ac:chgData name="Janniebeth Melendez Torres" userId="25d978bd-68e7-499a-b3e4-56238858c328" providerId="ADAL" clId="{1CB92BA6-3AFC-4B33-8686-DD02520B6B01}" dt="2025-10-24T17:16:53.034" v="1711" actId="21"/>
           <ac:spMkLst>
             <pc:docMk/>
             <pc:sldMk cId="3504638596" sldId="264"/>
             <ac:spMk id="11" creationId="{7F2510A0-240E-2938-6711-1993EDFDE77A}"/>
           </ac:spMkLst>
         </pc:spChg>
+        <pc:picChg chg="mod">
+          <ac:chgData name="Janniebeth Melendez Torres" userId="25d978bd-68e7-499a-b3e4-56238858c328" providerId="ADAL" clId="{1CB92BA6-3AFC-4B33-8686-DD02520B6B01}" dt="2025-10-24T17:16:49.947" v="1703" actId="1076"/>
+          <ac:picMkLst>
+            <pc:docMk/>
+            <pc:sldMk cId="3504638596" sldId="264"/>
+            <ac:picMk id="4" creationId="{4AA0B2C1-CAF8-86A8-88D5-11977A4D7073}"/>
+          </ac:picMkLst>
+        </pc:picChg>
         <pc:picChg chg="add del mod">
           <ac:chgData name="Janniebeth Melendez Torres" userId="25d978bd-68e7-499a-b3e4-56238858c328" providerId="ADAL" clId="{1CB92BA6-3AFC-4B33-8686-DD02520B6B01}" dt="2025-10-23T17:48:30.385" v="43" actId="478"/>
           <ac:picMkLst>
@@ -304,7 +399,7 @@
           </ac:picMkLst>
         </pc:picChg>
         <pc:picChg chg="add mod">
-          <ac:chgData name="Janniebeth Melendez Torres" userId="25d978bd-68e7-499a-b3e4-56238858c328" providerId="ADAL" clId="{1CB92BA6-3AFC-4B33-8686-DD02520B6B01}" dt="2025-10-23T17:58:51.281" v="87" actId="1076"/>
+          <ac:chgData name="Janniebeth Melendez Torres" userId="25d978bd-68e7-499a-b3e4-56238858c328" providerId="ADAL" clId="{1CB92BA6-3AFC-4B33-8686-DD02520B6B01}" dt="2025-10-24T17:16:50.878" v="1707" actId="1076"/>
           <ac:picMkLst>
             <pc:docMk/>
             <pc:sldMk cId="3504638596" sldId="264"/>
@@ -421,13 +516,13 @@
         </pc:picChg>
       </pc:sldChg>
       <pc:sldChg chg="addSp delSp modSp mod modTransition">
-        <pc:chgData name="Janniebeth Melendez Torres" userId="25d978bd-68e7-499a-b3e4-56238858c328" providerId="ADAL" clId="{1CB92BA6-3AFC-4B33-8686-DD02520B6B01}" dt="2025-10-23T20:54:30.813" v="1515"/>
+        <pc:chgData name="Janniebeth Melendez Torres" userId="25d978bd-68e7-499a-b3e4-56238858c328" providerId="ADAL" clId="{1CB92BA6-3AFC-4B33-8686-DD02520B6B01}" dt="2025-10-24T17:27:38.739" v="1740" actId="1076"/>
         <pc:sldMkLst>
           <pc:docMk/>
           <pc:sldMk cId="1562442659" sldId="270"/>
         </pc:sldMkLst>
         <pc:spChg chg="mod">
-          <ac:chgData name="Janniebeth Melendez Torres" userId="25d978bd-68e7-499a-b3e4-56238858c328" providerId="ADAL" clId="{1CB92BA6-3AFC-4B33-8686-DD02520B6B01}" dt="2025-10-23T20:34:50.608" v="1323" actId="14100"/>
+          <ac:chgData name="Janniebeth Melendez Torres" userId="25d978bd-68e7-499a-b3e4-56238858c328" providerId="ADAL" clId="{1CB92BA6-3AFC-4B33-8686-DD02520B6B01}" dt="2025-10-24T16:46:47.132" v="1644" actId="20577"/>
           <ac:spMkLst>
             <pc:docMk/>
             <pc:sldMk cId="1562442659" sldId="270"/>
@@ -435,7 +530,7 @@
           </ac:spMkLst>
         </pc:spChg>
         <pc:picChg chg="add mod modCrop">
-          <ac:chgData name="Janniebeth Melendez Torres" userId="25d978bd-68e7-499a-b3e4-56238858c328" providerId="ADAL" clId="{1CB92BA6-3AFC-4B33-8686-DD02520B6B01}" dt="2025-10-23T20:36:20.147" v="1346" actId="1076"/>
+          <ac:chgData name="Janniebeth Melendez Torres" userId="25d978bd-68e7-499a-b3e4-56238858c328" providerId="ADAL" clId="{1CB92BA6-3AFC-4B33-8686-DD02520B6B01}" dt="2025-10-24T17:27:32.486" v="1736" actId="1076"/>
           <ac:picMkLst>
             <pc:docMk/>
             <pc:sldMk cId="1562442659" sldId="270"/>
@@ -443,7 +538,7 @@
           </ac:picMkLst>
         </pc:picChg>
         <pc:picChg chg="mod">
-          <ac:chgData name="Janniebeth Melendez Torres" userId="25d978bd-68e7-499a-b3e4-56238858c328" providerId="ADAL" clId="{1CB92BA6-3AFC-4B33-8686-DD02520B6B01}" dt="2025-10-23T20:54:21.560" v="1514" actId="1076"/>
+          <ac:chgData name="Janniebeth Melendez Torres" userId="25d978bd-68e7-499a-b3e4-56238858c328" providerId="ADAL" clId="{1CB92BA6-3AFC-4B33-8686-DD02520B6B01}" dt="2025-10-24T17:27:37.218" v="1739" actId="1076"/>
           <ac:picMkLst>
             <pc:docMk/>
             <pc:sldMk cId="1562442659" sldId="270"/>
@@ -451,7 +546,7 @@
           </ac:picMkLst>
         </pc:picChg>
         <pc:picChg chg="add mod">
-          <ac:chgData name="Janniebeth Melendez Torres" userId="25d978bd-68e7-499a-b3e4-56238858c328" providerId="ADAL" clId="{1CB92BA6-3AFC-4B33-8686-DD02520B6B01}" dt="2025-10-23T20:36:24.333" v="1348" actId="14100"/>
+          <ac:chgData name="Janniebeth Melendez Torres" userId="25d978bd-68e7-499a-b3e4-56238858c328" providerId="ADAL" clId="{1CB92BA6-3AFC-4B33-8686-DD02520B6B01}" dt="2025-10-24T17:27:31.256" v="1735" actId="1076"/>
           <ac:picMkLst>
             <pc:docMk/>
             <pc:sldMk cId="1562442659" sldId="270"/>
@@ -499,7 +594,7 @@
           </ac:picMkLst>
         </pc:picChg>
         <pc:picChg chg="add mod">
-          <ac:chgData name="Janniebeth Melendez Torres" userId="25d978bd-68e7-499a-b3e4-56238858c328" providerId="ADAL" clId="{1CB92BA6-3AFC-4B33-8686-DD02520B6B01}" dt="2025-10-23T20:35:44.709" v="1336" actId="14100"/>
+          <ac:chgData name="Janniebeth Melendez Torres" userId="25d978bd-68e7-499a-b3e4-56238858c328" providerId="ADAL" clId="{1CB92BA6-3AFC-4B33-8686-DD02520B6B01}" dt="2025-10-24T17:27:12.568" v="1727" actId="1076"/>
           <ac:picMkLst>
             <pc:docMk/>
             <pc:sldMk cId="1562442659" sldId="270"/>
@@ -515,7 +610,7 @@
           </ac:picMkLst>
         </pc:picChg>
         <pc:picChg chg="add mod">
-          <ac:chgData name="Janniebeth Melendez Torres" userId="25d978bd-68e7-499a-b3e4-56238858c328" providerId="ADAL" clId="{1CB92BA6-3AFC-4B33-8686-DD02520B6B01}" dt="2025-10-23T20:36:16.982" v="1345" actId="1076"/>
+          <ac:chgData name="Janniebeth Melendez Torres" userId="25d978bd-68e7-499a-b3e4-56238858c328" providerId="ADAL" clId="{1CB92BA6-3AFC-4B33-8686-DD02520B6B01}" dt="2025-10-24T17:27:38.739" v="1740" actId="1076"/>
           <ac:picMkLst>
             <pc:docMk/>
             <pc:sldMk cId="1562442659" sldId="270"/>
@@ -531,7 +626,7 @@
           </ac:picMkLst>
         </pc:picChg>
         <pc:picChg chg="add mod">
-          <ac:chgData name="Janniebeth Melendez Torres" userId="25d978bd-68e7-499a-b3e4-56238858c328" providerId="ADAL" clId="{1CB92BA6-3AFC-4B33-8686-DD02520B6B01}" dt="2025-10-23T20:35:41.601" v="1335" actId="14100"/>
+          <ac:chgData name="Janniebeth Melendez Torres" userId="25d978bd-68e7-499a-b3e4-56238858c328" providerId="ADAL" clId="{1CB92BA6-3AFC-4B33-8686-DD02520B6B01}" dt="2025-10-24T17:27:09.969" v="1726" actId="1076"/>
           <ac:picMkLst>
             <pc:docMk/>
             <pc:sldMk cId="1562442659" sldId="270"/>
@@ -539,97 +634,114 @@
           </ac:picMkLst>
         </pc:picChg>
       </pc:sldChg>
-    </pc:docChg>
-  </pc:docChgLst>
-  <pc:docChgLst>
-    <pc:chgData name="Claire Oliver" userId="acdb28d9-e31d-470e-b9d1-813f9afc5a02" providerId="ADAL" clId="{B4C35B7E-1318-486F-ACD8-97C059FE3726}"/>
-    <pc:docChg chg="modSld">
-      <pc:chgData name="Claire Oliver" userId="acdb28d9-e31d-470e-b9d1-813f9afc5a02" providerId="ADAL" clId="{B4C35B7E-1318-486F-ACD8-97C059FE3726}" dt="2025-10-23T21:28:46.443" v="218" actId="20577"/>
-      <pc:docMkLst>
-        <pc:docMk/>
-      </pc:docMkLst>
-      <pc:sldChg chg="modNotesTx">
-        <pc:chgData name="Claire Oliver" userId="acdb28d9-e31d-470e-b9d1-813f9afc5a02" providerId="ADAL" clId="{B4C35B7E-1318-486F-ACD8-97C059FE3726}" dt="2025-10-23T20:06:15.389" v="1" actId="20577"/>
+      <pc:sldChg chg="delSp modSp mod">
+        <pc:chgData name="Janniebeth Melendez Torres" userId="25d978bd-68e7-499a-b3e4-56238858c328" providerId="ADAL" clId="{1CB92BA6-3AFC-4B33-8686-DD02520B6B01}" dt="2025-10-24T16:37:29.177" v="1532" actId="1076"/>
         <pc:sldMkLst>
           <pc:docMk/>
-          <pc:sldMk cId="2170380744" sldId="260"/>
+          <pc:sldMk cId="2711256727" sldId="280"/>
         </pc:sldMkLst>
-      </pc:sldChg>
-      <pc:sldChg chg="modAnim">
-        <pc:chgData name="Claire Oliver" userId="acdb28d9-e31d-470e-b9d1-813f9afc5a02" providerId="ADAL" clId="{B4C35B7E-1318-486F-ACD8-97C059FE3726}" dt="2025-10-23T20:37:08.269" v="4"/>
-        <pc:sldMkLst>
-          <pc:docMk/>
-          <pc:sldMk cId="1018784656" sldId="261"/>
-        </pc:sldMkLst>
-      </pc:sldChg>
-      <pc:sldChg chg="addSp modSp mod">
-        <pc:chgData name="Claire Oliver" userId="acdb28d9-e31d-470e-b9d1-813f9afc5a02" providerId="ADAL" clId="{B4C35B7E-1318-486F-ACD8-97C059FE3726}" dt="2025-10-23T21:24:03.809" v="202" actId="20577"/>
-        <pc:sldMkLst>
-          <pc:docMk/>
-          <pc:sldMk cId="3504638596" sldId="264"/>
-        </pc:sldMkLst>
-        <pc:spChg chg="mod">
-          <ac:chgData name="Claire Oliver" userId="acdb28d9-e31d-470e-b9d1-813f9afc5a02" providerId="ADAL" clId="{B4C35B7E-1318-486F-ACD8-97C059FE3726}" dt="2025-10-23T21:14:08.244" v="5"/>
-          <ac:spMkLst>
-            <pc:docMk/>
-            <pc:sldMk cId="3504638596" sldId="264"/>
-            <ac:spMk id="5" creationId="{9DB8C2EC-E83F-62D4-D4B2-4694597CB0C2}"/>
-          </ac:spMkLst>
-        </pc:spChg>
-        <pc:spChg chg="mod">
-          <ac:chgData name="Claire Oliver" userId="acdb28d9-e31d-470e-b9d1-813f9afc5a02" providerId="ADAL" clId="{B4C35B7E-1318-486F-ACD8-97C059FE3726}" dt="2025-10-23T21:24:03.809" v="202" actId="20577"/>
-          <ac:spMkLst>
-            <pc:docMk/>
-            <pc:sldMk cId="3504638596" sldId="264"/>
-            <ac:spMk id="11" creationId="{7F2510A0-240E-2938-6711-1993EDFDE77A}"/>
-          </ac:spMkLst>
-        </pc:spChg>
-        <pc:grpChg chg="add mod">
-          <ac:chgData name="Claire Oliver" userId="acdb28d9-e31d-470e-b9d1-813f9afc5a02" providerId="ADAL" clId="{B4C35B7E-1318-486F-ACD8-97C059FE3726}" dt="2025-10-23T21:14:08.244" v="5"/>
-          <ac:grpSpMkLst>
-            <pc:docMk/>
-            <pc:sldMk cId="3504638596" sldId="264"/>
-            <ac:grpSpMk id="3" creationId="{569179EF-8000-C73B-7073-5E8F26F28781}"/>
-          </ac:grpSpMkLst>
-        </pc:grpChg>
-        <pc:picChg chg="mod">
-          <ac:chgData name="Claire Oliver" userId="acdb28d9-e31d-470e-b9d1-813f9afc5a02" providerId="ADAL" clId="{B4C35B7E-1318-486F-ACD8-97C059FE3726}" dt="2025-10-23T21:14:08.244" v="5"/>
+        <pc:picChg chg="del">
+          <ac:chgData name="Janniebeth Melendez Torres" userId="25d978bd-68e7-499a-b3e4-56238858c328" providerId="ADAL" clId="{1CB92BA6-3AFC-4B33-8686-DD02520B6B01}" dt="2025-10-24T16:37:17.912" v="1528" actId="478"/>
           <ac:picMkLst>
             <pc:docMk/>
-            <pc:sldMk cId="3504638596" sldId="264"/>
-            <ac:picMk id="6" creationId="{E991F26F-BE82-706B-78DE-BD347DA7261D}"/>
+            <pc:sldMk cId="2711256727" sldId="280"/>
+            <ac:picMk id="7" creationId="{C20C560E-03B0-84D9-8E84-497935ED3364}"/>
           </ac:picMkLst>
         </pc:picChg>
         <pc:picChg chg="mod">
-          <ac:chgData name="Claire Oliver" userId="acdb28d9-e31d-470e-b9d1-813f9afc5a02" providerId="ADAL" clId="{B4C35B7E-1318-486F-ACD8-97C059FE3726}" dt="2025-10-23T21:14:08.244" v="5"/>
+          <ac:chgData name="Janniebeth Melendez Torres" userId="25d978bd-68e7-499a-b3e4-56238858c328" providerId="ADAL" clId="{1CB92BA6-3AFC-4B33-8686-DD02520B6B01}" dt="2025-10-24T16:37:29.177" v="1532" actId="1076"/>
           <ac:picMkLst>
             <pc:docMk/>
-            <pc:sldMk cId="3504638596" sldId="264"/>
-            <ac:picMk id="8" creationId="{1B04333C-AABE-3EB4-E629-487E501A7DFA}"/>
+            <pc:sldMk cId="2711256727" sldId="280"/>
+            <ac:picMk id="9" creationId="{F86468FC-C423-5658-2364-E8D90476727E}"/>
+          </ac:picMkLst>
+        </pc:picChg>
+        <pc:picChg chg="del">
+          <ac:chgData name="Janniebeth Melendez Torres" userId="25d978bd-68e7-499a-b3e4-56238858c328" providerId="ADAL" clId="{1CB92BA6-3AFC-4B33-8686-DD02520B6B01}" dt="2025-10-24T16:37:16.829" v="1527" actId="478"/>
+          <ac:picMkLst>
+            <pc:docMk/>
+            <pc:sldMk cId="2711256727" sldId="280"/>
+            <ac:picMk id="1026" creationId="{36EC5091-D0DC-2539-625F-FFC6E9D585B5}"/>
+          </ac:picMkLst>
+        </pc:picChg>
+        <pc:picChg chg="del">
+          <ac:chgData name="Janniebeth Melendez Torres" userId="25d978bd-68e7-499a-b3e4-56238858c328" providerId="ADAL" clId="{1CB92BA6-3AFC-4B33-8686-DD02520B6B01}" dt="2025-10-24T16:37:21.398" v="1531" actId="478"/>
+          <ac:picMkLst>
+            <pc:docMk/>
+            <pc:sldMk cId="2711256727" sldId="280"/>
+            <ac:picMk id="1038" creationId="{8BF99766-91CD-3058-7CAC-1FECDCC7096A}"/>
+          </ac:picMkLst>
+        </pc:picChg>
+        <pc:picChg chg="del">
+          <ac:chgData name="Janniebeth Melendez Torres" userId="25d978bd-68e7-499a-b3e4-56238858c328" providerId="ADAL" clId="{1CB92BA6-3AFC-4B33-8686-DD02520B6B01}" dt="2025-10-24T16:37:20.302" v="1530" actId="478"/>
+          <ac:picMkLst>
+            <pc:docMk/>
+            <pc:sldMk cId="2711256727" sldId="280"/>
+            <ac:picMk id="1042" creationId="{3C664FA2-A23D-8C04-52D6-9AFA4A985CBA}"/>
+          </ac:picMkLst>
+        </pc:picChg>
+        <pc:picChg chg="del">
+          <ac:chgData name="Janniebeth Melendez Torres" userId="25d978bd-68e7-499a-b3e4-56238858c328" providerId="ADAL" clId="{1CB92BA6-3AFC-4B33-8686-DD02520B6B01}" dt="2025-10-24T16:37:19.151" v="1529" actId="478"/>
+          <ac:picMkLst>
+            <pc:docMk/>
+            <pc:sldMk cId="2711256727" sldId="280"/>
+            <ac:picMk id="1046" creationId="{9307D124-1093-C391-C366-7B86392FFBC2}"/>
           </ac:picMkLst>
         </pc:picChg>
       </pc:sldChg>
-      <pc:sldChg chg="modSp mod">
-        <pc:chgData name="Claire Oliver" userId="acdb28d9-e31d-470e-b9d1-813f9afc5a02" providerId="ADAL" clId="{B4C35B7E-1318-486F-ACD8-97C059FE3726}" dt="2025-10-23T21:28:46.443" v="218" actId="20577"/>
+      <pc:sldChg chg="addSp delSp modSp add mod ord">
+        <pc:chgData name="Janniebeth Melendez Torres" userId="25d978bd-68e7-499a-b3e4-56238858c328" providerId="ADAL" clId="{1CB92BA6-3AFC-4B33-8686-DD02520B6B01}" dt="2025-10-24T17:23:37.060" v="1714" actId="1076"/>
         <pc:sldMkLst>
           <pc:docMk/>
-          <pc:sldMk cId="3186619387" sldId="266"/>
+          <pc:sldMk cId="1174091969" sldId="281"/>
         </pc:sldMkLst>
         <pc:spChg chg="mod">
-          <ac:chgData name="Claire Oliver" userId="acdb28d9-e31d-470e-b9d1-813f9afc5a02" providerId="ADAL" clId="{B4C35B7E-1318-486F-ACD8-97C059FE3726}" dt="2025-10-23T21:28:46.443" v="218" actId="20577"/>
+          <ac:chgData name="Janniebeth Melendez Torres" userId="25d978bd-68e7-499a-b3e4-56238858c328" providerId="ADAL" clId="{1CB92BA6-3AFC-4B33-8686-DD02520B6B01}" dt="2025-10-24T17:13:45.997" v="1688" actId="403"/>
           <ac:spMkLst>
             <pc:docMk/>
-            <pc:sldMk cId="3186619387" sldId="266"/>
-            <ac:spMk id="5" creationId="{11F1AE4F-841E-966A-7698-18FB75039DCF}"/>
+            <pc:sldMk cId="1174091969" sldId="281"/>
+            <ac:spMk id="2" creationId="{03AF6988-786F-5B65-2813-7BE3C3BE3D90}"/>
           </ac:spMkLst>
         </pc:spChg>
+        <pc:spChg chg="add mod">
+          <ac:chgData name="Janniebeth Melendez Torres" userId="25d978bd-68e7-499a-b3e4-56238858c328" providerId="ADAL" clId="{1CB92BA6-3AFC-4B33-8686-DD02520B6B01}" dt="2025-10-24T17:15:54.780" v="1694"/>
+          <ac:spMkLst>
+            <pc:docMk/>
+            <pc:sldMk cId="1174091969" sldId="281"/>
+            <ac:spMk id="9" creationId="{7F2510A0-240E-2938-6711-1993EDFDE77A}"/>
+          </ac:spMkLst>
+        </pc:spChg>
+        <pc:spChg chg="add del mod">
+          <ac:chgData name="Janniebeth Melendez Torres" userId="25d978bd-68e7-499a-b3e4-56238858c328" providerId="ADAL" clId="{1CB92BA6-3AFC-4B33-8686-DD02520B6B01}" dt="2025-10-24T17:17:14.087" v="1713" actId="478"/>
+          <ac:spMkLst>
+            <pc:docMk/>
+            <pc:sldMk cId="1174091969" sldId="281"/>
+            <ac:spMk id="11" creationId="{2B7714A3-FDCA-4F12-F46E-5681ED1A39CC}"/>
+          </ac:spMkLst>
+        </pc:spChg>
+        <pc:picChg chg="mod">
+          <ac:chgData name="Janniebeth Melendez Torres" userId="25d978bd-68e7-499a-b3e4-56238858c328" providerId="ADAL" clId="{1CB92BA6-3AFC-4B33-8686-DD02520B6B01}" dt="2025-10-24T17:23:37.060" v="1714" actId="1076"/>
+          <ac:picMkLst>
+            <pc:docMk/>
+            <pc:sldMk cId="1174091969" sldId="281"/>
+            <ac:picMk id="4" creationId="{BD515EE2-C04B-39B4-8A91-E0A88684CDD5}"/>
+          </ac:picMkLst>
+        </pc:picChg>
+        <pc:picChg chg="del">
+          <ac:chgData name="Janniebeth Melendez Torres" userId="25d978bd-68e7-499a-b3e4-56238858c328" providerId="ADAL" clId="{1CB92BA6-3AFC-4B33-8686-DD02520B6B01}" dt="2025-10-24T17:13:32.870" v="1659" actId="478"/>
+          <ac:picMkLst>
+            <pc:docMk/>
+            <pc:sldMk cId="1174091969" sldId="281"/>
+            <ac:picMk id="7" creationId="{42403644-1A99-0D85-63BB-34BDB4D2E16C}"/>
+          </ac:picMkLst>
+        </pc:picChg>
       </pc:sldChg>
     </pc:docChg>
   </pc:docChgLst>
   <pc:docChgLst>
     <pc:chgData name="Ted Bjurlin" userId="5ccda0f4-f26a-41cd-9b51-5b6765d069bf" providerId="ADAL" clId="{50B32702-54B6-4807-8C94-D2962061F8CD}"/>
     <pc:docChg chg="undo custSel addSld delSld modSld sldOrd">
-      <pc:chgData name="Ted Bjurlin" userId="5ccda0f4-f26a-41cd-9b51-5b6765d069bf" providerId="ADAL" clId="{50B32702-54B6-4807-8C94-D2962061F8CD}" dt="2025-10-23T21:44:38.764" v="967" actId="20577"/>
+      <pc:chgData name="Ted Bjurlin" userId="5ccda0f4-f26a-41cd-9b51-5b6765d069bf" providerId="ADAL" clId="{50B32702-54B6-4807-8C94-D2962061F8CD}" dt="2025-10-24T17:24:46.495" v="1562" actId="255"/>
       <pc:docMkLst>
         <pc:docMk/>
       </pc:docMkLst>
@@ -701,7 +813,7 @@
         </pc:picChg>
       </pc:sldChg>
       <pc:sldChg chg="addSp modSp mod modTransition">
-        <pc:chgData name="Ted Bjurlin" userId="5ccda0f4-f26a-41cd-9b51-5b6765d069bf" providerId="ADAL" clId="{50B32702-54B6-4807-8C94-D2962061F8CD}" dt="2025-10-23T21:44:38.764" v="967" actId="20577"/>
+        <pc:chgData name="Ted Bjurlin" userId="5ccda0f4-f26a-41cd-9b51-5b6765d069bf" providerId="ADAL" clId="{50B32702-54B6-4807-8C94-D2962061F8CD}" dt="2025-10-24T17:24:46.495" v="1562" actId="255"/>
         <pc:sldMkLst>
           <pc:docMk/>
           <pc:sldMk cId="3504638596" sldId="264"/>
@@ -715,7 +827,7 @@
           </ac:spMkLst>
         </pc:spChg>
         <pc:spChg chg="mod">
-          <ac:chgData name="Ted Bjurlin" userId="5ccda0f4-f26a-41cd-9b51-5b6765d069bf" providerId="ADAL" clId="{50B32702-54B6-4807-8C94-D2962061F8CD}" dt="2025-10-23T21:44:38.764" v="967" actId="20577"/>
+          <ac:chgData name="Ted Bjurlin" userId="5ccda0f4-f26a-41cd-9b51-5b6765d069bf" providerId="ADAL" clId="{50B32702-54B6-4807-8C94-D2962061F8CD}" dt="2025-10-24T17:24:46.495" v="1562" actId="255"/>
           <ac:spMkLst>
             <pc:docMk/>
             <pc:sldMk cId="3504638596" sldId="264"/>
@@ -855,7 +967,7 @@
         </pc:picChg>
       </pc:sldChg>
       <pc:sldChg chg="delSp modSp add mod modNotesTx">
-        <pc:chgData name="Ted Bjurlin" userId="5ccda0f4-f26a-41cd-9b51-5b6765d069bf" providerId="ADAL" clId="{50B32702-54B6-4807-8C94-D2962061F8CD}" dt="2025-10-23T20:26:17.983" v="873" actId="5793"/>
+        <pc:chgData name="Ted Bjurlin" userId="5ccda0f4-f26a-41cd-9b51-5b6765d069bf" providerId="ADAL" clId="{50B32702-54B6-4807-8C94-D2962061F8CD}" dt="2025-10-24T16:49:36.939" v="1375" actId="20577"/>
         <pc:sldMkLst>
           <pc:docMk/>
           <pc:sldMk cId="1562442659" sldId="270"/>
@@ -869,7 +981,7 @@
           </ac:spMkLst>
         </pc:spChg>
         <pc:spChg chg="mod">
-          <ac:chgData name="Ted Bjurlin" userId="5ccda0f4-f26a-41cd-9b51-5b6765d069bf" providerId="ADAL" clId="{50B32702-54B6-4807-8C94-D2962061F8CD}" dt="2025-10-23T20:21:25.494" v="163" actId="20577"/>
+          <ac:chgData name="Ted Bjurlin" userId="5ccda0f4-f26a-41cd-9b51-5b6765d069bf" providerId="ADAL" clId="{50B32702-54B6-4807-8C94-D2962061F8CD}" dt="2025-10-24T16:49:36.939" v="1375" actId="20577"/>
           <ac:spMkLst>
             <pc:docMk/>
             <pc:sldMk cId="1562442659" sldId="270"/>
@@ -908,21 +1020,99 @@
           </ac:picMkLst>
         </pc:picChg>
       </pc:sldChg>
-    </pc:docChg>
-  </pc:docChgLst>
-  <pc:docChgLst>
-    <pc:chgData name="Claire Oliver" userId="S::doliver@rocketsoftware.com::acdb28d9-e31d-470e-b9d1-813f9afc5a02" providerId="AD" clId="Web-{BCF17668-D8BB-90FE-3545-97D664B18EF5}"/>
-    <pc:docChg chg="modSld">
-      <pc:chgData name="Claire Oliver" userId="S::doliver@rocketsoftware.com::acdb28d9-e31d-470e-b9d1-813f9afc5a02" providerId="AD" clId="Web-{BCF17668-D8BB-90FE-3545-97D664B18EF5}" dt="2025-10-22T21:48:34.978" v="836"/>
-      <pc:docMkLst>
-        <pc:docMk/>
-      </pc:docMkLst>
-      <pc:sldChg chg="modNotes">
-        <pc:chgData name="Claire Oliver" userId="S::doliver@rocketsoftware.com::acdb28d9-e31d-470e-b9d1-813f9afc5a02" providerId="AD" clId="Web-{BCF17668-D8BB-90FE-3545-97D664B18EF5}" dt="2025-10-22T21:48:34.978" v="836"/>
+      <pc:sldChg chg="addSp delSp modSp add mod">
+        <pc:chgData name="Ted Bjurlin" userId="5ccda0f4-f26a-41cd-9b51-5b6765d069bf" providerId="ADAL" clId="{50B32702-54B6-4807-8C94-D2962061F8CD}" dt="2025-10-24T16:40:11.755" v="1245" actId="1076"/>
         <pc:sldMkLst>
           <pc:docMk/>
-          <pc:sldMk cId="2170380744" sldId="260"/>
+          <pc:sldMk cId="2711256727" sldId="280"/>
         </pc:sldMkLst>
+        <pc:spChg chg="mod">
+          <ac:chgData name="Ted Bjurlin" userId="5ccda0f4-f26a-41cd-9b51-5b6765d069bf" providerId="ADAL" clId="{50B32702-54B6-4807-8C94-D2962061F8CD}" dt="2025-10-24T16:36:32.838" v="990" actId="20577"/>
+          <ac:spMkLst>
+            <pc:docMk/>
+            <pc:sldMk cId="2711256727" sldId="280"/>
+            <ac:spMk id="2" creationId="{9D08EF2D-66E0-5923-441E-0A160EB2F13F}"/>
+          </ac:spMkLst>
+        </pc:spChg>
+        <pc:spChg chg="mod">
+          <ac:chgData name="Ted Bjurlin" userId="5ccda0f4-f26a-41cd-9b51-5b6765d069bf" providerId="ADAL" clId="{50B32702-54B6-4807-8C94-D2962061F8CD}" dt="2025-10-24T16:37:58.005" v="1115" actId="14100"/>
+          <ac:spMkLst>
+            <pc:docMk/>
+            <pc:sldMk cId="2711256727" sldId="280"/>
+            <ac:spMk id="5" creationId="{BE11F3DB-6ABE-74F4-7EE5-033C92099B3C}"/>
+          </ac:spMkLst>
+        </pc:spChg>
+        <pc:spChg chg="add del">
+          <ac:chgData name="Ted Bjurlin" userId="5ccda0f4-f26a-41cd-9b51-5b6765d069bf" providerId="ADAL" clId="{50B32702-54B6-4807-8C94-D2962061F8CD}" dt="2025-10-24T16:38:02.286" v="1117" actId="22"/>
+          <ac:spMkLst>
+            <pc:docMk/>
+            <pc:sldMk cId="2711256727" sldId="280"/>
+            <ac:spMk id="6" creationId="{1CF7221C-6247-F297-FACE-F13AA606BA7E}"/>
+          </ac:spMkLst>
+        </pc:spChg>
+        <pc:spChg chg="add mod">
+          <ac:chgData name="Ted Bjurlin" userId="5ccda0f4-f26a-41cd-9b51-5b6765d069bf" providerId="ADAL" clId="{50B32702-54B6-4807-8C94-D2962061F8CD}" dt="2025-10-24T16:39:12.378" v="1243" actId="20577"/>
+          <ac:spMkLst>
+            <pc:docMk/>
+            <pc:sldMk cId="2711256727" sldId="280"/>
+            <ac:spMk id="8" creationId="{5FFB546B-FAB3-5587-DEB6-2C2FFFE41D8A}"/>
+          </ac:spMkLst>
+        </pc:spChg>
+        <pc:picChg chg="mod">
+          <ac:chgData name="Ted Bjurlin" userId="5ccda0f4-f26a-41cd-9b51-5b6765d069bf" providerId="ADAL" clId="{50B32702-54B6-4807-8C94-D2962061F8CD}" dt="2025-10-24T16:40:11.755" v="1245" actId="1076"/>
+          <ac:picMkLst>
+            <pc:docMk/>
+            <pc:sldMk cId="2711256727" sldId="280"/>
+            <ac:picMk id="9" creationId="{F86468FC-C423-5658-2364-E8D90476727E}"/>
+          </ac:picMkLst>
+        </pc:picChg>
+      </pc:sldChg>
+      <pc:sldChg chg="addSp delSp modSp mod modClrScheme chgLayout">
+        <pc:chgData name="Ted Bjurlin" userId="5ccda0f4-f26a-41cd-9b51-5b6765d069bf" providerId="ADAL" clId="{50B32702-54B6-4807-8C94-D2962061F8CD}" dt="2025-10-24T17:23:47.049" v="1479" actId="1076"/>
+        <pc:sldMkLst>
+          <pc:docMk/>
+          <pc:sldMk cId="1174091969" sldId="281"/>
+        </pc:sldMkLst>
+        <pc:spChg chg="mod ord">
+          <ac:chgData name="Ted Bjurlin" userId="5ccda0f4-f26a-41cd-9b51-5b6765d069bf" providerId="ADAL" clId="{50B32702-54B6-4807-8C94-D2962061F8CD}" dt="2025-10-24T17:23:19.813" v="1475" actId="1076"/>
+          <ac:spMkLst>
+            <pc:docMk/>
+            <pc:sldMk cId="1174091969" sldId="281"/>
+            <ac:spMk id="2" creationId="{03AF6988-786F-5B65-2813-7BE3C3BE3D90}"/>
+          </ac:spMkLst>
+        </pc:spChg>
+        <pc:spChg chg="del">
+          <ac:chgData name="Ted Bjurlin" userId="5ccda0f4-f26a-41cd-9b51-5b6765d069bf" providerId="ADAL" clId="{50B32702-54B6-4807-8C94-D2962061F8CD}" dt="2025-10-24T17:17:18.358" v="1376" actId="478"/>
+          <ac:spMkLst>
+            <pc:docMk/>
+            <pc:sldMk cId="1174091969" sldId="281"/>
+            <ac:spMk id="11" creationId="{2B7714A3-FDCA-4F12-F46E-5681ED1A39CC}"/>
+          </ac:spMkLst>
+        </pc:spChg>
+        <pc:spChg chg="add mod">
+          <ac:chgData name="Ted Bjurlin" userId="5ccda0f4-f26a-41cd-9b51-5b6765d069bf" providerId="ADAL" clId="{50B32702-54B6-4807-8C94-D2962061F8CD}" dt="2025-10-24T17:23:32.092" v="1477" actId="1076"/>
+          <ac:spMkLst>
+            <pc:docMk/>
+            <pc:sldMk cId="1174091969" sldId="281"/>
+            <ac:spMk id="12" creationId="{2B89FFAF-55DF-0AF4-4EEB-0DC4EAA194EA}"/>
+          </ac:spMkLst>
+        </pc:spChg>
+        <pc:spChg chg="add del mod ord">
+          <ac:chgData name="Ted Bjurlin" userId="5ccda0f4-f26a-41cd-9b51-5b6765d069bf" providerId="ADAL" clId="{50B32702-54B6-4807-8C94-D2962061F8CD}" dt="2025-10-24T17:23:26.573" v="1476" actId="478"/>
+          <ac:spMkLst>
+            <pc:docMk/>
+            <pc:sldMk cId="1174091969" sldId="281"/>
+            <ac:spMk id="13" creationId="{C4066CD1-B109-5979-3487-C7ECE5D40DA1}"/>
+          </ac:spMkLst>
+        </pc:spChg>
+        <pc:picChg chg="mod">
+          <ac:chgData name="Ted Bjurlin" userId="5ccda0f4-f26a-41cd-9b51-5b6765d069bf" providerId="ADAL" clId="{50B32702-54B6-4807-8C94-D2962061F8CD}" dt="2025-10-24T17:23:47.049" v="1479" actId="1076"/>
+          <ac:picMkLst>
+            <pc:docMk/>
+            <pc:sldMk cId="1174091969" sldId="281"/>
+            <ac:picMk id="4" creationId="{BD515EE2-C04B-39B4-8A91-E0A88684CDD5}"/>
+          </ac:picMkLst>
+        </pc:picChg>
       </pc:sldChg>
     </pc:docChg>
   </pc:docChgLst>
@@ -1679,6 +1869,22 @@
     </pc:docChg>
   </pc:docChgLst>
   <pc:docChgLst>
+    <pc:chgData name="Claire Oliver" userId="S::doliver@rocketsoftware.com::acdb28d9-e31d-470e-b9d1-813f9afc5a02" providerId="AD" clId="Web-{BCF17668-D8BB-90FE-3545-97D664B18EF5}"/>
+    <pc:docChg chg="modSld">
+      <pc:chgData name="Claire Oliver" userId="S::doliver@rocketsoftware.com::acdb28d9-e31d-470e-b9d1-813f9afc5a02" providerId="AD" clId="Web-{BCF17668-D8BB-90FE-3545-97D664B18EF5}" dt="2025-10-22T21:48:34.978" v="836"/>
+      <pc:docMkLst>
+        <pc:docMk/>
+      </pc:docMkLst>
+      <pc:sldChg chg="modNotes">
+        <pc:chgData name="Claire Oliver" userId="S::doliver@rocketsoftware.com::acdb28d9-e31d-470e-b9d1-813f9afc5a02" providerId="AD" clId="Web-{BCF17668-D8BB-90FE-3545-97D664B18EF5}" dt="2025-10-22T21:48:34.978" v="836"/>
+        <pc:sldMkLst>
+          <pc:docMk/>
+          <pc:sldMk cId="2170380744" sldId="260"/>
+        </pc:sldMkLst>
+      </pc:sldChg>
+    </pc:docChg>
+  </pc:docChgLst>
+  <pc:docChgLst>
     <pc:chgData name="Janniebeth Melendez Torres" userId="S::jmelendeztorres@rocketsoftware.com::25d978bd-68e7-499a-b3e4-56238858c328" providerId="AD" clId="Web-{99D3C9EF-57E1-6043-95EC-B04B427EBECA}"/>
     <pc:docChg chg="modSld">
       <pc:chgData name="Janniebeth Melendez Torres" userId="S::jmelendeztorres@rocketsoftware.com::25d978bd-68e7-499a-b3e4-56238858c328" providerId="AD" clId="Web-{99D3C9EF-57E1-6043-95EC-B04B427EBECA}" dt="2025-10-22T20:55:56.205" v="261" actId="20577"/>
@@ -2158,13 +2364,7 @@
   <p:cSld>
     <p:spTree>
       <p:nvGrpSpPr>
-        <p:cNvPr id="1" name="">
-          <a:extLst>
-            <a:ext uri="{FF2B5EF4-FFF2-40B4-BE49-F238E27FC236}">
-              <a16:creationId xmlns:a16="http://schemas.microsoft.com/office/drawing/2014/main" id="{E0FCC0D6-0A14-DAC8-858B-A798F4763EE5}"/>
-            </a:ext>
-          </a:extLst>
-        </p:cNvPr>
+        <p:cNvPr id="1" name=""/>
         <p:cNvGrpSpPr/>
         <p:nvPr/>
       </p:nvGrpSpPr>
@@ -2178,13 +2378,7 @@
       </p:grpSpPr>
       <p:sp>
         <p:nvSpPr>
-          <p:cNvPr id="2" name="Slide Image Placeholder 1">
-            <a:extLst>
-              <a:ext uri="{FF2B5EF4-FFF2-40B4-BE49-F238E27FC236}">
-                <a16:creationId xmlns:a16="http://schemas.microsoft.com/office/drawing/2014/main" id="{1EB82A23-1C1C-2227-1123-CCB5E68454FC}"/>
-              </a:ext>
-            </a:extLst>
-          </p:cNvPr>
+          <p:cNvPr id="2" name="Slide Image Placeholder 1"/>
           <p:cNvSpPr>
             <a:spLocks noGrp="1" noRot="1" noChangeAspect="1"/>
           </p:cNvSpPr>
@@ -2196,13 +2390,7 @@
       </p:sp>
       <p:sp>
         <p:nvSpPr>
-          <p:cNvPr id="3" name="Notes Placeholder 2">
-            <a:extLst>
-              <a:ext uri="{FF2B5EF4-FFF2-40B4-BE49-F238E27FC236}">
-                <a16:creationId xmlns:a16="http://schemas.microsoft.com/office/drawing/2014/main" id="{52CCB715-FCC4-079B-C64C-E0CE0F950D0A}"/>
-              </a:ext>
-            </a:extLst>
-          </p:cNvPr>
+          <p:cNvPr id="3" name="Notes Placeholder 2"/>
           <p:cNvSpPr>
             <a:spLocks noGrp="1"/>
           </p:cNvSpPr>
@@ -2215,28 +2403,16 @@
           <a:bodyPr/>
           <a:lstStyle/>
           <a:p>
-            <a:pPr marL="0" indent="0">
-              <a:buNone/>
-            </a:pPr>
             <a:r>
-              <a:rPr lang="en-US">
-                <a:ea typeface="Calibri"/>
-                <a:cs typeface="Calibri"/>
-              </a:rPr>
-              <a:t>[BEN]</a:t>
+              <a:rPr lang="en-US"/>
+              <a:t>[TED]</a:t>
             </a:r>
           </a:p>
         </p:txBody>
       </p:sp>
       <p:sp>
         <p:nvSpPr>
-          <p:cNvPr id="4" name="Slide Number Placeholder 3">
-            <a:extLst>
-              <a:ext uri="{FF2B5EF4-FFF2-40B4-BE49-F238E27FC236}">
-                <a16:creationId xmlns:a16="http://schemas.microsoft.com/office/drawing/2014/main" id="{2472E8BA-7A39-71C1-D415-E00E3FF5303E}"/>
-              </a:ext>
-            </a:extLst>
-          </p:cNvPr>
+          <p:cNvPr id="4" name="Slide Number Placeholder 3"/>
           <p:cNvSpPr>
             <a:spLocks noGrp="1"/>
           </p:cNvSpPr>
@@ -2250,6 +2426,7 @@
           <a:lstStyle/>
           <a:p>
             <a:fld id="{586B8847-CB14-4BCF-B40F-13B59135254A}" type="slidenum">
+              <a:rPr lang="en-US" smtClean="0"/>
               <a:t>10</a:t>
             </a:fld>
             <a:endParaRPr lang="en-US"/>
@@ -2259,7 +2436,7 @@
     </p:spTree>
     <p:extLst>
       <p:ext uri="{BB962C8B-B14F-4D97-AF65-F5344CB8AC3E}">
-        <p14:creationId xmlns:p14="http://schemas.microsoft.com/office/powerpoint/2010/main" val="2455860150"/>
+        <p14:creationId xmlns:p14="http://schemas.microsoft.com/office/powerpoint/2010/main" val="1954976544"/>
       </p:ext>
     </p:extLst>
   </p:cSld>
@@ -2270,470 +2447,6 @@
 </file>
 
 <file path=ppt/notesSlides/notesSlide11.xml><?xml version="1.0" encoding="utf-8"?>
-<p:notes xmlns:a="http://schemas.openxmlformats.org/drawingml/2006/main" xmlns:r="http://schemas.openxmlformats.org/officeDocument/2006/relationships" xmlns:p="http://schemas.openxmlformats.org/presentationml/2006/main">
-  <p:cSld>
-    <p:spTree>
-      <p:nvGrpSpPr>
-        <p:cNvPr id="1" name="">
-          <a:extLst>
-            <a:ext uri="{FF2B5EF4-FFF2-40B4-BE49-F238E27FC236}">
-              <a16:creationId xmlns:a16="http://schemas.microsoft.com/office/drawing/2014/main" id="{8CCAD42F-E5D2-FFD3-CA33-D4A807A16771}"/>
-            </a:ext>
-          </a:extLst>
-        </p:cNvPr>
-        <p:cNvGrpSpPr/>
-        <p:nvPr/>
-      </p:nvGrpSpPr>
-      <p:grpSpPr>
-        <a:xfrm>
-          <a:off x="0" y="0"/>
-          <a:ext cx="0" cy="0"/>
-          <a:chOff x="0" y="0"/>
-          <a:chExt cx="0" cy="0"/>
-        </a:xfrm>
-      </p:grpSpPr>
-      <p:sp>
-        <p:nvSpPr>
-          <p:cNvPr id="2" name="Slide Image Placeholder 1">
-            <a:extLst>
-              <a:ext uri="{FF2B5EF4-FFF2-40B4-BE49-F238E27FC236}">
-                <a16:creationId xmlns:a16="http://schemas.microsoft.com/office/drawing/2014/main" id="{BBE37B17-5E2A-E9FA-2F67-C8CA38766BD8}"/>
-              </a:ext>
-            </a:extLst>
-          </p:cNvPr>
-          <p:cNvSpPr>
-            <a:spLocks noGrp="1" noRot="1" noChangeAspect="1"/>
-          </p:cNvSpPr>
-          <p:nvPr>
-            <p:ph type="sldImg"/>
-          </p:nvPr>
-        </p:nvSpPr>
-        <p:spPr/>
-      </p:sp>
-      <p:sp>
-        <p:nvSpPr>
-          <p:cNvPr id="3" name="Notes Placeholder 2">
-            <a:extLst>
-              <a:ext uri="{FF2B5EF4-FFF2-40B4-BE49-F238E27FC236}">
-                <a16:creationId xmlns:a16="http://schemas.microsoft.com/office/drawing/2014/main" id="{8DB126B5-0F19-7D36-4293-5B7B985A4C01}"/>
-              </a:ext>
-            </a:extLst>
-          </p:cNvPr>
-          <p:cNvSpPr>
-            <a:spLocks noGrp="1"/>
-          </p:cNvSpPr>
-          <p:nvPr>
-            <p:ph type="body" idx="1"/>
-          </p:nvPr>
-        </p:nvSpPr>
-        <p:spPr/>
-        <p:txBody>
-          <a:bodyPr/>
-          <a:lstStyle/>
-          <a:p>
-            <a:pPr marL="0" indent="0">
-              <a:buNone/>
-            </a:pPr>
-            <a:r>
-              <a:rPr lang="en-US">
-                <a:ea typeface="Calibri"/>
-                <a:cs typeface="Calibri"/>
-              </a:rPr>
-              <a:t>[BEN]</a:t>
-            </a:r>
-          </a:p>
-        </p:txBody>
-      </p:sp>
-      <p:sp>
-        <p:nvSpPr>
-          <p:cNvPr id="4" name="Slide Number Placeholder 3">
-            <a:extLst>
-              <a:ext uri="{FF2B5EF4-FFF2-40B4-BE49-F238E27FC236}">
-                <a16:creationId xmlns:a16="http://schemas.microsoft.com/office/drawing/2014/main" id="{4CB3B6D5-954E-8114-8C29-ED906488A197}"/>
-              </a:ext>
-            </a:extLst>
-          </p:cNvPr>
-          <p:cNvSpPr>
-            <a:spLocks noGrp="1"/>
-          </p:cNvSpPr>
-          <p:nvPr>
-            <p:ph type="sldNum" sz="quarter" idx="5"/>
-          </p:nvPr>
-        </p:nvSpPr>
-        <p:spPr/>
-        <p:txBody>
-          <a:bodyPr/>
-          <a:lstStyle/>
-          <a:p>
-            <a:fld id="{586B8847-CB14-4BCF-B40F-13B59135254A}" type="slidenum">
-              <a:t>11</a:t>
-            </a:fld>
-            <a:endParaRPr lang="en-US"/>
-          </a:p>
-        </p:txBody>
-      </p:sp>
-    </p:spTree>
-    <p:extLst>
-      <p:ext uri="{BB962C8B-B14F-4D97-AF65-F5344CB8AC3E}">
-        <p14:creationId xmlns:p14="http://schemas.microsoft.com/office/powerpoint/2010/main" val="4254494741"/>
-      </p:ext>
-    </p:extLst>
-  </p:cSld>
-  <p:clrMapOvr>
-    <a:masterClrMapping/>
-  </p:clrMapOvr>
-</p:notes>
-</file>
-
-<file path=ppt/notesSlides/notesSlide12.xml><?xml version="1.0" encoding="utf-8"?>
-<p:notes xmlns:a="http://schemas.openxmlformats.org/drawingml/2006/main" xmlns:r="http://schemas.openxmlformats.org/officeDocument/2006/relationships" xmlns:p="http://schemas.openxmlformats.org/presentationml/2006/main">
-  <p:cSld>
-    <p:spTree>
-      <p:nvGrpSpPr>
-        <p:cNvPr id="1" name="">
-          <a:extLst>
-            <a:ext uri="{FF2B5EF4-FFF2-40B4-BE49-F238E27FC236}">
-              <a16:creationId xmlns:a16="http://schemas.microsoft.com/office/drawing/2014/main" id="{B5B677DB-3D90-008D-5D44-A202780E94F4}"/>
-            </a:ext>
-          </a:extLst>
-        </p:cNvPr>
-        <p:cNvGrpSpPr/>
-        <p:nvPr/>
-      </p:nvGrpSpPr>
-      <p:grpSpPr>
-        <a:xfrm>
-          <a:off x="0" y="0"/>
-          <a:ext cx="0" cy="0"/>
-          <a:chOff x="0" y="0"/>
-          <a:chExt cx="0" cy="0"/>
-        </a:xfrm>
-      </p:grpSpPr>
-      <p:sp>
-        <p:nvSpPr>
-          <p:cNvPr id="2" name="Slide Image Placeholder 1">
-            <a:extLst>
-              <a:ext uri="{FF2B5EF4-FFF2-40B4-BE49-F238E27FC236}">
-                <a16:creationId xmlns:a16="http://schemas.microsoft.com/office/drawing/2014/main" id="{1E06C5BC-D82B-5DA6-BE7F-407202C07FFD}"/>
-              </a:ext>
-            </a:extLst>
-          </p:cNvPr>
-          <p:cNvSpPr>
-            <a:spLocks noGrp="1" noRot="1" noChangeAspect="1"/>
-          </p:cNvSpPr>
-          <p:nvPr>
-            <p:ph type="sldImg"/>
-          </p:nvPr>
-        </p:nvSpPr>
-        <p:spPr/>
-      </p:sp>
-      <p:sp>
-        <p:nvSpPr>
-          <p:cNvPr id="3" name="Notes Placeholder 2">
-            <a:extLst>
-              <a:ext uri="{FF2B5EF4-FFF2-40B4-BE49-F238E27FC236}">
-                <a16:creationId xmlns:a16="http://schemas.microsoft.com/office/drawing/2014/main" id="{F3A46C34-3764-ADA1-0111-D3E5DFCB819E}"/>
-              </a:ext>
-            </a:extLst>
-          </p:cNvPr>
-          <p:cNvSpPr>
-            <a:spLocks noGrp="1"/>
-          </p:cNvSpPr>
-          <p:nvPr>
-            <p:ph type="body" idx="1"/>
-          </p:nvPr>
-        </p:nvSpPr>
-        <p:spPr/>
-        <p:txBody>
-          <a:bodyPr/>
-          <a:lstStyle/>
-          <a:p>
-            <a:pPr marL="0" indent="0">
-              <a:buNone/>
-            </a:pPr>
-            <a:r>
-              <a:rPr lang="en-US">
-                <a:ea typeface="Calibri"/>
-                <a:cs typeface="Calibri"/>
-              </a:rPr>
-              <a:t>[BEN]</a:t>
-            </a:r>
-          </a:p>
-        </p:txBody>
-      </p:sp>
-      <p:sp>
-        <p:nvSpPr>
-          <p:cNvPr id="4" name="Slide Number Placeholder 3">
-            <a:extLst>
-              <a:ext uri="{FF2B5EF4-FFF2-40B4-BE49-F238E27FC236}">
-                <a16:creationId xmlns:a16="http://schemas.microsoft.com/office/drawing/2014/main" id="{3FB6689A-6398-F354-F2EA-CAF944228B95}"/>
-              </a:ext>
-            </a:extLst>
-          </p:cNvPr>
-          <p:cNvSpPr>
-            <a:spLocks noGrp="1"/>
-          </p:cNvSpPr>
-          <p:nvPr>
-            <p:ph type="sldNum" sz="quarter" idx="5"/>
-          </p:nvPr>
-        </p:nvSpPr>
-        <p:spPr/>
-        <p:txBody>
-          <a:bodyPr/>
-          <a:lstStyle/>
-          <a:p>
-            <a:fld id="{586B8847-CB14-4BCF-B40F-13B59135254A}" type="slidenum">
-              <a:t>12</a:t>
-            </a:fld>
-            <a:endParaRPr lang="en-US"/>
-          </a:p>
-        </p:txBody>
-      </p:sp>
-    </p:spTree>
-    <p:extLst>
-      <p:ext uri="{BB962C8B-B14F-4D97-AF65-F5344CB8AC3E}">
-        <p14:creationId xmlns:p14="http://schemas.microsoft.com/office/powerpoint/2010/main" val="1453511634"/>
-      </p:ext>
-    </p:extLst>
-  </p:cSld>
-  <p:clrMapOvr>
-    <a:masterClrMapping/>
-  </p:clrMapOvr>
-</p:notes>
-</file>
-
-<file path=ppt/notesSlides/notesSlide13.xml><?xml version="1.0" encoding="utf-8"?>
-<p:notes xmlns:a="http://schemas.openxmlformats.org/drawingml/2006/main" xmlns:r="http://schemas.openxmlformats.org/officeDocument/2006/relationships" xmlns:p="http://schemas.openxmlformats.org/presentationml/2006/main">
-  <p:cSld>
-    <p:spTree>
-      <p:nvGrpSpPr>
-        <p:cNvPr id="1" name="">
-          <a:extLst>
-            <a:ext uri="{FF2B5EF4-FFF2-40B4-BE49-F238E27FC236}">
-              <a16:creationId xmlns:a16="http://schemas.microsoft.com/office/drawing/2014/main" id="{DB2BF4BD-D4FD-EDCF-02B0-3FE9445A022C}"/>
-            </a:ext>
-          </a:extLst>
-        </p:cNvPr>
-        <p:cNvGrpSpPr/>
-        <p:nvPr/>
-      </p:nvGrpSpPr>
-      <p:grpSpPr>
-        <a:xfrm>
-          <a:off x="0" y="0"/>
-          <a:ext cx="0" cy="0"/>
-          <a:chOff x="0" y="0"/>
-          <a:chExt cx="0" cy="0"/>
-        </a:xfrm>
-      </p:grpSpPr>
-      <p:sp>
-        <p:nvSpPr>
-          <p:cNvPr id="2" name="Slide Image Placeholder 1">
-            <a:extLst>
-              <a:ext uri="{FF2B5EF4-FFF2-40B4-BE49-F238E27FC236}">
-                <a16:creationId xmlns:a16="http://schemas.microsoft.com/office/drawing/2014/main" id="{05667B35-FFD3-48F7-BB14-4D2C866053AC}"/>
-              </a:ext>
-            </a:extLst>
-          </p:cNvPr>
-          <p:cNvSpPr>
-            <a:spLocks noGrp="1" noRot="1" noChangeAspect="1"/>
-          </p:cNvSpPr>
-          <p:nvPr>
-            <p:ph type="sldImg"/>
-          </p:nvPr>
-        </p:nvSpPr>
-        <p:spPr/>
-      </p:sp>
-      <p:sp>
-        <p:nvSpPr>
-          <p:cNvPr id="3" name="Notes Placeholder 2">
-            <a:extLst>
-              <a:ext uri="{FF2B5EF4-FFF2-40B4-BE49-F238E27FC236}">
-                <a16:creationId xmlns:a16="http://schemas.microsoft.com/office/drawing/2014/main" id="{11DFFA7D-BFBD-46B6-73DC-E31894499821}"/>
-              </a:ext>
-            </a:extLst>
-          </p:cNvPr>
-          <p:cNvSpPr>
-            <a:spLocks noGrp="1"/>
-          </p:cNvSpPr>
-          <p:nvPr>
-            <p:ph type="body" idx="1"/>
-          </p:nvPr>
-        </p:nvSpPr>
-        <p:spPr/>
-        <p:txBody>
-          <a:bodyPr/>
-          <a:lstStyle/>
-          <a:p>
-            <a:pPr marL="0" indent="0">
-              <a:buNone/>
-            </a:pPr>
-            <a:r>
-              <a:rPr lang="en-US">
-                <a:ea typeface="Calibri"/>
-                <a:cs typeface="Calibri"/>
-              </a:rPr>
-              <a:t>[BEN]</a:t>
-            </a:r>
-          </a:p>
-        </p:txBody>
-      </p:sp>
-      <p:sp>
-        <p:nvSpPr>
-          <p:cNvPr id="4" name="Slide Number Placeholder 3">
-            <a:extLst>
-              <a:ext uri="{FF2B5EF4-FFF2-40B4-BE49-F238E27FC236}">
-                <a16:creationId xmlns:a16="http://schemas.microsoft.com/office/drawing/2014/main" id="{33A94CAC-99FA-12EE-C45D-8BAE5E6320F2}"/>
-              </a:ext>
-            </a:extLst>
-          </p:cNvPr>
-          <p:cNvSpPr>
-            <a:spLocks noGrp="1"/>
-          </p:cNvSpPr>
-          <p:nvPr>
-            <p:ph type="sldNum" sz="quarter" idx="5"/>
-          </p:nvPr>
-        </p:nvSpPr>
-        <p:spPr/>
-        <p:txBody>
-          <a:bodyPr/>
-          <a:lstStyle/>
-          <a:p>
-            <a:fld id="{586B8847-CB14-4BCF-B40F-13B59135254A}" type="slidenum">
-              <a:t>13</a:t>
-            </a:fld>
-            <a:endParaRPr lang="en-US"/>
-          </a:p>
-        </p:txBody>
-      </p:sp>
-    </p:spTree>
-    <p:extLst>
-      <p:ext uri="{BB962C8B-B14F-4D97-AF65-F5344CB8AC3E}">
-        <p14:creationId xmlns:p14="http://schemas.microsoft.com/office/powerpoint/2010/main" val="3153471110"/>
-      </p:ext>
-    </p:extLst>
-  </p:cSld>
-  <p:clrMapOvr>
-    <a:masterClrMapping/>
-  </p:clrMapOvr>
-</p:notes>
-</file>
-
-<file path=ppt/notesSlides/notesSlide14.xml><?xml version="1.0" encoding="utf-8"?>
-<p:notes xmlns:a="http://schemas.openxmlformats.org/drawingml/2006/main" xmlns:r="http://schemas.openxmlformats.org/officeDocument/2006/relationships" xmlns:p="http://schemas.openxmlformats.org/presentationml/2006/main">
-  <p:cSld>
-    <p:spTree>
-      <p:nvGrpSpPr>
-        <p:cNvPr id="1" name="">
-          <a:extLst>
-            <a:ext uri="{FF2B5EF4-FFF2-40B4-BE49-F238E27FC236}">
-              <a16:creationId xmlns:a16="http://schemas.microsoft.com/office/drawing/2014/main" id="{BA484FEB-E52C-0E52-29DE-BFF4CC2957D7}"/>
-            </a:ext>
-          </a:extLst>
-        </p:cNvPr>
-        <p:cNvGrpSpPr/>
-        <p:nvPr/>
-      </p:nvGrpSpPr>
-      <p:grpSpPr>
-        <a:xfrm>
-          <a:off x="0" y="0"/>
-          <a:ext cx="0" cy="0"/>
-          <a:chOff x="0" y="0"/>
-          <a:chExt cx="0" cy="0"/>
-        </a:xfrm>
-      </p:grpSpPr>
-      <p:sp>
-        <p:nvSpPr>
-          <p:cNvPr id="2" name="Slide Image Placeholder 1">
-            <a:extLst>
-              <a:ext uri="{FF2B5EF4-FFF2-40B4-BE49-F238E27FC236}">
-                <a16:creationId xmlns:a16="http://schemas.microsoft.com/office/drawing/2014/main" id="{9D3F7371-5789-FF60-6C74-10187AB8126A}"/>
-              </a:ext>
-            </a:extLst>
-          </p:cNvPr>
-          <p:cNvSpPr>
-            <a:spLocks noGrp="1" noRot="1" noChangeAspect="1"/>
-          </p:cNvSpPr>
-          <p:nvPr>
-            <p:ph type="sldImg"/>
-          </p:nvPr>
-        </p:nvSpPr>
-        <p:spPr/>
-      </p:sp>
-      <p:sp>
-        <p:nvSpPr>
-          <p:cNvPr id="3" name="Notes Placeholder 2">
-            <a:extLst>
-              <a:ext uri="{FF2B5EF4-FFF2-40B4-BE49-F238E27FC236}">
-                <a16:creationId xmlns:a16="http://schemas.microsoft.com/office/drawing/2014/main" id="{B6234126-55A8-DC93-871F-A0494540A61D}"/>
-              </a:ext>
-            </a:extLst>
-          </p:cNvPr>
-          <p:cNvSpPr>
-            <a:spLocks noGrp="1"/>
-          </p:cNvSpPr>
-          <p:nvPr>
-            <p:ph type="body" idx="1"/>
-          </p:nvPr>
-        </p:nvSpPr>
-        <p:spPr/>
-        <p:txBody>
-          <a:bodyPr/>
-          <a:lstStyle/>
-          <a:p>
-            <a:pPr marL="0" indent="0">
-              <a:buNone/>
-            </a:pPr>
-            <a:r>
-              <a:rPr lang="en-US">
-                <a:ea typeface="Calibri"/>
-                <a:cs typeface="Calibri"/>
-              </a:rPr>
-              <a:t>[BEN]</a:t>
-            </a:r>
-          </a:p>
-        </p:txBody>
-      </p:sp>
-      <p:sp>
-        <p:nvSpPr>
-          <p:cNvPr id="4" name="Slide Number Placeholder 3">
-            <a:extLst>
-              <a:ext uri="{FF2B5EF4-FFF2-40B4-BE49-F238E27FC236}">
-                <a16:creationId xmlns:a16="http://schemas.microsoft.com/office/drawing/2014/main" id="{14B9F567-DF71-BB18-4B0D-A60E2842590B}"/>
-              </a:ext>
-            </a:extLst>
-          </p:cNvPr>
-          <p:cNvSpPr>
-            <a:spLocks noGrp="1"/>
-          </p:cNvSpPr>
-          <p:nvPr>
-            <p:ph type="sldNum" sz="quarter" idx="5"/>
-          </p:nvPr>
-        </p:nvSpPr>
-        <p:spPr/>
-        <p:txBody>
-          <a:bodyPr/>
-          <a:lstStyle/>
-          <a:p>
-            <a:fld id="{586B8847-CB14-4BCF-B40F-13B59135254A}" type="slidenum">
-              <a:t>14</a:t>
-            </a:fld>
-            <a:endParaRPr lang="en-US"/>
-          </a:p>
-        </p:txBody>
-      </p:sp>
-    </p:spTree>
-    <p:extLst>
-      <p:ext uri="{BB962C8B-B14F-4D97-AF65-F5344CB8AC3E}">
-        <p14:creationId xmlns:p14="http://schemas.microsoft.com/office/powerpoint/2010/main" val="265404755"/>
-      </p:ext>
-    </p:extLst>
-  </p:cSld>
-  <p:clrMapOvr>
-    <a:masterClrMapping/>
-  </p:clrMapOvr>
-</p:notes>
-</file>
-
-<file path=ppt/notesSlides/notesSlide15.xml><?xml version="1.0" encoding="utf-8"?>
 <p:notes xmlns:a="http://schemas.openxmlformats.org/drawingml/2006/main" xmlns:r="http://schemas.openxmlformats.org/officeDocument/2006/relationships" xmlns:p="http://schemas.openxmlformats.org/presentationml/2006/main">
   <p:cSld>
     <p:spTree>
@@ -2806,7 +2519,7 @@
           <a:lstStyle/>
           <a:p>
             <a:fld id="{586B8847-CB14-4BCF-B40F-13B59135254A}" type="slidenum">
-              <a:t>15</a:t>
+              <a:t>11</a:t>
             </a:fld>
             <a:endParaRPr lang="en-US"/>
           </a:p>
@@ -2815,7 +2528,471 @@
     </p:spTree>
     <p:extLst>
       <p:ext uri="{BB962C8B-B14F-4D97-AF65-F5344CB8AC3E}">
-        <p14:creationId xmlns:p14="http://schemas.microsoft.com/office/powerpoint/2010/main" val="3103794510"/>
+        <p14:creationId xmlns:p14="http://schemas.microsoft.com/office/powerpoint/2010/main" val="369841430"/>
+      </p:ext>
+    </p:extLst>
+  </p:cSld>
+  <p:clrMapOvr>
+    <a:masterClrMapping/>
+  </p:clrMapOvr>
+</p:notes>
+</file>
+
+<file path=ppt/notesSlides/notesSlide12.xml><?xml version="1.0" encoding="utf-8"?>
+<p:notes xmlns:a="http://schemas.openxmlformats.org/drawingml/2006/main" xmlns:r="http://schemas.openxmlformats.org/officeDocument/2006/relationships" xmlns:p="http://schemas.openxmlformats.org/presentationml/2006/main">
+  <p:cSld>
+    <p:spTree>
+      <p:nvGrpSpPr>
+        <p:cNvPr id="1" name="">
+          <a:extLst>
+            <a:ext uri="{FF2B5EF4-FFF2-40B4-BE49-F238E27FC236}">
+              <a16:creationId xmlns:a16="http://schemas.microsoft.com/office/drawing/2014/main" id="{E0FCC0D6-0A14-DAC8-858B-A798F4763EE5}"/>
+            </a:ext>
+          </a:extLst>
+        </p:cNvPr>
+        <p:cNvGrpSpPr/>
+        <p:nvPr/>
+      </p:nvGrpSpPr>
+      <p:grpSpPr>
+        <a:xfrm>
+          <a:off x="0" y="0"/>
+          <a:ext cx="0" cy="0"/>
+          <a:chOff x="0" y="0"/>
+          <a:chExt cx="0" cy="0"/>
+        </a:xfrm>
+      </p:grpSpPr>
+      <p:sp>
+        <p:nvSpPr>
+          <p:cNvPr id="2" name="Slide Image Placeholder 1">
+            <a:extLst>
+              <a:ext uri="{FF2B5EF4-FFF2-40B4-BE49-F238E27FC236}">
+                <a16:creationId xmlns:a16="http://schemas.microsoft.com/office/drawing/2014/main" id="{1EB82A23-1C1C-2227-1123-CCB5E68454FC}"/>
+              </a:ext>
+            </a:extLst>
+          </p:cNvPr>
+          <p:cNvSpPr>
+            <a:spLocks noGrp="1" noRot="1" noChangeAspect="1"/>
+          </p:cNvSpPr>
+          <p:nvPr>
+            <p:ph type="sldImg"/>
+          </p:nvPr>
+        </p:nvSpPr>
+        <p:spPr/>
+      </p:sp>
+      <p:sp>
+        <p:nvSpPr>
+          <p:cNvPr id="3" name="Notes Placeholder 2">
+            <a:extLst>
+              <a:ext uri="{FF2B5EF4-FFF2-40B4-BE49-F238E27FC236}">
+                <a16:creationId xmlns:a16="http://schemas.microsoft.com/office/drawing/2014/main" id="{52CCB715-FCC4-079B-C64C-E0CE0F950D0A}"/>
+              </a:ext>
+            </a:extLst>
+          </p:cNvPr>
+          <p:cNvSpPr>
+            <a:spLocks noGrp="1"/>
+          </p:cNvSpPr>
+          <p:nvPr>
+            <p:ph type="body" idx="1"/>
+          </p:nvPr>
+        </p:nvSpPr>
+        <p:spPr/>
+        <p:txBody>
+          <a:bodyPr/>
+          <a:lstStyle/>
+          <a:p>
+            <a:pPr marL="0" indent="0">
+              <a:buNone/>
+            </a:pPr>
+            <a:r>
+              <a:rPr lang="en-US">
+                <a:ea typeface="Calibri"/>
+                <a:cs typeface="Calibri"/>
+              </a:rPr>
+              <a:t>[BEN]</a:t>
+            </a:r>
+          </a:p>
+        </p:txBody>
+      </p:sp>
+      <p:sp>
+        <p:nvSpPr>
+          <p:cNvPr id="4" name="Slide Number Placeholder 3">
+            <a:extLst>
+              <a:ext uri="{FF2B5EF4-FFF2-40B4-BE49-F238E27FC236}">
+                <a16:creationId xmlns:a16="http://schemas.microsoft.com/office/drawing/2014/main" id="{2472E8BA-7A39-71C1-D415-E00E3FF5303E}"/>
+              </a:ext>
+            </a:extLst>
+          </p:cNvPr>
+          <p:cNvSpPr>
+            <a:spLocks noGrp="1"/>
+          </p:cNvSpPr>
+          <p:nvPr>
+            <p:ph type="sldNum" sz="quarter" idx="5"/>
+          </p:nvPr>
+        </p:nvSpPr>
+        <p:spPr/>
+        <p:txBody>
+          <a:bodyPr/>
+          <a:lstStyle/>
+          <a:p>
+            <a:fld id="{586B8847-CB14-4BCF-B40F-13B59135254A}" type="slidenum">
+              <a:t>12</a:t>
+            </a:fld>
+            <a:endParaRPr lang="en-US"/>
+          </a:p>
+        </p:txBody>
+      </p:sp>
+    </p:spTree>
+    <p:extLst>
+      <p:ext uri="{BB962C8B-B14F-4D97-AF65-F5344CB8AC3E}">
+        <p14:creationId xmlns:p14="http://schemas.microsoft.com/office/powerpoint/2010/main" val="2455860150"/>
+      </p:ext>
+    </p:extLst>
+  </p:cSld>
+  <p:clrMapOvr>
+    <a:masterClrMapping/>
+  </p:clrMapOvr>
+</p:notes>
+</file>
+
+<file path=ppt/notesSlides/notesSlide13.xml><?xml version="1.0" encoding="utf-8"?>
+<p:notes xmlns:a="http://schemas.openxmlformats.org/drawingml/2006/main" xmlns:r="http://schemas.openxmlformats.org/officeDocument/2006/relationships" xmlns:p="http://schemas.openxmlformats.org/presentationml/2006/main">
+  <p:cSld>
+    <p:spTree>
+      <p:nvGrpSpPr>
+        <p:cNvPr id="1" name="">
+          <a:extLst>
+            <a:ext uri="{FF2B5EF4-FFF2-40B4-BE49-F238E27FC236}">
+              <a16:creationId xmlns:a16="http://schemas.microsoft.com/office/drawing/2014/main" id="{8CCAD42F-E5D2-FFD3-CA33-D4A807A16771}"/>
+            </a:ext>
+          </a:extLst>
+        </p:cNvPr>
+        <p:cNvGrpSpPr/>
+        <p:nvPr/>
+      </p:nvGrpSpPr>
+      <p:grpSpPr>
+        <a:xfrm>
+          <a:off x="0" y="0"/>
+          <a:ext cx="0" cy="0"/>
+          <a:chOff x="0" y="0"/>
+          <a:chExt cx="0" cy="0"/>
+        </a:xfrm>
+      </p:grpSpPr>
+      <p:sp>
+        <p:nvSpPr>
+          <p:cNvPr id="2" name="Slide Image Placeholder 1">
+            <a:extLst>
+              <a:ext uri="{FF2B5EF4-FFF2-40B4-BE49-F238E27FC236}">
+                <a16:creationId xmlns:a16="http://schemas.microsoft.com/office/drawing/2014/main" id="{BBE37B17-5E2A-E9FA-2F67-C8CA38766BD8}"/>
+              </a:ext>
+            </a:extLst>
+          </p:cNvPr>
+          <p:cNvSpPr>
+            <a:spLocks noGrp="1" noRot="1" noChangeAspect="1"/>
+          </p:cNvSpPr>
+          <p:nvPr>
+            <p:ph type="sldImg"/>
+          </p:nvPr>
+        </p:nvSpPr>
+        <p:spPr/>
+      </p:sp>
+      <p:sp>
+        <p:nvSpPr>
+          <p:cNvPr id="3" name="Notes Placeholder 2">
+            <a:extLst>
+              <a:ext uri="{FF2B5EF4-FFF2-40B4-BE49-F238E27FC236}">
+                <a16:creationId xmlns:a16="http://schemas.microsoft.com/office/drawing/2014/main" id="{8DB126B5-0F19-7D36-4293-5B7B985A4C01}"/>
+              </a:ext>
+            </a:extLst>
+          </p:cNvPr>
+          <p:cNvSpPr>
+            <a:spLocks noGrp="1"/>
+          </p:cNvSpPr>
+          <p:nvPr>
+            <p:ph type="body" idx="1"/>
+          </p:nvPr>
+        </p:nvSpPr>
+        <p:spPr/>
+        <p:txBody>
+          <a:bodyPr/>
+          <a:lstStyle/>
+          <a:p>
+            <a:pPr marL="0" indent="0">
+              <a:buNone/>
+            </a:pPr>
+            <a:r>
+              <a:rPr lang="en-US">
+                <a:ea typeface="Calibri"/>
+                <a:cs typeface="Calibri"/>
+              </a:rPr>
+              <a:t>[BEN]</a:t>
+            </a:r>
+          </a:p>
+        </p:txBody>
+      </p:sp>
+      <p:sp>
+        <p:nvSpPr>
+          <p:cNvPr id="4" name="Slide Number Placeholder 3">
+            <a:extLst>
+              <a:ext uri="{FF2B5EF4-FFF2-40B4-BE49-F238E27FC236}">
+                <a16:creationId xmlns:a16="http://schemas.microsoft.com/office/drawing/2014/main" id="{4CB3B6D5-954E-8114-8C29-ED906488A197}"/>
+              </a:ext>
+            </a:extLst>
+          </p:cNvPr>
+          <p:cNvSpPr>
+            <a:spLocks noGrp="1"/>
+          </p:cNvSpPr>
+          <p:nvPr>
+            <p:ph type="sldNum" sz="quarter" idx="5"/>
+          </p:nvPr>
+        </p:nvSpPr>
+        <p:spPr/>
+        <p:txBody>
+          <a:bodyPr/>
+          <a:lstStyle/>
+          <a:p>
+            <a:fld id="{586B8847-CB14-4BCF-B40F-13B59135254A}" type="slidenum">
+              <a:t>13</a:t>
+            </a:fld>
+            <a:endParaRPr lang="en-US"/>
+          </a:p>
+        </p:txBody>
+      </p:sp>
+    </p:spTree>
+    <p:extLst>
+      <p:ext uri="{BB962C8B-B14F-4D97-AF65-F5344CB8AC3E}">
+        <p14:creationId xmlns:p14="http://schemas.microsoft.com/office/powerpoint/2010/main" val="4254494741"/>
+      </p:ext>
+    </p:extLst>
+  </p:cSld>
+  <p:clrMapOvr>
+    <a:masterClrMapping/>
+  </p:clrMapOvr>
+</p:notes>
+</file>
+
+<file path=ppt/notesSlides/notesSlide14.xml><?xml version="1.0" encoding="utf-8"?>
+<p:notes xmlns:a="http://schemas.openxmlformats.org/drawingml/2006/main" xmlns:r="http://schemas.openxmlformats.org/officeDocument/2006/relationships" xmlns:p="http://schemas.openxmlformats.org/presentationml/2006/main">
+  <p:cSld>
+    <p:spTree>
+      <p:nvGrpSpPr>
+        <p:cNvPr id="1" name="">
+          <a:extLst>
+            <a:ext uri="{FF2B5EF4-FFF2-40B4-BE49-F238E27FC236}">
+              <a16:creationId xmlns:a16="http://schemas.microsoft.com/office/drawing/2014/main" id="{B5B677DB-3D90-008D-5D44-A202780E94F4}"/>
+            </a:ext>
+          </a:extLst>
+        </p:cNvPr>
+        <p:cNvGrpSpPr/>
+        <p:nvPr/>
+      </p:nvGrpSpPr>
+      <p:grpSpPr>
+        <a:xfrm>
+          <a:off x="0" y="0"/>
+          <a:ext cx="0" cy="0"/>
+          <a:chOff x="0" y="0"/>
+          <a:chExt cx="0" cy="0"/>
+        </a:xfrm>
+      </p:grpSpPr>
+      <p:sp>
+        <p:nvSpPr>
+          <p:cNvPr id="2" name="Slide Image Placeholder 1">
+            <a:extLst>
+              <a:ext uri="{FF2B5EF4-FFF2-40B4-BE49-F238E27FC236}">
+                <a16:creationId xmlns:a16="http://schemas.microsoft.com/office/drawing/2014/main" id="{1E06C5BC-D82B-5DA6-BE7F-407202C07FFD}"/>
+              </a:ext>
+            </a:extLst>
+          </p:cNvPr>
+          <p:cNvSpPr>
+            <a:spLocks noGrp="1" noRot="1" noChangeAspect="1"/>
+          </p:cNvSpPr>
+          <p:nvPr>
+            <p:ph type="sldImg"/>
+          </p:nvPr>
+        </p:nvSpPr>
+        <p:spPr/>
+      </p:sp>
+      <p:sp>
+        <p:nvSpPr>
+          <p:cNvPr id="3" name="Notes Placeholder 2">
+            <a:extLst>
+              <a:ext uri="{FF2B5EF4-FFF2-40B4-BE49-F238E27FC236}">
+                <a16:creationId xmlns:a16="http://schemas.microsoft.com/office/drawing/2014/main" id="{F3A46C34-3764-ADA1-0111-D3E5DFCB819E}"/>
+              </a:ext>
+            </a:extLst>
+          </p:cNvPr>
+          <p:cNvSpPr>
+            <a:spLocks noGrp="1"/>
+          </p:cNvSpPr>
+          <p:nvPr>
+            <p:ph type="body" idx="1"/>
+          </p:nvPr>
+        </p:nvSpPr>
+        <p:spPr/>
+        <p:txBody>
+          <a:bodyPr/>
+          <a:lstStyle/>
+          <a:p>
+            <a:pPr marL="0" indent="0">
+              <a:buNone/>
+            </a:pPr>
+            <a:r>
+              <a:rPr lang="en-US">
+                <a:ea typeface="Calibri"/>
+                <a:cs typeface="Calibri"/>
+              </a:rPr>
+              <a:t>[BEN]</a:t>
+            </a:r>
+          </a:p>
+        </p:txBody>
+      </p:sp>
+      <p:sp>
+        <p:nvSpPr>
+          <p:cNvPr id="4" name="Slide Number Placeholder 3">
+            <a:extLst>
+              <a:ext uri="{FF2B5EF4-FFF2-40B4-BE49-F238E27FC236}">
+                <a16:creationId xmlns:a16="http://schemas.microsoft.com/office/drawing/2014/main" id="{3FB6689A-6398-F354-F2EA-CAF944228B95}"/>
+              </a:ext>
+            </a:extLst>
+          </p:cNvPr>
+          <p:cNvSpPr>
+            <a:spLocks noGrp="1"/>
+          </p:cNvSpPr>
+          <p:nvPr>
+            <p:ph type="sldNum" sz="quarter" idx="5"/>
+          </p:nvPr>
+        </p:nvSpPr>
+        <p:spPr/>
+        <p:txBody>
+          <a:bodyPr/>
+          <a:lstStyle/>
+          <a:p>
+            <a:fld id="{586B8847-CB14-4BCF-B40F-13B59135254A}" type="slidenum">
+              <a:t>14</a:t>
+            </a:fld>
+            <a:endParaRPr lang="en-US"/>
+          </a:p>
+        </p:txBody>
+      </p:sp>
+    </p:spTree>
+    <p:extLst>
+      <p:ext uri="{BB962C8B-B14F-4D97-AF65-F5344CB8AC3E}">
+        <p14:creationId xmlns:p14="http://schemas.microsoft.com/office/powerpoint/2010/main" val="1453511634"/>
+      </p:ext>
+    </p:extLst>
+  </p:cSld>
+  <p:clrMapOvr>
+    <a:masterClrMapping/>
+  </p:clrMapOvr>
+</p:notes>
+</file>
+
+<file path=ppt/notesSlides/notesSlide15.xml><?xml version="1.0" encoding="utf-8"?>
+<p:notes xmlns:a="http://schemas.openxmlformats.org/drawingml/2006/main" xmlns:r="http://schemas.openxmlformats.org/officeDocument/2006/relationships" xmlns:p="http://schemas.openxmlformats.org/presentationml/2006/main">
+  <p:cSld>
+    <p:spTree>
+      <p:nvGrpSpPr>
+        <p:cNvPr id="1" name="">
+          <a:extLst>
+            <a:ext uri="{FF2B5EF4-FFF2-40B4-BE49-F238E27FC236}">
+              <a16:creationId xmlns:a16="http://schemas.microsoft.com/office/drawing/2014/main" id="{DB2BF4BD-D4FD-EDCF-02B0-3FE9445A022C}"/>
+            </a:ext>
+          </a:extLst>
+        </p:cNvPr>
+        <p:cNvGrpSpPr/>
+        <p:nvPr/>
+      </p:nvGrpSpPr>
+      <p:grpSpPr>
+        <a:xfrm>
+          <a:off x="0" y="0"/>
+          <a:ext cx="0" cy="0"/>
+          <a:chOff x="0" y="0"/>
+          <a:chExt cx="0" cy="0"/>
+        </a:xfrm>
+      </p:grpSpPr>
+      <p:sp>
+        <p:nvSpPr>
+          <p:cNvPr id="2" name="Slide Image Placeholder 1">
+            <a:extLst>
+              <a:ext uri="{FF2B5EF4-FFF2-40B4-BE49-F238E27FC236}">
+                <a16:creationId xmlns:a16="http://schemas.microsoft.com/office/drawing/2014/main" id="{05667B35-FFD3-48F7-BB14-4D2C866053AC}"/>
+              </a:ext>
+            </a:extLst>
+          </p:cNvPr>
+          <p:cNvSpPr>
+            <a:spLocks noGrp="1" noRot="1" noChangeAspect="1"/>
+          </p:cNvSpPr>
+          <p:nvPr>
+            <p:ph type="sldImg"/>
+          </p:nvPr>
+        </p:nvSpPr>
+        <p:spPr/>
+      </p:sp>
+      <p:sp>
+        <p:nvSpPr>
+          <p:cNvPr id="3" name="Notes Placeholder 2">
+            <a:extLst>
+              <a:ext uri="{FF2B5EF4-FFF2-40B4-BE49-F238E27FC236}">
+                <a16:creationId xmlns:a16="http://schemas.microsoft.com/office/drawing/2014/main" id="{11DFFA7D-BFBD-46B6-73DC-E31894499821}"/>
+              </a:ext>
+            </a:extLst>
+          </p:cNvPr>
+          <p:cNvSpPr>
+            <a:spLocks noGrp="1"/>
+          </p:cNvSpPr>
+          <p:nvPr>
+            <p:ph type="body" idx="1"/>
+          </p:nvPr>
+        </p:nvSpPr>
+        <p:spPr/>
+        <p:txBody>
+          <a:bodyPr/>
+          <a:lstStyle/>
+          <a:p>
+            <a:pPr marL="0" indent="0">
+              <a:buNone/>
+            </a:pPr>
+            <a:r>
+              <a:rPr lang="en-US">
+                <a:ea typeface="Calibri"/>
+                <a:cs typeface="Calibri"/>
+              </a:rPr>
+              <a:t>[BEN]</a:t>
+            </a:r>
+          </a:p>
+        </p:txBody>
+      </p:sp>
+      <p:sp>
+        <p:nvSpPr>
+          <p:cNvPr id="4" name="Slide Number Placeholder 3">
+            <a:extLst>
+              <a:ext uri="{FF2B5EF4-FFF2-40B4-BE49-F238E27FC236}">
+                <a16:creationId xmlns:a16="http://schemas.microsoft.com/office/drawing/2014/main" id="{33A94CAC-99FA-12EE-C45D-8BAE5E6320F2}"/>
+              </a:ext>
+            </a:extLst>
+          </p:cNvPr>
+          <p:cNvSpPr>
+            <a:spLocks noGrp="1"/>
+          </p:cNvSpPr>
+          <p:nvPr>
+            <p:ph type="sldNum" sz="quarter" idx="5"/>
+          </p:nvPr>
+        </p:nvSpPr>
+        <p:spPr/>
+        <p:txBody>
+          <a:bodyPr/>
+          <a:lstStyle/>
+          <a:p>
+            <a:fld id="{586B8847-CB14-4BCF-B40F-13B59135254A}" type="slidenum">
+              <a:t>15</a:t>
+            </a:fld>
+            <a:endParaRPr lang="en-US"/>
+          </a:p>
+        </p:txBody>
+      </p:sp>
+    </p:spTree>
+    <p:extLst>
+      <p:ext uri="{BB962C8B-B14F-4D97-AF65-F5344CB8AC3E}">
+        <p14:creationId xmlns:p14="http://schemas.microsoft.com/office/powerpoint/2010/main" val="3153471110"/>
       </p:ext>
     </p:extLst>
   </p:cSld>
@@ -2833,7 +3010,7 @@
         <p:cNvPr id="1" name="">
           <a:extLst>
             <a:ext uri="{FF2B5EF4-FFF2-40B4-BE49-F238E27FC236}">
-              <a16:creationId xmlns:a16="http://schemas.microsoft.com/office/drawing/2014/main" id="{BD83C558-0C08-FC18-B992-2D979A50FD02}"/>
+              <a16:creationId xmlns:a16="http://schemas.microsoft.com/office/drawing/2014/main" id="{BA484FEB-E52C-0E52-29DE-BFF4CC2957D7}"/>
             </a:ext>
           </a:extLst>
         </p:cNvPr>
@@ -2853,7 +3030,7 @@
           <p:cNvPr id="2" name="Slide Image Placeholder 1">
             <a:extLst>
               <a:ext uri="{FF2B5EF4-FFF2-40B4-BE49-F238E27FC236}">
-                <a16:creationId xmlns:a16="http://schemas.microsoft.com/office/drawing/2014/main" id="{F5907DF4-09AA-EF9A-8729-2B418EC0E929}"/>
+                <a16:creationId xmlns:a16="http://schemas.microsoft.com/office/drawing/2014/main" id="{9D3F7371-5789-FF60-6C74-10187AB8126A}"/>
               </a:ext>
             </a:extLst>
           </p:cNvPr>
@@ -2871,7 +3048,7 @@
           <p:cNvPr id="3" name="Notes Placeholder 2">
             <a:extLst>
               <a:ext uri="{FF2B5EF4-FFF2-40B4-BE49-F238E27FC236}">
-                <a16:creationId xmlns:a16="http://schemas.microsoft.com/office/drawing/2014/main" id="{33615F37-64BB-E9EF-EA09-FBF32400A529}"/>
+                <a16:creationId xmlns:a16="http://schemas.microsoft.com/office/drawing/2014/main" id="{B6234126-55A8-DC93-871F-A0494540A61D}"/>
               </a:ext>
             </a:extLst>
           </p:cNvPr>
@@ -2905,7 +3082,7 @@
           <p:cNvPr id="4" name="Slide Number Placeholder 3">
             <a:extLst>
               <a:ext uri="{FF2B5EF4-FFF2-40B4-BE49-F238E27FC236}">
-                <a16:creationId xmlns:a16="http://schemas.microsoft.com/office/drawing/2014/main" id="{40A9A899-0F91-9BA7-F360-D8F0ACCF9A8A}"/>
+                <a16:creationId xmlns:a16="http://schemas.microsoft.com/office/drawing/2014/main" id="{14B9F567-DF71-BB18-4B0D-A60E2842590B}"/>
               </a:ext>
             </a:extLst>
           </p:cNvPr>
@@ -2931,7 +3108,7 @@
     </p:spTree>
     <p:extLst>
       <p:ext uri="{BB962C8B-B14F-4D97-AF65-F5344CB8AC3E}">
-        <p14:creationId xmlns:p14="http://schemas.microsoft.com/office/powerpoint/2010/main" val="1045315065"/>
+        <p14:creationId xmlns:p14="http://schemas.microsoft.com/office/powerpoint/2010/main" val="265404755"/>
       </p:ext>
     </p:extLst>
   </p:cSld>
@@ -2942,122 +3119,6 @@
 </file>
 
 <file path=ppt/notesSlides/notesSlide17.xml><?xml version="1.0" encoding="utf-8"?>
-<p:notes xmlns:a="http://schemas.openxmlformats.org/drawingml/2006/main" xmlns:r="http://schemas.openxmlformats.org/officeDocument/2006/relationships" xmlns:p="http://schemas.openxmlformats.org/presentationml/2006/main">
-  <p:cSld>
-    <p:spTree>
-      <p:nvGrpSpPr>
-        <p:cNvPr id="1" name="">
-          <a:extLst>
-            <a:ext uri="{FF2B5EF4-FFF2-40B4-BE49-F238E27FC236}">
-              <a16:creationId xmlns:a16="http://schemas.microsoft.com/office/drawing/2014/main" id="{68132AE5-8D1A-11E2-652D-B073CE223AB1}"/>
-            </a:ext>
-          </a:extLst>
-        </p:cNvPr>
-        <p:cNvGrpSpPr/>
-        <p:nvPr/>
-      </p:nvGrpSpPr>
-      <p:grpSpPr>
-        <a:xfrm>
-          <a:off x="0" y="0"/>
-          <a:ext cx="0" cy="0"/>
-          <a:chOff x="0" y="0"/>
-          <a:chExt cx="0" cy="0"/>
-        </a:xfrm>
-      </p:grpSpPr>
-      <p:sp>
-        <p:nvSpPr>
-          <p:cNvPr id="2" name="Slide Image Placeholder 1">
-            <a:extLst>
-              <a:ext uri="{FF2B5EF4-FFF2-40B4-BE49-F238E27FC236}">
-                <a16:creationId xmlns:a16="http://schemas.microsoft.com/office/drawing/2014/main" id="{126FE4B6-00B7-0E23-7FCB-8820C6551CDC}"/>
-              </a:ext>
-            </a:extLst>
-          </p:cNvPr>
-          <p:cNvSpPr>
-            <a:spLocks noGrp="1" noRot="1" noChangeAspect="1"/>
-          </p:cNvSpPr>
-          <p:nvPr>
-            <p:ph type="sldImg"/>
-          </p:nvPr>
-        </p:nvSpPr>
-        <p:spPr/>
-      </p:sp>
-      <p:sp>
-        <p:nvSpPr>
-          <p:cNvPr id="3" name="Notes Placeholder 2">
-            <a:extLst>
-              <a:ext uri="{FF2B5EF4-FFF2-40B4-BE49-F238E27FC236}">
-                <a16:creationId xmlns:a16="http://schemas.microsoft.com/office/drawing/2014/main" id="{376C132D-40E9-E0F3-DB12-AC8F4029DD0B}"/>
-              </a:ext>
-            </a:extLst>
-          </p:cNvPr>
-          <p:cNvSpPr>
-            <a:spLocks noGrp="1"/>
-          </p:cNvSpPr>
-          <p:nvPr>
-            <p:ph type="body" idx="1"/>
-          </p:nvPr>
-        </p:nvSpPr>
-        <p:spPr/>
-        <p:txBody>
-          <a:bodyPr/>
-          <a:lstStyle/>
-          <a:p>
-            <a:pPr marL="0" indent="0">
-              <a:buNone/>
-            </a:pPr>
-            <a:r>
-              <a:rPr lang="en-US">
-                <a:ea typeface="Calibri"/>
-                <a:cs typeface="Calibri"/>
-              </a:rPr>
-              <a:t>[BEN]</a:t>
-            </a:r>
-          </a:p>
-        </p:txBody>
-      </p:sp>
-      <p:sp>
-        <p:nvSpPr>
-          <p:cNvPr id="4" name="Slide Number Placeholder 3">
-            <a:extLst>
-              <a:ext uri="{FF2B5EF4-FFF2-40B4-BE49-F238E27FC236}">
-                <a16:creationId xmlns:a16="http://schemas.microsoft.com/office/drawing/2014/main" id="{2CC054EA-77B9-C88A-662A-8F38CC330C27}"/>
-              </a:ext>
-            </a:extLst>
-          </p:cNvPr>
-          <p:cNvSpPr>
-            <a:spLocks noGrp="1"/>
-          </p:cNvSpPr>
-          <p:nvPr>
-            <p:ph type="sldNum" sz="quarter" idx="5"/>
-          </p:nvPr>
-        </p:nvSpPr>
-        <p:spPr/>
-        <p:txBody>
-          <a:bodyPr/>
-          <a:lstStyle/>
-          <a:p>
-            <a:fld id="{586B8847-CB14-4BCF-B40F-13B59135254A}" type="slidenum">
-              <a:t>17</a:t>
-            </a:fld>
-            <a:endParaRPr lang="en-US"/>
-          </a:p>
-        </p:txBody>
-      </p:sp>
-    </p:spTree>
-    <p:extLst>
-      <p:ext uri="{BB962C8B-B14F-4D97-AF65-F5344CB8AC3E}">
-        <p14:creationId xmlns:p14="http://schemas.microsoft.com/office/powerpoint/2010/main" val="2818083892"/>
-      </p:ext>
-    </p:extLst>
-  </p:cSld>
-  <p:clrMapOvr>
-    <a:masterClrMapping/>
-  </p:clrMapOvr>
-</p:notes>
-</file>
-
-<file path=ppt/notesSlides/notesSlide18.xml><?xml version="1.0" encoding="utf-8"?>
 <p:notes xmlns:a="http://schemas.openxmlformats.org/drawingml/2006/main" xmlns:r="http://schemas.openxmlformats.org/officeDocument/2006/relationships" xmlns:p="http://schemas.openxmlformats.org/presentationml/2006/main">
   <p:cSld>
     <p:spTree>
@@ -3130,7 +3191,7 @@
           <a:lstStyle/>
           <a:p>
             <a:fld id="{586B8847-CB14-4BCF-B40F-13B59135254A}" type="slidenum">
-              <a:t>18</a:t>
+              <a:t>17</a:t>
             </a:fld>
             <a:endParaRPr lang="en-US"/>
           </a:p>
@@ -3139,7 +3200,123 @@
     </p:spTree>
     <p:extLst>
       <p:ext uri="{BB962C8B-B14F-4D97-AF65-F5344CB8AC3E}">
-        <p14:creationId xmlns:p14="http://schemas.microsoft.com/office/powerpoint/2010/main" val="4161303839"/>
+        <p14:creationId xmlns:p14="http://schemas.microsoft.com/office/powerpoint/2010/main" val="3103794510"/>
+      </p:ext>
+    </p:extLst>
+  </p:cSld>
+  <p:clrMapOvr>
+    <a:masterClrMapping/>
+  </p:clrMapOvr>
+</p:notes>
+</file>
+
+<file path=ppt/notesSlides/notesSlide18.xml><?xml version="1.0" encoding="utf-8"?>
+<p:notes xmlns:a="http://schemas.openxmlformats.org/drawingml/2006/main" xmlns:r="http://schemas.openxmlformats.org/officeDocument/2006/relationships" xmlns:p="http://schemas.openxmlformats.org/presentationml/2006/main">
+  <p:cSld>
+    <p:spTree>
+      <p:nvGrpSpPr>
+        <p:cNvPr id="1" name="">
+          <a:extLst>
+            <a:ext uri="{FF2B5EF4-FFF2-40B4-BE49-F238E27FC236}">
+              <a16:creationId xmlns:a16="http://schemas.microsoft.com/office/drawing/2014/main" id="{BD83C558-0C08-FC18-B992-2D979A50FD02}"/>
+            </a:ext>
+          </a:extLst>
+        </p:cNvPr>
+        <p:cNvGrpSpPr/>
+        <p:nvPr/>
+      </p:nvGrpSpPr>
+      <p:grpSpPr>
+        <a:xfrm>
+          <a:off x="0" y="0"/>
+          <a:ext cx="0" cy="0"/>
+          <a:chOff x="0" y="0"/>
+          <a:chExt cx="0" cy="0"/>
+        </a:xfrm>
+      </p:grpSpPr>
+      <p:sp>
+        <p:nvSpPr>
+          <p:cNvPr id="2" name="Slide Image Placeholder 1">
+            <a:extLst>
+              <a:ext uri="{FF2B5EF4-FFF2-40B4-BE49-F238E27FC236}">
+                <a16:creationId xmlns:a16="http://schemas.microsoft.com/office/drawing/2014/main" id="{F5907DF4-09AA-EF9A-8729-2B418EC0E929}"/>
+              </a:ext>
+            </a:extLst>
+          </p:cNvPr>
+          <p:cNvSpPr>
+            <a:spLocks noGrp="1" noRot="1" noChangeAspect="1"/>
+          </p:cNvSpPr>
+          <p:nvPr>
+            <p:ph type="sldImg"/>
+          </p:nvPr>
+        </p:nvSpPr>
+        <p:spPr/>
+      </p:sp>
+      <p:sp>
+        <p:nvSpPr>
+          <p:cNvPr id="3" name="Notes Placeholder 2">
+            <a:extLst>
+              <a:ext uri="{FF2B5EF4-FFF2-40B4-BE49-F238E27FC236}">
+                <a16:creationId xmlns:a16="http://schemas.microsoft.com/office/drawing/2014/main" id="{33615F37-64BB-E9EF-EA09-FBF32400A529}"/>
+              </a:ext>
+            </a:extLst>
+          </p:cNvPr>
+          <p:cNvSpPr>
+            <a:spLocks noGrp="1"/>
+          </p:cNvSpPr>
+          <p:nvPr>
+            <p:ph type="body" idx="1"/>
+          </p:nvPr>
+        </p:nvSpPr>
+        <p:spPr/>
+        <p:txBody>
+          <a:bodyPr/>
+          <a:lstStyle/>
+          <a:p>
+            <a:pPr marL="0" indent="0">
+              <a:buNone/>
+            </a:pPr>
+            <a:r>
+              <a:rPr lang="en-US">
+                <a:ea typeface="Calibri"/>
+                <a:cs typeface="Calibri"/>
+              </a:rPr>
+              <a:t>[BEN]</a:t>
+            </a:r>
+          </a:p>
+        </p:txBody>
+      </p:sp>
+      <p:sp>
+        <p:nvSpPr>
+          <p:cNvPr id="4" name="Slide Number Placeholder 3">
+            <a:extLst>
+              <a:ext uri="{FF2B5EF4-FFF2-40B4-BE49-F238E27FC236}">
+                <a16:creationId xmlns:a16="http://schemas.microsoft.com/office/drawing/2014/main" id="{40A9A899-0F91-9BA7-F360-D8F0ACCF9A8A}"/>
+              </a:ext>
+            </a:extLst>
+          </p:cNvPr>
+          <p:cNvSpPr>
+            <a:spLocks noGrp="1"/>
+          </p:cNvSpPr>
+          <p:nvPr>
+            <p:ph type="sldNum" sz="quarter" idx="5"/>
+          </p:nvPr>
+        </p:nvSpPr>
+        <p:spPr/>
+        <p:txBody>
+          <a:bodyPr/>
+          <a:lstStyle/>
+          <a:p>
+            <a:fld id="{586B8847-CB14-4BCF-B40F-13B59135254A}" type="slidenum">
+              <a:t>18</a:t>
+            </a:fld>
+            <a:endParaRPr lang="en-US"/>
+          </a:p>
+        </p:txBody>
+      </p:sp>
+    </p:spTree>
+    <p:extLst>
+      <p:ext uri="{BB962C8B-B14F-4D97-AF65-F5344CB8AC3E}">
+        <p14:creationId xmlns:p14="http://schemas.microsoft.com/office/powerpoint/2010/main" val="1045315065"/>
       </p:ext>
     </p:extLst>
   </p:cSld>
@@ -3157,7 +3334,7 @@
         <p:cNvPr id="1" name="">
           <a:extLst>
             <a:ext uri="{FF2B5EF4-FFF2-40B4-BE49-F238E27FC236}">
-              <a16:creationId xmlns:a16="http://schemas.microsoft.com/office/drawing/2014/main" id="{F38E60E4-6134-1A3E-6AB6-75514CCCEF34}"/>
+              <a16:creationId xmlns:a16="http://schemas.microsoft.com/office/drawing/2014/main" id="{68132AE5-8D1A-11E2-652D-B073CE223AB1}"/>
             </a:ext>
           </a:extLst>
         </p:cNvPr>
@@ -3177,7 +3354,7 @@
           <p:cNvPr id="2" name="Slide Image Placeholder 1">
             <a:extLst>
               <a:ext uri="{FF2B5EF4-FFF2-40B4-BE49-F238E27FC236}">
-                <a16:creationId xmlns:a16="http://schemas.microsoft.com/office/drawing/2014/main" id="{7D64D0D4-0A91-4C6D-F753-DF312EDB84E0}"/>
+                <a16:creationId xmlns:a16="http://schemas.microsoft.com/office/drawing/2014/main" id="{126FE4B6-00B7-0E23-7FCB-8820C6551CDC}"/>
               </a:ext>
             </a:extLst>
           </p:cNvPr>
@@ -3195,7 +3372,7 @@
           <p:cNvPr id="3" name="Notes Placeholder 2">
             <a:extLst>
               <a:ext uri="{FF2B5EF4-FFF2-40B4-BE49-F238E27FC236}">
-                <a16:creationId xmlns:a16="http://schemas.microsoft.com/office/drawing/2014/main" id="{CD5048A7-6DFE-96E6-7F88-451CD7104285}"/>
+                <a16:creationId xmlns:a16="http://schemas.microsoft.com/office/drawing/2014/main" id="{376C132D-40E9-E0F3-DB12-AC8F4029DD0B}"/>
               </a:ext>
             </a:extLst>
           </p:cNvPr>
@@ -3229,7 +3406,7 @@
           <p:cNvPr id="4" name="Slide Number Placeholder 3">
             <a:extLst>
               <a:ext uri="{FF2B5EF4-FFF2-40B4-BE49-F238E27FC236}">
-                <a16:creationId xmlns:a16="http://schemas.microsoft.com/office/drawing/2014/main" id="{875BBDFF-5252-72C6-009D-9450EB440C4F}"/>
+                <a16:creationId xmlns:a16="http://schemas.microsoft.com/office/drawing/2014/main" id="{2CC054EA-77B9-C88A-662A-8F38CC330C27}"/>
               </a:ext>
             </a:extLst>
           </p:cNvPr>
@@ -3255,7 +3432,7 @@
     </p:spTree>
     <p:extLst>
       <p:ext uri="{BB962C8B-B14F-4D97-AF65-F5344CB8AC3E}">
-        <p14:creationId xmlns:p14="http://schemas.microsoft.com/office/powerpoint/2010/main" val="2370531049"/>
+        <p14:creationId xmlns:p14="http://schemas.microsoft.com/office/powerpoint/2010/main" val="2818083892"/>
       </p:ext>
     </p:extLst>
   </p:cSld>
@@ -3357,6 +3534,214 @@
   <p:cSld>
     <p:spTree>
       <p:nvGrpSpPr>
+        <p:cNvPr id="1" name=""/>
+        <p:cNvGrpSpPr/>
+        <p:nvPr/>
+      </p:nvGrpSpPr>
+      <p:grpSpPr>
+        <a:xfrm>
+          <a:off x="0" y="0"/>
+          <a:ext cx="0" cy="0"/>
+          <a:chOff x="0" y="0"/>
+          <a:chExt cx="0" cy="0"/>
+        </a:xfrm>
+      </p:grpSpPr>
+      <p:sp>
+        <p:nvSpPr>
+          <p:cNvPr id="2" name="Slide Image Placeholder 1"/>
+          <p:cNvSpPr>
+            <a:spLocks noGrp="1" noRot="1" noChangeAspect="1"/>
+          </p:cNvSpPr>
+          <p:nvPr>
+            <p:ph type="sldImg"/>
+          </p:nvPr>
+        </p:nvSpPr>
+        <p:spPr/>
+      </p:sp>
+      <p:sp>
+        <p:nvSpPr>
+          <p:cNvPr id="3" name="Notes Placeholder 2"/>
+          <p:cNvSpPr>
+            <a:spLocks noGrp="1"/>
+          </p:cNvSpPr>
+          <p:nvPr>
+            <p:ph type="body" idx="1"/>
+          </p:nvPr>
+        </p:nvSpPr>
+        <p:spPr/>
+        <p:txBody>
+          <a:bodyPr/>
+          <a:lstStyle/>
+          <a:p>
+            <a:pPr marL="0" indent="0">
+              <a:buNone/>
+            </a:pPr>
+            <a:r>
+              <a:rPr lang="en-US">
+                <a:ea typeface="Calibri"/>
+                <a:cs typeface="Calibri"/>
+              </a:rPr>
+              <a:t>[BEN]</a:t>
+            </a:r>
+          </a:p>
+        </p:txBody>
+      </p:sp>
+      <p:sp>
+        <p:nvSpPr>
+          <p:cNvPr id="4" name="Slide Number Placeholder 3"/>
+          <p:cNvSpPr>
+            <a:spLocks noGrp="1"/>
+          </p:cNvSpPr>
+          <p:nvPr>
+            <p:ph type="sldNum" sz="quarter" idx="5"/>
+          </p:nvPr>
+        </p:nvSpPr>
+        <p:spPr/>
+        <p:txBody>
+          <a:bodyPr/>
+          <a:lstStyle/>
+          <a:p>
+            <a:fld id="{586B8847-CB14-4BCF-B40F-13B59135254A}" type="slidenum">
+              <a:t>20</a:t>
+            </a:fld>
+            <a:endParaRPr lang="en-US"/>
+          </a:p>
+        </p:txBody>
+      </p:sp>
+    </p:spTree>
+    <p:extLst>
+      <p:ext uri="{BB962C8B-B14F-4D97-AF65-F5344CB8AC3E}">
+        <p14:creationId xmlns:p14="http://schemas.microsoft.com/office/powerpoint/2010/main" val="4161303839"/>
+      </p:ext>
+    </p:extLst>
+  </p:cSld>
+  <p:clrMapOvr>
+    <a:masterClrMapping/>
+  </p:clrMapOvr>
+</p:notes>
+</file>
+
+<file path=ppt/notesSlides/notesSlide21.xml><?xml version="1.0" encoding="utf-8"?>
+<p:notes xmlns:a="http://schemas.openxmlformats.org/drawingml/2006/main" xmlns:r="http://schemas.openxmlformats.org/officeDocument/2006/relationships" xmlns:p="http://schemas.openxmlformats.org/presentationml/2006/main">
+  <p:cSld>
+    <p:spTree>
+      <p:nvGrpSpPr>
+        <p:cNvPr id="1" name="">
+          <a:extLst>
+            <a:ext uri="{FF2B5EF4-FFF2-40B4-BE49-F238E27FC236}">
+              <a16:creationId xmlns:a16="http://schemas.microsoft.com/office/drawing/2014/main" id="{F38E60E4-6134-1A3E-6AB6-75514CCCEF34}"/>
+            </a:ext>
+          </a:extLst>
+        </p:cNvPr>
+        <p:cNvGrpSpPr/>
+        <p:nvPr/>
+      </p:nvGrpSpPr>
+      <p:grpSpPr>
+        <a:xfrm>
+          <a:off x="0" y="0"/>
+          <a:ext cx="0" cy="0"/>
+          <a:chOff x="0" y="0"/>
+          <a:chExt cx="0" cy="0"/>
+        </a:xfrm>
+      </p:grpSpPr>
+      <p:sp>
+        <p:nvSpPr>
+          <p:cNvPr id="2" name="Slide Image Placeholder 1">
+            <a:extLst>
+              <a:ext uri="{FF2B5EF4-FFF2-40B4-BE49-F238E27FC236}">
+                <a16:creationId xmlns:a16="http://schemas.microsoft.com/office/drawing/2014/main" id="{7D64D0D4-0A91-4C6D-F753-DF312EDB84E0}"/>
+              </a:ext>
+            </a:extLst>
+          </p:cNvPr>
+          <p:cNvSpPr>
+            <a:spLocks noGrp="1" noRot="1" noChangeAspect="1"/>
+          </p:cNvSpPr>
+          <p:nvPr>
+            <p:ph type="sldImg"/>
+          </p:nvPr>
+        </p:nvSpPr>
+        <p:spPr/>
+      </p:sp>
+      <p:sp>
+        <p:nvSpPr>
+          <p:cNvPr id="3" name="Notes Placeholder 2">
+            <a:extLst>
+              <a:ext uri="{FF2B5EF4-FFF2-40B4-BE49-F238E27FC236}">
+                <a16:creationId xmlns:a16="http://schemas.microsoft.com/office/drawing/2014/main" id="{CD5048A7-6DFE-96E6-7F88-451CD7104285}"/>
+              </a:ext>
+            </a:extLst>
+          </p:cNvPr>
+          <p:cNvSpPr>
+            <a:spLocks noGrp="1"/>
+          </p:cNvSpPr>
+          <p:nvPr>
+            <p:ph type="body" idx="1"/>
+          </p:nvPr>
+        </p:nvSpPr>
+        <p:spPr/>
+        <p:txBody>
+          <a:bodyPr/>
+          <a:lstStyle/>
+          <a:p>
+            <a:pPr marL="0" indent="0">
+              <a:buNone/>
+            </a:pPr>
+            <a:r>
+              <a:rPr lang="en-US">
+                <a:ea typeface="Calibri"/>
+                <a:cs typeface="Calibri"/>
+              </a:rPr>
+              <a:t>[BEN]</a:t>
+            </a:r>
+          </a:p>
+        </p:txBody>
+      </p:sp>
+      <p:sp>
+        <p:nvSpPr>
+          <p:cNvPr id="4" name="Slide Number Placeholder 3">
+            <a:extLst>
+              <a:ext uri="{FF2B5EF4-FFF2-40B4-BE49-F238E27FC236}">
+                <a16:creationId xmlns:a16="http://schemas.microsoft.com/office/drawing/2014/main" id="{875BBDFF-5252-72C6-009D-9450EB440C4F}"/>
+              </a:ext>
+            </a:extLst>
+          </p:cNvPr>
+          <p:cNvSpPr>
+            <a:spLocks noGrp="1"/>
+          </p:cNvSpPr>
+          <p:nvPr>
+            <p:ph type="sldNum" sz="quarter" idx="5"/>
+          </p:nvPr>
+        </p:nvSpPr>
+        <p:spPr/>
+        <p:txBody>
+          <a:bodyPr/>
+          <a:lstStyle/>
+          <a:p>
+            <a:fld id="{586B8847-CB14-4BCF-B40F-13B59135254A}" type="slidenum">
+              <a:t>21</a:t>
+            </a:fld>
+            <a:endParaRPr lang="en-US"/>
+          </a:p>
+        </p:txBody>
+      </p:sp>
+    </p:spTree>
+    <p:extLst>
+      <p:ext uri="{BB962C8B-B14F-4D97-AF65-F5344CB8AC3E}">
+        <p14:creationId xmlns:p14="http://schemas.microsoft.com/office/powerpoint/2010/main" val="2370531049"/>
+      </p:ext>
+    </p:extLst>
+  </p:cSld>
+  <p:clrMapOvr>
+    <a:masterClrMapping/>
+  </p:clrMapOvr>
+</p:notes>
+</file>
+
+<file path=ppt/notesSlides/notesSlide22.xml><?xml version="1.0" encoding="utf-8"?>
+<p:notes xmlns:a="http://schemas.openxmlformats.org/drawingml/2006/main" xmlns:r="http://schemas.openxmlformats.org/officeDocument/2006/relationships" xmlns:p="http://schemas.openxmlformats.org/presentationml/2006/main">
+  <p:cSld>
+    <p:spTree>
+      <p:nvGrpSpPr>
         <p:cNvPr id="1" name="">
           <a:extLst>
             <a:ext uri="{FF2B5EF4-FFF2-40B4-BE49-F238E27FC236}">
@@ -3449,7 +3834,7 @@
           <a:lstStyle/>
           <a:p>
             <a:fld id="{586B8847-CB14-4BCF-B40F-13B59135254A}" type="slidenum">
-              <a:t>20</a:t>
+              <a:t>22</a:t>
             </a:fld>
             <a:endParaRPr lang="en-US"/>
           </a:p>
@@ -3468,7 +3853,7 @@
 </p:notes>
 </file>
 
-<file path=ppt/notesSlides/notesSlide21.xml><?xml version="1.0" encoding="utf-8"?>
+<file path=ppt/notesSlides/notesSlide23.xml><?xml version="1.0" encoding="utf-8"?>
 <p:notes xmlns:a="http://schemas.openxmlformats.org/drawingml/2006/main" xmlns:r="http://schemas.openxmlformats.org/officeDocument/2006/relationships" xmlns:p="http://schemas.openxmlformats.org/presentationml/2006/main">
   <p:cSld>
     <p:spTree>
@@ -3536,7 +3921,7 @@
           <a:p>
             <a:fld id="{586B8847-CB14-4BCF-B40F-13B59135254A}" type="slidenum">
               <a:rPr lang="en-US" smtClean="0"/>
-              <a:t>21</a:t>
+              <a:t>23</a:t>
             </a:fld>
             <a:endParaRPr lang="en-US"/>
           </a:p>
@@ -4231,7 +4616,13 @@
   <p:cSld>
     <p:spTree>
       <p:nvGrpSpPr>
-        <p:cNvPr id="1" name=""/>
+        <p:cNvPr id="1" name="">
+          <a:extLst>
+            <a:ext uri="{FF2B5EF4-FFF2-40B4-BE49-F238E27FC236}">
+              <a16:creationId xmlns:a16="http://schemas.microsoft.com/office/drawing/2014/main" id="{A0D6C52A-D79D-A2A3-62BB-AD973885FD4A}"/>
+            </a:ext>
+          </a:extLst>
+        </p:cNvPr>
         <p:cNvGrpSpPr/>
         <p:nvPr/>
       </p:nvGrpSpPr>
@@ -4245,7 +4636,13 @@
       </p:grpSpPr>
       <p:sp>
         <p:nvSpPr>
-          <p:cNvPr id="2" name="Slide Image Placeholder 1"/>
+          <p:cNvPr id="2" name="Slide Image Placeholder 1">
+            <a:extLst>
+              <a:ext uri="{FF2B5EF4-FFF2-40B4-BE49-F238E27FC236}">
+                <a16:creationId xmlns:a16="http://schemas.microsoft.com/office/drawing/2014/main" id="{20D18C13-BC54-2017-60A4-9EF08009BAE4}"/>
+              </a:ext>
+            </a:extLst>
+          </p:cNvPr>
           <p:cNvSpPr>
             <a:spLocks noGrp="1" noRot="1" noChangeAspect="1"/>
           </p:cNvSpPr>
@@ -4257,7 +4654,13 @@
       </p:sp>
       <p:sp>
         <p:nvSpPr>
-          <p:cNvPr id="3" name="Notes Placeholder 2"/>
+          <p:cNvPr id="3" name="Notes Placeholder 2">
+            <a:extLst>
+              <a:ext uri="{FF2B5EF4-FFF2-40B4-BE49-F238E27FC236}">
+                <a16:creationId xmlns:a16="http://schemas.microsoft.com/office/drawing/2014/main" id="{2867F376-0E6F-8D7C-17BB-48CCA8F67C06}"/>
+              </a:ext>
+            </a:extLst>
+          </p:cNvPr>
           <p:cNvSpPr>
             <a:spLocks noGrp="1"/>
           </p:cNvSpPr>
@@ -4271,15 +4674,131 @@
           <a:lstStyle/>
           <a:p>
             <a:r>
-              <a:rPr lang="en-US"/>
-              <a:t>[BEN]</a:t>
+              <a:rPr lang="en-US">
+                <a:ea typeface="Calibri"/>
+                <a:cs typeface="Calibri"/>
+              </a:rPr>
+              <a:t>[TED]</a:t>
             </a:r>
+          </a:p>
+          <a:p>
+            <a:r>
+              <a:rPr lang="en-US">
+                <a:ea typeface="Calibri"/>
+                <a:cs typeface="Calibri"/>
+              </a:rPr>
+              <a:t>MongoDB Stuff</a:t>
+            </a:r>
+          </a:p>
+          <a:p>
+            <a:pPr marL="171450" indent="-171450">
+              <a:buFont typeface="Arial"/>
+              <a:buChar char="•"/>
+            </a:pPr>
+            <a:r>
+              <a:rPr lang="en-US">
+                <a:ea typeface="Calibri"/>
+                <a:cs typeface="Calibri"/>
+              </a:rPr>
+              <a:t>Highly scalable</a:t>
+            </a:r>
+          </a:p>
+          <a:p>
+            <a:pPr marL="171450" indent="-171450">
+              <a:buFont typeface="Arial"/>
+              <a:buChar char="•"/>
+            </a:pPr>
+            <a:r>
+              <a:rPr lang="en-US">
+                <a:ea typeface="Calibri"/>
+                <a:cs typeface="Calibri"/>
+              </a:rPr>
+              <a:t>Free to start off with. Don't have to pay for it until you've scaled the system enough to need it, allowing you to ensure the program is successful before allocating additional (financial) resources to scale it. $0.008 per hour once you need to scale. It would cost $70.08 to run it for a full year!</a:t>
+            </a:r>
+          </a:p>
+          <a:p>
+            <a:pPr marL="171450" indent="-171450">
+              <a:buFont typeface="Arial"/>
+              <a:buChar char="•"/>
+            </a:pPr>
+            <a:r>
+              <a:rPr lang="en-US">
+                <a:ea typeface="Calibri"/>
+                <a:cs typeface="Calibri"/>
+              </a:rPr>
+              <a:t>Secure. If we didn't have JWT, we could use a slew of security capabilities from the DB</a:t>
+            </a:r>
+          </a:p>
+          <a:p>
+            <a:pPr marL="171450" indent="-171450">
+              <a:buFont typeface="Arial"/>
+              <a:buChar char="•"/>
+            </a:pPr>
+            <a:r>
+              <a:rPr lang="en-US">
+                <a:ea typeface="Calibri"/>
+                <a:cs typeface="Calibri"/>
+              </a:rPr>
+              <a:t>Using Atlas, which is the cloud-based DB, allows us to have constant access to the DB. Secure, accessible, flexible.</a:t>
+            </a:r>
+          </a:p>
+          <a:p>
+            <a:pPr marL="171450" indent="-171450">
+              <a:buFont typeface="Arial"/>
+              <a:buChar char="•"/>
+            </a:pPr>
+            <a:r>
+              <a:rPr lang="en-US">
+                <a:ea typeface="Calibri"/>
+                <a:cs typeface="Calibri"/>
+              </a:rPr>
+              <a:t>Gotta have Maven because the Java Driver for Mongo gets stored in the pom.xml file of Maven. We could have gotten around it, but the DB is created to work seamlessly with Java and Maven, which support other goals in our project.</a:t>
+            </a:r>
+          </a:p>
+          <a:p>
+            <a:pPr marL="171450" indent="-171450">
+              <a:buFont typeface="Arial"/>
+              <a:buChar char="•"/>
+            </a:pPr>
+            <a:r>
+              <a:rPr lang="en-US">
+                <a:ea typeface="Calibri"/>
+                <a:cs typeface="Calibri"/>
+              </a:rPr>
+              <a:t>Allows us to store data more efficiently than if we used SQL</a:t>
+            </a:r>
+          </a:p>
+          <a:p>
+            <a:pPr marL="0" indent="0">
+              <a:buFont typeface="Arial"/>
+              <a:buNone/>
+            </a:pPr>
+            <a:endParaRPr lang="en-US">
+              <a:ea typeface="Calibri"/>
+              <a:cs typeface="Calibri"/>
+            </a:endParaRPr>
+          </a:p>
+          <a:p>
+            <a:pPr marL="171450" indent="-171450">
+              <a:buFont typeface="Arial"/>
+              <a:buChar char="•"/>
+            </a:pPr>
+            <a:endParaRPr lang="en-US">
+              <a:ea typeface="Calibri"/>
+              <a:cs typeface="Calibri"/>
+            </a:endParaRPr>
           </a:p>
         </p:txBody>
       </p:sp>
       <p:sp>
         <p:nvSpPr>
-          <p:cNvPr id="4" name="Slide Number Placeholder 3"/>
+          <p:cNvPr id="4" name="Slide Number Placeholder 3">
+            <a:extLst>
+              <a:ext uri="{FF2B5EF4-FFF2-40B4-BE49-F238E27FC236}">
+                <a16:creationId xmlns:a16="http://schemas.microsoft.com/office/drawing/2014/main" id="{65B48DFC-0589-5E84-13D5-EE466F3DDBEB}"/>
+              </a:ext>
+            </a:extLst>
+          </p:cNvPr>
           <p:cNvSpPr>
             <a:spLocks noGrp="1"/>
           </p:cNvSpPr>
@@ -4293,7 +4812,7 @@
           <a:lstStyle/>
           <a:p>
             <a:fld id="{586B8847-CB14-4BCF-B40F-13B59135254A}" type="slidenum">
-              <a:rPr lang="en-US" smtClean="0"/>
+              <a:rPr lang="en-US"/>
               <a:t>6</a:t>
             </a:fld>
             <a:endParaRPr lang="en-US"/>
@@ -4303,7 +4822,7 @@
     </p:spTree>
     <p:extLst>
       <p:ext uri="{BB962C8B-B14F-4D97-AF65-F5344CB8AC3E}">
-        <p14:creationId xmlns:p14="http://schemas.microsoft.com/office/powerpoint/2010/main" val="1886497893"/>
+        <p14:creationId xmlns:p14="http://schemas.microsoft.com/office/powerpoint/2010/main" val="1306182872"/>
       </p:ext>
     </p:extLst>
   </p:cSld>
@@ -4390,7 +4909,7 @@
     </p:spTree>
     <p:extLst>
       <p:ext uri="{BB962C8B-B14F-4D97-AF65-F5344CB8AC3E}">
-        <p14:creationId xmlns:p14="http://schemas.microsoft.com/office/powerpoint/2010/main" val="306802396"/>
+        <p14:creationId xmlns:p14="http://schemas.microsoft.com/office/powerpoint/2010/main" val="1886497893"/>
       </p:ext>
     </p:extLst>
   </p:cSld>
@@ -4446,7 +4965,7 @@
           <a:p>
             <a:r>
               <a:rPr lang="en-US"/>
-              <a:t>[TED]</a:t>
+              <a:t>[BEN]</a:t>
             </a:r>
           </a:p>
         </p:txBody>
@@ -4477,7 +4996,7 @@
     </p:spTree>
     <p:extLst>
       <p:ext uri="{BB962C8B-B14F-4D97-AF65-F5344CB8AC3E}">
-        <p14:creationId xmlns:p14="http://schemas.microsoft.com/office/powerpoint/2010/main" val="1954976544"/>
+        <p14:creationId xmlns:p14="http://schemas.microsoft.com/office/powerpoint/2010/main" val="306802396"/>
       </p:ext>
     </p:extLst>
   </p:cSld>
@@ -4492,7 +5011,13 @@
   <p:cSld>
     <p:spTree>
       <p:nvGrpSpPr>
-        <p:cNvPr id="1" name=""/>
+        <p:cNvPr id="1" name="">
+          <a:extLst>
+            <a:ext uri="{FF2B5EF4-FFF2-40B4-BE49-F238E27FC236}">
+              <a16:creationId xmlns:a16="http://schemas.microsoft.com/office/drawing/2014/main" id="{16EEF8A4-CA66-6642-743E-B1F2403DC361}"/>
+            </a:ext>
+          </a:extLst>
+        </p:cNvPr>
         <p:cNvGrpSpPr/>
         <p:nvPr/>
       </p:nvGrpSpPr>
@@ -4506,7 +5031,13 @@
       </p:grpSpPr>
       <p:sp>
         <p:nvSpPr>
-          <p:cNvPr id="2" name="Slide Image Placeholder 1"/>
+          <p:cNvPr id="2" name="Slide Image Placeholder 1">
+            <a:extLst>
+              <a:ext uri="{FF2B5EF4-FFF2-40B4-BE49-F238E27FC236}">
+                <a16:creationId xmlns:a16="http://schemas.microsoft.com/office/drawing/2014/main" id="{A4FAE925-6941-0D0D-80FC-DC3436B187D2}"/>
+              </a:ext>
+            </a:extLst>
+          </p:cNvPr>
           <p:cNvSpPr>
             <a:spLocks noGrp="1" noRot="1" noChangeAspect="1"/>
           </p:cNvSpPr>
@@ -4518,7 +5049,13 @@
       </p:sp>
       <p:sp>
         <p:nvSpPr>
-          <p:cNvPr id="3" name="Notes Placeholder 2"/>
+          <p:cNvPr id="3" name="Notes Placeholder 2">
+            <a:extLst>
+              <a:ext uri="{FF2B5EF4-FFF2-40B4-BE49-F238E27FC236}">
+                <a16:creationId xmlns:a16="http://schemas.microsoft.com/office/drawing/2014/main" id="{DDA3825E-9FE7-82E9-6EEA-B4F39306999E}"/>
+              </a:ext>
+            </a:extLst>
+          </p:cNvPr>
           <p:cNvSpPr>
             <a:spLocks noGrp="1"/>
           </p:cNvSpPr>
@@ -4531,22 +5068,22 @@
           <a:bodyPr/>
           <a:lstStyle/>
           <a:p>
-            <a:pPr marL="0" indent="0">
-              <a:buNone/>
-            </a:pPr>
             <a:r>
-              <a:rPr lang="en-US">
-                <a:ea typeface="Calibri"/>
-                <a:cs typeface="Calibri"/>
-              </a:rPr>
-              <a:t>[BEN]</a:t>
+              <a:rPr lang="en-US"/>
+              <a:t>[TED]</a:t>
             </a:r>
           </a:p>
         </p:txBody>
       </p:sp>
       <p:sp>
         <p:nvSpPr>
-          <p:cNvPr id="4" name="Slide Number Placeholder 3"/>
+          <p:cNvPr id="4" name="Slide Number Placeholder 3">
+            <a:extLst>
+              <a:ext uri="{FF2B5EF4-FFF2-40B4-BE49-F238E27FC236}">
+                <a16:creationId xmlns:a16="http://schemas.microsoft.com/office/drawing/2014/main" id="{5BA8F403-0D3F-BB19-5EC2-A8115F5613D4}"/>
+              </a:ext>
+            </a:extLst>
+          </p:cNvPr>
           <p:cNvSpPr>
             <a:spLocks noGrp="1"/>
           </p:cNvSpPr>
@@ -4560,6 +5097,7 @@
           <a:lstStyle/>
           <a:p>
             <a:fld id="{586B8847-CB14-4BCF-B40F-13B59135254A}" type="slidenum">
+              <a:rPr lang="en-US" smtClean="0"/>
               <a:t>9</a:t>
             </a:fld>
             <a:endParaRPr lang="en-US"/>
@@ -4569,7 +5107,7 @@
     </p:spTree>
     <p:extLst>
       <p:ext uri="{BB962C8B-B14F-4D97-AF65-F5344CB8AC3E}">
-        <p14:creationId xmlns:p14="http://schemas.microsoft.com/office/powerpoint/2010/main" val="369841430"/>
+        <p14:creationId xmlns:p14="http://schemas.microsoft.com/office/powerpoint/2010/main" val="2708857914"/>
       </p:ext>
     </p:extLst>
   </p:cSld>
@@ -22592,6 +23130,844 @@
 <file path=ppt/slides/slide10.xml><?xml version="1.0" encoding="utf-8"?>
 <p:sld xmlns:a="http://schemas.openxmlformats.org/drawingml/2006/main" xmlns:r="http://schemas.openxmlformats.org/officeDocument/2006/relationships" xmlns:p="http://schemas.openxmlformats.org/presentationml/2006/main">
   <p:cSld>
+    <p:spTree>
+      <p:nvGrpSpPr>
+        <p:cNvPr id="1" name=""/>
+        <p:cNvGrpSpPr/>
+        <p:nvPr/>
+      </p:nvGrpSpPr>
+      <p:grpSpPr>
+        <a:xfrm>
+          <a:off x="0" y="0"/>
+          <a:ext cx="0" cy="0"/>
+          <a:chOff x="0" y="0"/>
+          <a:chExt cx="0" cy="0"/>
+        </a:xfrm>
+      </p:grpSpPr>
+      <p:sp>
+        <p:nvSpPr>
+          <p:cNvPr id="2" name="Title 1">
+            <a:extLst>
+              <a:ext uri="{FF2B5EF4-FFF2-40B4-BE49-F238E27FC236}">
+                <a16:creationId xmlns:a16="http://schemas.microsoft.com/office/drawing/2014/main" id="{9AC122B9-0A28-3240-AD4C-1D20101697A9}"/>
+              </a:ext>
+            </a:extLst>
+          </p:cNvPr>
+          <p:cNvSpPr>
+            <a:spLocks noGrp="1"/>
+          </p:cNvSpPr>
+          <p:nvPr>
+            <p:ph type="title"/>
+          </p:nvPr>
+        </p:nvSpPr>
+        <p:spPr>
+          <a:xfrm>
+            <a:off x="699102" y="513728"/>
+            <a:ext cx="5114557" cy="1162882"/>
+          </a:xfrm>
+        </p:spPr>
+        <p:txBody>
+          <a:bodyPr/>
+          <a:lstStyle/>
+          <a:p>
+            <a:r>
+              <a:rPr lang="en-US" sz="2800"/>
+              <a:t>High Level Data Flow Diagram (DFD)</a:t>
+            </a:r>
+          </a:p>
+        </p:txBody>
+      </p:sp>
+      <p:pic>
+        <p:nvPicPr>
+          <p:cNvPr id="7" name="Picture 6" descr="A diagram of a server&#10;&#10;AI-generated content may be incorrect.">
+            <a:extLst>
+              <a:ext uri="{FF2B5EF4-FFF2-40B4-BE49-F238E27FC236}">
+                <a16:creationId xmlns:a16="http://schemas.microsoft.com/office/drawing/2014/main" id="{42DB5CA9-00B6-CFF4-B7C8-C0691B738ECA}"/>
+              </a:ext>
+            </a:extLst>
+          </p:cNvPr>
+          <p:cNvPicPr>
+            <a:picLocks noChangeAspect="1"/>
+          </p:cNvPicPr>
+          <p:nvPr/>
+        </p:nvPicPr>
+        <p:blipFill>
+          <a:blip r:embed="rId3">
+            <a:extLst>
+              <a:ext uri="{28A0092B-C50C-407E-A947-70E740481C1C}">
+                <a14:useLocalDpi xmlns:a14="http://schemas.microsoft.com/office/drawing/2010/main" val="0"/>
+              </a:ext>
+            </a:extLst>
+          </a:blip>
+          <a:stretch>
+            <a:fillRect/>
+          </a:stretch>
+        </p:blipFill>
+        <p:spPr>
+          <a:xfrm>
+            <a:off x="4331368" y="301536"/>
+            <a:ext cx="7353701" cy="5623419"/>
+          </a:xfrm>
+          <a:prstGeom prst="rect">
+            <a:avLst/>
+          </a:prstGeom>
+        </p:spPr>
+      </p:pic>
+      <p:sp>
+        <p:nvSpPr>
+          <p:cNvPr id="11" name="Rectangle: Folded Corner 10">
+            <a:extLst>
+              <a:ext uri="{FF2B5EF4-FFF2-40B4-BE49-F238E27FC236}">
+                <a16:creationId xmlns:a16="http://schemas.microsoft.com/office/drawing/2014/main" id="{7F2510A0-240E-2938-6711-1993EDFDE77A}"/>
+              </a:ext>
+            </a:extLst>
+          </p:cNvPr>
+          <p:cNvSpPr/>
+          <p:nvPr/>
+        </p:nvSpPr>
+        <p:spPr>
+          <a:xfrm>
+            <a:off x="987860" y="1676610"/>
+            <a:ext cx="3189504" cy="3286252"/>
+          </a:xfrm>
+          <a:prstGeom prst="foldedCorner">
+            <a:avLst>
+              <a:gd name="adj" fmla="val 21172"/>
+            </a:avLst>
+          </a:prstGeom>
+          <a:solidFill>
+            <a:srgbClr val="FFFF99"/>
+          </a:solidFill>
+          <a:ln w="19050">
+            <a:solidFill>
+              <a:srgbClr val="CDCD7B"/>
+            </a:solidFill>
+          </a:ln>
+        </p:spPr>
+        <p:style>
+          <a:lnRef idx="2">
+            <a:schemeClr val="accent1">
+              <a:shade val="15000"/>
+            </a:schemeClr>
+          </a:lnRef>
+          <a:fillRef idx="1">
+            <a:schemeClr val="accent1"/>
+          </a:fillRef>
+          <a:effectRef idx="0">
+            <a:schemeClr val="accent1"/>
+          </a:effectRef>
+          <a:fontRef idx="minor">
+            <a:schemeClr val="lt1"/>
+          </a:fontRef>
+        </p:style>
+        <p:txBody>
+          <a:bodyPr lIns="91440" tIns="45720" rIns="91440" bIns="45720" rtlCol="0" anchor="t"/>
+          <a:lstStyle/>
+          <a:p>
+            <a:r>
+              <a:rPr lang="en-US" sz="2400" b="1" u="sng">
+                <a:solidFill>
+                  <a:schemeClr val="tx1"/>
+                </a:solidFill>
+              </a:rPr>
+              <a:t>Prototypes:</a:t>
+            </a:r>
+          </a:p>
+          <a:p>
+            <a:pPr marL="285750" indent="-285750">
+              <a:buFont typeface="Arial" panose="020B0604020202020204" pitchFamily="34" charset="0"/>
+              <a:buChar char="•"/>
+            </a:pPr>
+            <a:r>
+              <a:rPr lang="en-US" sz="2000" b="1">
+                <a:solidFill>
+                  <a:schemeClr val="tx1"/>
+                </a:solidFill>
+              </a:rPr>
+              <a:t>Authentication Interface</a:t>
+            </a:r>
+          </a:p>
+          <a:p>
+            <a:pPr marL="285750" indent="-285750">
+              <a:buFont typeface="Arial" panose="020B0604020202020204" pitchFamily="34" charset="0"/>
+              <a:buChar char="•"/>
+            </a:pPr>
+            <a:r>
+              <a:rPr lang="en-US" sz="2000" b="1">
+                <a:solidFill>
+                  <a:schemeClr val="tx1"/>
+                </a:solidFill>
+              </a:rPr>
+              <a:t>Database Interface</a:t>
+            </a:r>
+          </a:p>
+          <a:p>
+            <a:pPr marL="285750" indent="-285750">
+              <a:buFont typeface="Arial" panose="020B0604020202020204" pitchFamily="34" charset="0"/>
+              <a:buChar char="•"/>
+            </a:pPr>
+            <a:r>
+              <a:rPr lang="en-US" sz="2000" b="1">
+                <a:solidFill>
+                  <a:schemeClr val="tx1"/>
+                </a:solidFill>
+              </a:rPr>
+              <a:t>Logging</a:t>
+            </a:r>
+          </a:p>
+        </p:txBody>
+      </p:sp>
+      <p:pic>
+        <p:nvPicPr>
+          <p:cNvPr id="4" name="Graphic 3" descr="Cursor with solid fill">
+            <a:extLst>
+              <a:ext uri="{FF2B5EF4-FFF2-40B4-BE49-F238E27FC236}">
+                <a16:creationId xmlns:a16="http://schemas.microsoft.com/office/drawing/2014/main" id="{4AA0B2C1-CAF8-86A8-88D5-11977A4D7073}"/>
+              </a:ext>
+            </a:extLst>
+          </p:cNvPr>
+          <p:cNvPicPr>
+            <a:picLocks noChangeAspect="1"/>
+          </p:cNvPicPr>
+          <p:nvPr/>
+        </p:nvPicPr>
+        <p:blipFill>
+          <a:blip r:embed="rId4">
+            <a:extLst>
+              <a:ext uri="{96DAC541-7B7A-43D3-8B79-37D633B846F1}">
+                <asvg:svgBlip xmlns:asvg="http://schemas.microsoft.com/office/drawing/2016/SVG/main" r:embed="rId5"/>
+              </a:ext>
+            </a:extLst>
+          </a:blip>
+          <a:stretch>
+            <a:fillRect/>
+          </a:stretch>
+        </p:blipFill>
+        <p:spPr>
+          <a:xfrm>
+            <a:off x="9758606" y="3454610"/>
+            <a:ext cx="491759" cy="491759"/>
+          </a:xfrm>
+          <a:prstGeom prst="rect">
+            <a:avLst/>
+          </a:prstGeom>
+        </p:spPr>
+      </p:pic>
+      <p:grpSp>
+        <p:nvGrpSpPr>
+          <p:cNvPr id="3" name="Group 2">
+            <a:extLst>
+              <a:ext uri="{FF2B5EF4-FFF2-40B4-BE49-F238E27FC236}">
+                <a16:creationId xmlns:a16="http://schemas.microsoft.com/office/drawing/2014/main" id="{569179EF-8000-C73B-7073-5E8F26F28781}"/>
+              </a:ext>
+            </a:extLst>
+          </p:cNvPr>
+          <p:cNvGrpSpPr/>
+          <p:nvPr/>
+        </p:nvGrpSpPr>
+        <p:grpSpPr>
+          <a:xfrm>
+            <a:off x="9979363" y="6377811"/>
+            <a:ext cx="2171585" cy="408858"/>
+            <a:chOff x="9979363" y="6377811"/>
+            <a:chExt cx="2171585" cy="408858"/>
+          </a:xfrm>
+        </p:grpSpPr>
+        <p:sp>
+          <p:nvSpPr>
+            <p:cNvPr id="5" name="TextBox 4">
+              <a:extLst>
+                <a:ext uri="{FF2B5EF4-FFF2-40B4-BE49-F238E27FC236}">
+                  <a16:creationId xmlns:a16="http://schemas.microsoft.com/office/drawing/2014/main" id="{9DB8C2EC-E83F-62D4-D4B2-4694597CB0C2}"/>
+                </a:ext>
+              </a:extLst>
+            </p:cNvPr>
+            <p:cNvSpPr txBox="1"/>
+            <p:nvPr/>
+          </p:nvSpPr>
+          <p:spPr>
+            <a:xfrm>
+              <a:off x="10689167" y="6377811"/>
+              <a:ext cx="1461781" cy="307777"/>
+            </a:xfrm>
+            <a:prstGeom prst="rect">
+              <a:avLst/>
+            </a:prstGeom>
+            <a:noFill/>
+          </p:spPr>
+          <p:txBody>
+            <a:bodyPr wrap="square" rtlCol="0">
+              <a:spAutoFit/>
+            </a:bodyPr>
+            <a:lstStyle/>
+            <a:p>
+              <a:r>
+                <a:rPr lang="en-US" sz="1400" b="1"/>
+                <a:t>10/24/25</a:t>
+              </a:r>
+            </a:p>
+          </p:txBody>
+        </p:sp>
+        <p:pic>
+          <p:nvPicPr>
+            <p:cNvPr id="6" name="Graphic 5" descr="Flip calendar with solid fill">
+              <a:extLst>
+                <a:ext uri="{FF2B5EF4-FFF2-40B4-BE49-F238E27FC236}">
+                  <a16:creationId xmlns:a16="http://schemas.microsoft.com/office/drawing/2014/main" id="{E991F26F-BE82-706B-78DE-BD347DA7261D}"/>
+                </a:ext>
+              </a:extLst>
+            </p:cNvPr>
+            <p:cNvPicPr>
+              <a:picLocks noChangeAspect="1"/>
+            </p:cNvPicPr>
+            <p:nvPr/>
+          </p:nvPicPr>
+          <p:blipFill>
+            <a:blip r:embed="rId6">
+              <a:extLst>
+                <a:ext uri="{96DAC541-7B7A-43D3-8B79-37D633B846F1}">
+                  <asvg:svgBlip xmlns:asvg="http://schemas.microsoft.com/office/drawing/2016/SVG/main" r:embed="rId7"/>
+                </a:ext>
+              </a:extLst>
+            </a:blip>
+            <a:stretch>
+              <a:fillRect/>
+            </a:stretch>
+          </p:blipFill>
+          <p:spPr>
+            <a:xfrm>
+              <a:off x="10424763" y="6399498"/>
+              <a:ext cx="264404" cy="264404"/>
+            </a:xfrm>
+            <a:prstGeom prst="rect">
+              <a:avLst/>
+            </a:prstGeom>
+          </p:spPr>
+        </p:pic>
+        <p:pic>
+          <p:nvPicPr>
+            <p:cNvPr id="8" name="Graphic 7" descr="The sun peeking from behind a cloud">
+              <a:extLst>
+                <a:ext uri="{FF2B5EF4-FFF2-40B4-BE49-F238E27FC236}">
+                  <a16:creationId xmlns:a16="http://schemas.microsoft.com/office/drawing/2014/main" id="{1B04333C-AABE-3EB4-E629-487E501A7DFA}"/>
+                </a:ext>
+              </a:extLst>
+            </p:cNvPr>
+            <p:cNvPicPr>
+              <a:picLocks noChangeAspect="1"/>
+            </p:cNvPicPr>
+            <p:nvPr/>
+          </p:nvPicPr>
+          <p:blipFill>
+            <a:blip r:embed="rId8">
+              <a:extLst>
+                <a:ext uri="{96DAC541-7B7A-43D3-8B79-37D633B846F1}">
+                  <asvg:svgBlip xmlns:asvg="http://schemas.microsoft.com/office/drawing/2016/SVG/main" r:embed="rId9"/>
+                </a:ext>
+              </a:extLst>
+            </a:blip>
+            <a:stretch>
+              <a:fillRect/>
+            </a:stretch>
+          </p:blipFill>
+          <p:spPr>
+            <a:xfrm>
+              <a:off x="9979363" y="6399498"/>
+              <a:ext cx="387171" cy="387171"/>
+            </a:xfrm>
+            <a:prstGeom prst="rect">
+              <a:avLst/>
+            </a:prstGeom>
+          </p:spPr>
+        </p:pic>
+      </p:grpSp>
+    </p:spTree>
+    <p:extLst>
+      <p:ext uri="{BB962C8B-B14F-4D97-AF65-F5344CB8AC3E}">
+        <p14:creationId xmlns:p14="http://schemas.microsoft.com/office/powerpoint/2010/main" val="3504638596"/>
+      </p:ext>
+    </p:extLst>
+  </p:cSld>
+  <p:clrMapOvr>
+    <a:masterClrMapping/>
+  </p:clrMapOvr>
+  <mc:AlternateContent xmlns:mc="http://schemas.openxmlformats.org/markup-compatibility/2006">
+    <mc:Choice xmlns:p159="http://schemas.microsoft.com/office/powerpoint/2015/09/main" Requires="p159">
+      <p:transition xmlns:p14="http://schemas.microsoft.com/office/powerpoint/2010/main" spd="slow" p14:dur="2000">
+        <p159:morph option="byObject"/>
+      </p:transition>
+    </mc:Choice>
+    <mc:Fallback>
+      <p:transition spd="slow">
+        <p:fade/>
+      </p:transition>
+    </mc:Fallback>
+  </mc:AlternateContent>
+</p:sld>
+</file>
+
+<file path=ppt/slides/slide11.xml><?xml version="1.0" encoding="utf-8"?>
+<p:sld xmlns:a="http://schemas.openxmlformats.org/drawingml/2006/main" xmlns:r="http://schemas.openxmlformats.org/officeDocument/2006/relationships" xmlns:p="http://schemas.openxmlformats.org/presentationml/2006/main">
+  <p:cSld>
+    <p:bg>
+      <p:bgPr>
+        <a:blipFill dpi="0" rotWithShape="1">
+          <a:blip r:embed="rId3" cstate="hqprint">
+            <a:lum/>
+            <a:extLst>
+              <a:ext uri="{BEBA8EAE-BF5A-486C-A8C5-ECC9F3942E4B}">
+                <a14:imgProps xmlns:a14="http://schemas.microsoft.com/office/drawing/2010/main">
+                  <a14:imgLayer r:embed="rId4">
+                    <a14:imgEffect>
+                      <a14:sharpenSoften amount="6000"/>
+                    </a14:imgEffect>
+                  </a14:imgLayer>
+                </a14:imgProps>
+              </a:ext>
+              <a:ext uri="{28A0092B-C50C-407E-A947-70E740481C1C}">
+                <a14:useLocalDpi xmlns:a14="http://schemas.microsoft.com/office/drawing/2010/main"/>
+              </a:ext>
+            </a:extLst>
+          </a:blip>
+          <a:srcRect/>
+          <a:stretch>
+            <a:fillRect/>
+          </a:stretch>
+        </a:blipFill>
+        <a:effectLst/>
+      </p:bgPr>
+    </p:bg>
+    <p:spTree>
+      <p:nvGrpSpPr>
+        <p:cNvPr id="1" name=""/>
+        <p:cNvGrpSpPr/>
+        <p:nvPr/>
+      </p:nvGrpSpPr>
+      <p:grpSpPr>
+        <a:xfrm>
+          <a:off x="0" y="0"/>
+          <a:ext cx="0" cy="0"/>
+          <a:chOff x="0" y="0"/>
+          <a:chExt cx="0" cy="0"/>
+        </a:xfrm>
+      </p:grpSpPr>
+      <p:pic>
+        <p:nvPicPr>
+          <p:cNvPr id="10" name="Picture 9">
+            <a:extLst>
+              <a:ext uri="{FF2B5EF4-FFF2-40B4-BE49-F238E27FC236}">
+                <a16:creationId xmlns:a16="http://schemas.microsoft.com/office/drawing/2014/main" id="{2F74339A-ADD1-AF9D-26CA-8EC2F9471318}"/>
+              </a:ext>
+            </a:extLst>
+          </p:cNvPr>
+          <p:cNvPicPr>
+            <a:picLocks noChangeAspect="1"/>
+          </p:cNvPicPr>
+          <p:nvPr/>
+        </p:nvPicPr>
+        <p:blipFill>
+          <a:blip r:embed="rId5">
+            <a:extLst>
+              <a:ext uri="{28A0092B-C50C-407E-A947-70E740481C1C}">
+                <a14:useLocalDpi xmlns:a14="http://schemas.microsoft.com/office/drawing/2010/main" val="0"/>
+              </a:ext>
+            </a:extLst>
+          </a:blip>
+          <a:srcRect l="2084" t="10067" r="2467" b="3926"/>
+          <a:stretch>
+            <a:fillRect/>
+          </a:stretch>
+        </p:blipFill>
+        <p:spPr>
+          <a:xfrm>
+            <a:off x="679704" y="930123"/>
+            <a:ext cx="8567929" cy="4653184"/>
+          </a:xfrm>
+          <a:prstGeom prst="rect">
+            <a:avLst/>
+          </a:prstGeom>
+        </p:spPr>
+      </p:pic>
+      <p:sp>
+        <p:nvSpPr>
+          <p:cNvPr id="11" name="Rectangle: Folded Corner 10">
+            <a:extLst>
+              <a:ext uri="{FF2B5EF4-FFF2-40B4-BE49-F238E27FC236}">
+                <a16:creationId xmlns:a16="http://schemas.microsoft.com/office/drawing/2014/main" id="{53A85A3C-DA7A-8DAD-EE95-D1B0BB07A63A}"/>
+              </a:ext>
+            </a:extLst>
+          </p:cNvPr>
+          <p:cNvSpPr/>
+          <p:nvPr/>
+        </p:nvSpPr>
+        <p:spPr>
+          <a:xfrm>
+            <a:off x="9482545" y="714683"/>
+            <a:ext cx="2219720" cy="2449757"/>
+          </a:xfrm>
+          <a:prstGeom prst="foldedCorner">
+            <a:avLst>
+              <a:gd name="adj" fmla="val 21172"/>
+            </a:avLst>
+          </a:prstGeom>
+          <a:solidFill>
+            <a:srgbClr val="FFFF99"/>
+          </a:solidFill>
+          <a:ln w="19050">
+            <a:solidFill>
+              <a:srgbClr val="CDCD7B"/>
+            </a:solidFill>
+          </a:ln>
+        </p:spPr>
+        <p:style>
+          <a:lnRef idx="2">
+            <a:schemeClr val="accent1">
+              <a:shade val="15000"/>
+            </a:schemeClr>
+          </a:lnRef>
+          <a:fillRef idx="1">
+            <a:schemeClr val="accent1"/>
+          </a:fillRef>
+          <a:effectRef idx="0">
+            <a:schemeClr val="accent1"/>
+          </a:effectRef>
+          <a:fontRef idx="minor">
+            <a:schemeClr val="lt1"/>
+          </a:fontRef>
+        </p:style>
+        <p:txBody>
+          <a:bodyPr lIns="91440" tIns="45720" rIns="91440" bIns="45720" rtlCol="0" anchor="t"/>
+          <a:lstStyle/>
+          <a:p>
+            <a:r>
+              <a:rPr lang="en-US" sz="1600" b="1" u="sng">
+                <a:solidFill>
+                  <a:schemeClr val="tx1"/>
+                </a:solidFill>
+              </a:rPr>
+              <a:t>Use Cases:</a:t>
+            </a:r>
+          </a:p>
+          <a:p>
+            <a:pPr marL="285750" indent="-285750">
+              <a:buFont typeface="Arial" panose="020B0604020202020204" pitchFamily="34" charset="0"/>
+              <a:buChar char="•"/>
+            </a:pPr>
+            <a:r>
+              <a:rPr lang="en-US" sz="1400" b="1">
+                <a:solidFill>
+                  <a:schemeClr val="tx1"/>
+                </a:solidFill>
+              </a:rPr>
+              <a:t>Adding a new resource record</a:t>
+            </a:r>
+          </a:p>
+          <a:p>
+            <a:pPr marL="285750" indent="-285750">
+              <a:buFont typeface="Arial" panose="020B0604020202020204" pitchFamily="34" charset="0"/>
+              <a:buChar char="•"/>
+            </a:pPr>
+            <a:endParaRPr lang="en-US" sz="1400" b="1">
+              <a:solidFill>
+                <a:schemeClr val="tx1"/>
+              </a:solidFill>
+            </a:endParaRPr>
+          </a:p>
+          <a:p>
+            <a:pPr marL="285750" indent="-285750">
+              <a:buFont typeface="Arial" panose="020B0604020202020204" pitchFamily="34" charset="0"/>
+              <a:buChar char="•"/>
+            </a:pPr>
+            <a:r>
+              <a:rPr lang="en-US" sz="1400" b="1">
+                <a:solidFill>
+                  <a:schemeClr val="tx1"/>
+                </a:solidFill>
+              </a:rPr>
+              <a:t>Adding a comment</a:t>
+            </a:r>
+          </a:p>
+          <a:p>
+            <a:pPr marL="285750" indent="-285750">
+              <a:buFont typeface="Arial" panose="020B0604020202020204" pitchFamily="34" charset="0"/>
+              <a:buChar char="•"/>
+            </a:pPr>
+            <a:endParaRPr lang="en-US" sz="1400" b="1">
+              <a:solidFill>
+                <a:schemeClr val="tx1"/>
+              </a:solidFill>
+            </a:endParaRPr>
+          </a:p>
+          <a:p>
+            <a:pPr marL="285750" indent="-285750">
+              <a:buFont typeface="Arial" panose="020B0604020202020204" pitchFamily="34" charset="0"/>
+              <a:buChar char="•"/>
+            </a:pPr>
+            <a:r>
+              <a:rPr lang="en-US" sz="1400" b="1">
+                <a:solidFill>
+                  <a:schemeClr val="tx1"/>
+                </a:solidFill>
+              </a:rPr>
+              <a:t>Adding a review flag</a:t>
+            </a:r>
+          </a:p>
+          <a:p>
+            <a:pPr marL="285750" indent="-285750">
+              <a:buFont typeface="Arial" panose="020B0604020202020204" pitchFamily="34" charset="0"/>
+              <a:buChar char="•"/>
+            </a:pPr>
+            <a:endParaRPr lang="en-US" sz="1400" b="1">
+              <a:solidFill>
+                <a:schemeClr val="tx1"/>
+              </a:solidFill>
+            </a:endParaRPr>
+          </a:p>
+          <a:p>
+            <a:pPr marL="285750" indent="-285750">
+              <a:buFont typeface="Arial" panose="020B0604020202020204" pitchFamily="34" charset="0"/>
+              <a:buChar char="•"/>
+            </a:pPr>
+            <a:r>
+              <a:rPr lang="en-US" sz="1400" b="1">
+                <a:solidFill>
+                  <a:schemeClr val="tx1"/>
+                </a:solidFill>
+              </a:rPr>
+              <a:t>Adding a rating</a:t>
+            </a:r>
+          </a:p>
+        </p:txBody>
+      </p:sp>
+      <p:sp>
+        <p:nvSpPr>
+          <p:cNvPr id="12" name="TextBox 11">
+            <a:extLst>
+              <a:ext uri="{FF2B5EF4-FFF2-40B4-BE49-F238E27FC236}">
+                <a16:creationId xmlns:a16="http://schemas.microsoft.com/office/drawing/2014/main" id="{5E912811-05DB-89BE-FCDA-01A80BAF1100}"/>
+              </a:ext>
+            </a:extLst>
+          </p:cNvPr>
+          <p:cNvSpPr txBox="1"/>
+          <p:nvPr/>
+        </p:nvSpPr>
+        <p:spPr>
+          <a:xfrm>
+            <a:off x="679704" y="557589"/>
+            <a:ext cx="3589867" cy="372534"/>
+          </a:xfrm>
+          <a:prstGeom prst="rect">
+            <a:avLst/>
+          </a:prstGeom>
+          <a:noFill/>
+        </p:spPr>
+        <p:txBody>
+          <a:bodyPr wrap="square" rtlCol="0">
+            <a:spAutoFit/>
+          </a:bodyPr>
+          <a:lstStyle/>
+          <a:p>
+            <a:r>
+              <a:rPr lang="en-US">
+                <a:latin typeface="+mj-lt"/>
+              </a:rPr>
+              <a:t>REST API  POST Request</a:t>
+            </a:r>
+          </a:p>
+        </p:txBody>
+      </p:sp>
+      <p:grpSp>
+        <p:nvGrpSpPr>
+          <p:cNvPr id="5" name="Group 4">
+            <a:extLst>
+              <a:ext uri="{FF2B5EF4-FFF2-40B4-BE49-F238E27FC236}">
+                <a16:creationId xmlns:a16="http://schemas.microsoft.com/office/drawing/2014/main" id="{E09F458D-48EC-C17C-9789-6EAC7D03D023}"/>
+              </a:ext>
+            </a:extLst>
+          </p:cNvPr>
+          <p:cNvGrpSpPr/>
+          <p:nvPr/>
+        </p:nvGrpSpPr>
+        <p:grpSpPr>
+          <a:xfrm>
+            <a:off x="9979363" y="6377811"/>
+            <a:ext cx="2171585" cy="408858"/>
+            <a:chOff x="9979363" y="6377811"/>
+            <a:chExt cx="2171585" cy="408858"/>
+          </a:xfrm>
+        </p:grpSpPr>
+        <p:sp>
+          <p:nvSpPr>
+            <p:cNvPr id="6" name="TextBox 5">
+              <a:extLst>
+                <a:ext uri="{FF2B5EF4-FFF2-40B4-BE49-F238E27FC236}">
+                  <a16:creationId xmlns:a16="http://schemas.microsoft.com/office/drawing/2014/main" id="{8043B04E-4DA3-994E-5DCC-BCAA4B9AE0D7}"/>
+                </a:ext>
+              </a:extLst>
+            </p:cNvPr>
+            <p:cNvSpPr txBox="1"/>
+            <p:nvPr/>
+          </p:nvSpPr>
+          <p:spPr>
+            <a:xfrm>
+              <a:off x="10689167" y="6377811"/>
+              <a:ext cx="1461781" cy="307777"/>
+            </a:xfrm>
+            <a:prstGeom prst="rect">
+              <a:avLst/>
+            </a:prstGeom>
+            <a:noFill/>
+          </p:spPr>
+          <p:txBody>
+            <a:bodyPr wrap="square" rtlCol="0">
+              <a:spAutoFit/>
+            </a:bodyPr>
+            <a:lstStyle/>
+            <a:p>
+              <a:r>
+                <a:rPr lang="en-US" sz="1400" b="1"/>
+                <a:t>10/24/25</a:t>
+              </a:r>
+            </a:p>
+          </p:txBody>
+        </p:sp>
+        <p:pic>
+          <p:nvPicPr>
+            <p:cNvPr id="7" name="Graphic 6" descr="Flip calendar with solid fill">
+              <a:extLst>
+                <a:ext uri="{FF2B5EF4-FFF2-40B4-BE49-F238E27FC236}">
+                  <a16:creationId xmlns:a16="http://schemas.microsoft.com/office/drawing/2014/main" id="{8018F7EB-5ABB-F559-7D74-6EFEE6E290C4}"/>
+                </a:ext>
+              </a:extLst>
+            </p:cNvPr>
+            <p:cNvPicPr>
+              <a:picLocks noChangeAspect="1"/>
+            </p:cNvPicPr>
+            <p:nvPr/>
+          </p:nvPicPr>
+          <p:blipFill>
+            <a:blip r:embed="rId6">
+              <a:extLst>
+                <a:ext uri="{96DAC541-7B7A-43D3-8B79-37D633B846F1}">
+                  <asvg:svgBlip xmlns:asvg="http://schemas.microsoft.com/office/drawing/2016/SVG/main" r:embed="rId7"/>
+                </a:ext>
+              </a:extLst>
+            </a:blip>
+            <a:stretch>
+              <a:fillRect/>
+            </a:stretch>
+          </p:blipFill>
+          <p:spPr>
+            <a:xfrm>
+              <a:off x="10424763" y="6399498"/>
+              <a:ext cx="264404" cy="264404"/>
+            </a:xfrm>
+            <a:prstGeom prst="rect">
+              <a:avLst/>
+            </a:prstGeom>
+          </p:spPr>
+        </p:pic>
+        <p:pic>
+          <p:nvPicPr>
+            <p:cNvPr id="8" name="Graphic 7" descr="The sun peeking from behind a cloud">
+              <a:extLst>
+                <a:ext uri="{FF2B5EF4-FFF2-40B4-BE49-F238E27FC236}">
+                  <a16:creationId xmlns:a16="http://schemas.microsoft.com/office/drawing/2014/main" id="{AE1D6D85-61B1-F889-CFC1-AC8DBA5EE7EB}"/>
+                </a:ext>
+              </a:extLst>
+            </p:cNvPr>
+            <p:cNvPicPr>
+              <a:picLocks noChangeAspect="1"/>
+            </p:cNvPicPr>
+            <p:nvPr/>
+          </p:nvPicPr>
+          <p:blipFill>
+            <a:blip r:embed="rId8">
+              <a:extLst>
+                <a:ext uri="{96DAC541-7B7A-43D3-8B79-37D633B846F1}">
+                  <asvg:svgBlip xmlns:asvg="http://schemas.microsoft.com/office/drawing/2016/SVG/main" r:embed="rId9"/>
+                </a:ext>
+              </a:extLst>
+            </a:blip>
+            <a:stretch>
+              <a:fillRect/>
+            </a:stretch>
+          </p:blipFill>
+          <p:spPr>
+            <a:xfrm>
+              <a:off x="9979363" y="6399498"/>
+              <a:ext cx="387171" cy="387171"/>
+            </a:xfrm>
+            <a:prstGeom prst="rect">
+              <a:avLst/>
+            </a:prstGeom>
+          </p:spPr>
+        </p:pic>
+      </p:grpSp>
+      <p:pic>
+        <p:nvPicPr>
+          <p:cNvPr id="9" name="Graphic 8" descr="Cursor with solid fill">
+            <a:extLst>
+              <a:ext uri="{FF2B5EF4-FFF2-40B4-BE49-F238E27FC236}">
+                <a16:creationId xmlns:a16="http://schemas.microsoft.com/office/drawing/2014/main" id="{7CD316EE-769F-F9D0-60AE-952445315C41}"/>
+              </a:ext>
+            </a:extLst>
+          </p:cNvPr>
+          <p:cNvPicPr>
+            <a:picLocks noChangeAspect="1"/>
+          </p:cNvPicPr>
+          <p:nvPr/>
+        </p:nvPicPr>
+        <p:blipFill>
+          <a:blip r:embed="rId10">
+            <a:extLst>
+              <a:ext uri="{96DAC541-7B7A-43D3-8B79-37D633B846F1}">
+                <asvg:svgBlip xmlns:asvg="http://schemas.microsoft.com/office/drawing/2016/SVG/main" r:embed="rId11"/>
+              </a:ext>
+            </a:extLst>
+          </a:blip>
+          <a:stretch>
+            <a:fillRect/>
+          </a:stretch>
+        </p:blipFill>
+        <p:spPr>
+          <a:xfrm>
+            <a:off x="12357968" y="3721738"/>
+            <a:ext cx="491759" cy="491759"/>
+          </a:xfrm>
+          <a:prstGeom prst="rect">
+            <a:avLst/>
+          </a:prstGeom>
+        </p:spPr>
+      </p:pic>
+    </p:spTree>
+    <p:extLst>
+      <p:ext uri="{BB962C8B-B14F-4D97-AF65-F5344CB8AC3E}">
+        <p14:creationId xmlns:p14="http://schemas.microsoft.com/office/powerpoint/2010/main" val="3918441574"/>
+      </p:ext>
+    </p:extLst>
+  </p:cSld>
+  <p:clrMapOvr>
+    <a:masterClrMapping/>
+  </p:clrMapOvr>
+  <mc:AlternateContent xmlns:mc="http://schemas.openxmlformats.org/markup-compatibility/2006">
+    <mc:Choice xmlns:p159="http://schemas.microsoft.com/office/powerpoint/2015/09/main" Requires="p159">
+      <p:transition xmlns:p14="http://schemas.microsoft.com/office/powerpoint/2010/main" spd="slow" p14:dur="2000">
+        <p159:morph option="byObject"/>
+      </p:transition>
+    </mc:Choice>
+    <mc:Fallback>
+      <p:transition spd="slow">
+        <p:fade/>
+      </p:transition>
+    </mc:Fallback>
+  </mc:AlternateContent>
+</p:sld>
+</file>
+
+<file path=ppt/slides/slide12.xml><?xml version="1.0" encoding="utf-8"?>
+<p:sld xmlns:a="http://schemas.openxmlformats.org/drawingml/2006/main" xmlns:r="http://schemas.openxmlformats.org/officeDocument/2006/relationships" xmlns:p="http://schemas.openxmlformats.org/presentationml/2006/main">
+  <p:cSld>
     <p:bg>
       <p:bgPr>
         <a:blipFill dpi="0" rotWithShape="1">
@@ -23018,7 +24394,7 @@
 </p:sld>
 </file>
 
-<file path=ppt/slides/slide11.xml><?xml version="1.0" encoding="utf-8"?>
+<file path=ppt/slides/slide13.xml><?xml version="1.0" encoding="utf-8"?>
 <p:sld xmlns:a="http://schemas.openxmlformats.org/drawingml/2006/main" xmlns:r="http://schemas.openxmlformats.org/officeDocument/2006/relationships" xmlns:p="http://schemas.openxmlformats.org/presentationml/2006/main">
   <p:cSld>
     <p:bg>
@@ -23447,7 +24823,7 @@
 </p:sld>
 </file>
 
-<file path=ppt/slides/slide12.xml><?xml version="1.0" encoding="utf-8"?>
+<file path=ppt/slides/slide14.xml><?xml version="1.0" encoding="utf-8"?>
 <p:sld xmlns:a="http://schemas.openxmlformats.org/drawingml/2006/main" xmlns:r="http://schemas.openxmlformats.org/officeDocument/2006/relationships" xmlns:p="http://schemas.openxmlformats.org/presentationml/2006/main">
   <p:cSld>
     <p:bg>
@@ -23876,7 +25252,7 @@
 </p:sld>
 </file>
 
-<file path=ppt/slides/slide13.xml><?xml version="1.0" encoding="utf-8"?>
+<file path=ppt/slides/slide15.xml><?xml version="1.0" encoding="utf-8"?>
 <p:sld xmlns:a="http://schemas.openxmlformats.org/drawingml/2006/main" xmlns:r="http://schemas.openxmlformats.org/officeDocument/2006/relationships" xmlns:p="http://schemas.openxmlformats.org/presentationml/2006/main">
   <p:cSld>
     <p:bg>
@@ -24305,7 +25681,7 @@
 </p:sld>
 </file>
 
-<file path=ppt/slides/slide14.xml><?xml version="1.0" encoding="utf-8"?>
+<file path=ppt/slides/slide16.xml><?xml version="1.0" encoding="utf-8"?>
 <p:sld xmlns:a="http://schemas.openxmlformats.org/drawingml/2006/main" xmlns:r="http://schemas.openxmlformats.org/officeDocument/2006/relationships" xmlns:p="http://schemas.openxmlformats.org/presentationml/2006/main">
   <p:cSld>
     <p:bg>
@@ -24734,7 +26110,7 @@
 </p:sld>
 </file>
 
-<file path=ppt/slides/slide15.xml><?xml version="1.0" encoding="utf-8"?>
+<file path=ppt/slides/slide17.xml><?xml version="1.0" encoding="utf-8"?>
 <p:sld xmlns:a="http://schemas.openxmlformats.org/drawingml/2006/main" xmlns:r="http://schemas.openxmlformats.org/officeDocument/2006/relationships" xmlns:p="http://schemas.openxmlformats.org/presentationml/2006/main">
   <p:cSld>
     <p:bg>
@@ -25088,7 +26464,7 @@
 </p:sld>
 </file>
 
-<file path=ppt/slides/slide16.xml><?xml version="1.0" encoding="utf-8"?>
+<file path=ppt/slides/slide18.xml><?xml version="1.0" encoding="utf-8"?>
 <p:sld xmlns:a="http://schemas.openxmlformats.org/drawingml/2006/main" xmlns:r="http://schemas.openxmlformats.org/officeDocument/2006/relationships" xmlns:p="http://schemas.openxmlformats.org/presentationml/2006/main">
   <p:cSld>
     <p:bg>
@@ -25442,7 +26818,7 @@
 </p:sld>
 </file>
 
-<file path=ppt/slides/slide17.xml><?xml version="1.0" encoding="utf-8"?>
+<file path=ppt/slides/slide19.xml><?xml version="1.0" encoding="utf-8"?>
 <p:sld xmlns:a="http://schemas.openxmlformats.org/drawingml/2006/main" xmlns:r="http://schemas.openxmlformats.org/officeDocument/2006/relationships" xmlns:p="http://schemas.openxmlformats.org/presentationml/2006/main">
   <p:cSld>
     <p:bg>
@@ -25796,7 +27172,531 @@
 </p:sld>
 </file>
 
-<file path=ppt/slides/slide18.xml><?xml version="1.0" encoding="utf-8"?>
+<file path=ppt/slides/slide2.xml><?xml version="1.0" encoding="utf-8"?>
+<p:sld xmlns:a="http://schemas.openxmlformats.org/drawingml/2006/main" xmlns:r="http://schemas.openxmlformats.org/officeDocument/2006/relationships" xmlns:p="http://schemas.openxmlformats.org/presentationml/2006/main">
+  <p:cSld>
+    <p:spTree>
+      <p:nvGrpSpPr>
+        <p:cNvPr id="1" name=""/>
+        <p:cNvGrpSpPr/>
+        <p:nvPr/>
+      </p:nvGrpSpPr>
+      <p:grpSpPr>
+        <a:xfrm>
+          <a:off x="0" y="0"/>
+          <a:ext cx="0" cy="0"/>
+          <a:chOff x="0" y="0"/>
+          <a:chExt cx="0" cy="0"/>
+        </a:xfrm>
+      </p:grpSpPr>
+      <p:sp>
+        <p:nvSpPr>
+          <p:cNvPr id="2" name="Title 1">
+            <a:extLst>
+              <a:ext uri="{FF2B5EF4-FFF2-40B4-BE49-F238E27FC236}">
+                <a16:creationId xmlns:a16="http://schemas.microsoft.com/office/drawing/2014/main" id="{62CEC09F-9520-E3F1-FF9B-BCADBF5DCD49}"/>
+              </a:ext>
+            </a:extLst>
+          </p:cNvPr>
+          <p:cNvSpPr>
+            <a:spLocks noGrp="1"/>
+          </p:cNvSpPr>
+          <p:nvPr>
+            <p:ph type="title"/>
+          </p:nvPr>
+        </p:nvSpPr>
+        <p:spPr>
+          <a:xfrm>
+            <a:off x="381000" y="2944146"/>
+            <a:ext cx="4269017" cy="2109186"/>
+          </a:xfrm>
+        </p:spPr>
+        <p:txBody>
+          <a:bodyPr/>
+          <a:lstStyle/>
+          <a:p>
+            <a:pPr>
+              <a:lnSpc>
+                <a:spcPct val="150000"/>
+              </a:lnSpc>
+            </a:pPr>
+            <a:r>
+              <a:rPr lang="en-US"/>
+              <a:t>Refresher:</a:t>
+            </a:r>
+            <a:br>
+              <a:rPr lang="en-US"/>
+            </a:br>
+            <a:r>
+              <a:rPr lang="en-US"/>
+              <a:t>What is the BRL?</a:t>
+            </a:r>
+          </a:p>
+        </p:txBody>
+      </p:sp>
+      <p:sp>
+        <p:nvSpPr>
+          <p:cNvPr id="4" name="TextBox 3">
+            <a:extLst>
+              <a:ext uri="{FF2B5EF4-FFF2-40B4-BE49-F238E27FC236}">
+                <a16:creationId xmlns:a16="http://schemas.microsoft.com/office/drawing/2014/main" id="{1181B0AF-5537-5EDE-83E4-FEA4C07342D7}"/>
+              </a:ext>
+            </a:extLst>
+          </p:cNvPr>
+          <p:cNvSpPr txBox="1"/>
+          <p:nvPr/>
+        </p:nvSpPr>
+        <p:spPr>
+          <a:xfrm>
+            <a:off x="5075434" y="1438382"/>
+            <a:ext cx="6735566" cy="3785652"/>
+          </a:xfrm>
+          <a:prstGeom prst="rect">
+            <a:avLst/>
+          </a:prstGeom>
+          <a:noFill/>
+        </p:spPr>
+        <p:txBody>
+          <a:bodyPr wrap="square" rtlCol="0">
+            <a:spAutoFit/>
+          </a:bodyPr>
+          <a:lstStyle/>
+          <a:p>
+            <a:pPr marL="342900" indent="-342900">
+              <a:buFont typeface="Arial" panose="020B0604020202020204" pitchFamily="34" charset="0"/>
+              <a:buChar char="•"/>
+            </a:pPr>
+            <a:r>
+              <a:rPr lang="en-US" sz="2000" b="1"/>
+              <a:t>Wiki-style REST API backend</a:t>
+            </a:r>
+          </a:p>
+          <a:p>
+            <a:pPr marL="342900" indent="-342900">
+              <a:buFont typeface="Arial" panose="020B0604020202020204" pitchFamily="34" charset="0"/>
+              <a:buChar char="•"/>
+            </a:pPr>
+            <a:endParaRPr lang="en-US" sz="2000" b="1"/>
+          </a:p>
+          <a:p>
+            <a:pPr marL="342900" indent="-342900">
+              <a:buFont typeface="Arial" panose="020B0604020202020204" pitchFamily="34" charset="0"/>
+              <a:buChar char="•"/>
+            </a:pPr>
+            <a:r>
+              <a:rPr lang="en-US" sz="2000" b="1"/>
+              <a:t>Internal developer resource-sharing service</a:t>
+            </a:r>
+          </a:p>
+          <a:p>
+            <a:pPr marL="800100" lvl="1" indent="-342900">
+              <a:buFont typeface="Arial" panose="020B0604020202020204" pitchFamily="34" charset="0"/>
+              <a:buChar char="•"/>
+            </a:pPr>
+            <a:r>
+              <a:rPr lang="en-US" sz="2000" b="1"/>
+              <a:t>URLs w/ title and description</a:t>
+            </a:r>
+          </a:p>
+          <a:p>
+            <a:pPr marL="800100" lvl="1" indent="-342900">
+              <a:buFont typeface="Arial" panose="020B0604020202020204" pitchFamily="34" charset="0"/>
+              <a:buChar char="•"/>
+            </a:pPr>
+            <a:r>
+              <a:rPr lang="en-US" sz="2000" b="1"/>
+              <a:t>Commenting</a:t>
+            </a:r>
+          </a:p>
+          <a:p>
+            <a:pPr marL="800100" lvl="1" indent="-342900">
+              <a:buFont typeface="Arial" panose="020B0604020202020204" pitchFamily="34" charset="0"/>
+              <a:buChar char="•"/>
+            </a:pPr>
+            <a:r>
+              <a:rPr lang="en-US" sz="2000" b="1"/>
+              <a:t>Upvoting</a:t>
+            </a:r>
+          </a:p>
+          <a:p>
+            <a:pPr marL="800100" lvl="1" indent="-342900">
+              <a:buFont typeface="Arial" panose="020B0604020202020204" pitchFamily="34" charset="0"/>
+              <a:buChar char="•"/>
+            </a:pPr>
+            <a:r>
+              <a:rPr lang="en-US" sz="2000" b="1"/>
+              <a:t>Flagging for manager review</a:t>
+            </a:r>
+          </a:p>
+          <a:p>
+            <a:pPr marL="800100" lvl="1" indent="-342900">
+              <a:buFont typeface="Arial" panose="020B0604020202020204" pitchFamily="34" charset="0"/>
+              <a:buChar char="•"/>
+            </a:pPr>
+            <a:endParaRPr lang="en-US" sz="2000" b="1"/>
+          </a:p>
+          <a:p>
+            <a:pPr marL="342900" indent="-342900">
+              <a:buFont typeface="Arial" panose="020B0604020202020204" pitchFamily="34" charset="0"/>
+              <a:buChar char="•"/>
+            </a:pPr>
+            <a:r>
+              <a:rPr lang="en-US" sz="2000" b="1"/>
+              <a:t>Permissions levels</a:t>
+            </a:r>
+          </a:p>
+          <a:p>
+            <a:pPr marL="800100" lvl="1" indent="-342900">
+              <a:buFont typeface="Arial" panose="020B0604020202020204" pitchFamily="34" charset="0"/>
+              <a:buChar char="•"/>
+            </a:pPr>
+            <a:r>
+              <a:rPr lang="en-US" sz="2000" b="1"/>
+              <a:t>Manager</a:t>
+            </a:r>
+          </a:p>
+          <a:p>
+            <a:pPr marL="800100" lvl="1" indent="-342900">
+              <a:buFont typeface="Arial" panose="020B0604020202020204" pitchFamily="34" charset="0"/>
+              <a:buChar char="•"/>
+            </a:pPr>
+            <a:r>
+              <a:rPr lang="en-US" sz="2000" b="1"/>
+              <a:t>Developer</a:t>
+            </a:r>
+          </a:p>
+          <a:p>
+            <a:pPr marL="800100" lvl="1" indent="-342900">
+              <a:buFont typeface="Arial" panose="020B0604020202020204" pitchFamily="34" charset="0"/>
+              <a:buChar char="•"/>
+            </a:pPr>
+            <a:r>
+              <a:rPr lang="en-US" sz="2000" b="1"/>
+              <a:t>General Employee</a:t>
+            </a:r>
+          </a:p>
+        </p:txBody>
+      </p:sp>
+      <p:grpSp>
+        <p:nvGrpSpPr>
+          <p:cNvPr id="5" name="Group 4">
+            <a:extLst>
+              <a:ext uri="{FF2B5EF4-FFF2-40B4-BE49-F238E27FC236}">
+                <a16:creationId xmlns:a16="http://schemas.microsoft.com/office/drawing/2014/main" id="{004F0CA6-4456-7577-A53D-C3E0C75BCCB6}"/>
+              </a:ext>
+            </a:extLst>
+          </p:cNvPr>
+          <p:cNvGrpSpPr/>
+          <p:nvPr/>
+        </p:nvGrpSpPr>
+        <p:grpSpPr>
+          <a:xfrm>
+            <a:off x="9979363" y="6377811"/>
+            <a:ext cx="2171585" cy="408858"/>
+            <a:chOff x="9979363" y="6377811"/>
+            <a:chExt cx="2171585" cy="408858"/>
+          </a:xfrm>
+        </p:grpSpPr>
+        <p:sp>
+          <p:nvSpPr>
+            <p:cNvPr id="6" name="TextBox 5">
+              <a:extLst>
+                <a:ext uri="{FF2B5EF4-FFF2-40B4-BE49-F238E27FC236}">
+                  <a16:creationId xmlns:a16="http://schemas.microsoft.com/office/drawing/2014/main" id="{FB4AB5A1-BC6B-73CF-53EA-C0232D32FC24}"/>
+                </a:ext>
+              </a:extLst>
+            </p:cNvPr>
+            <p:cNvSpPr txBox="1"/>
+            <p:nvPr/>
+          </p:nvSpPr>
+          <p:spPr>
+            <a:xfrm>
+              <a:off x="10689167" y="6377811"/>
+              <a:ext cx="1461781" cy="307777"/>
+            </a:xfrm>
+            <a:prstGeom prst="rect">
+              <a:avLst/>
+            </a:prstGeom>
+            <a:noFill/>
+          </p:spPr>
+          <p:txBody>
+            <a:bodyPr wrap="square" rtlCol="0">
+              <a:spAutoFit/>
+            </a:bodyPr>
+            <a:lstStyle/>
+            <a:p>
+              <a:r>
+                <a:rPr lang="en-US" sz="1400" b="1"/>
+                <a:t>10/24/25</a:t>
+              </a:r>
+            </a:p>
+          </p:txBody>
+        </p:sp>
+        <p:pic>
+          <p:nvPicPr>
+            <p:cNvPr id="7" name="Graphic 6" descr="Flip calendar with solid fill">
+              <a:extLst>
+                <a:ext uri="{FF2B5EF4-FFF2-40B4-BE49-F238E27FC236}">
+                  <a16:creationId xmlns:a16="http://schemas.microsoft.com/office/drawing/2014/main" id="{D771506D-8778-C439-8F50-23480A84B6AA}"/>
+                </a:ext>
+              </a:extLst>
+            </p:cNvPr>
+            <p:cNvPicPr>
+              <a:picLocks noChangeAspect="1"/>
+            </p:cNvPicPr>
+            <p:nvPr/>
+          </p:nvPicPr>
+          <p:blipFill>
+            <a:blip r:embed="rId3">
+              <a:extLst>
+                <a:ext uri="{96DAC541-7B7A-43D3-8B79-37D633B846F1}">
+                  <asvg:svgBlip xmlns:asvg="http://schemas.microsoft.com/office/drawing/2016/SVG/main" r:embed="rId4"/>
+                </a:ext>
+              </a:extLst>
+            </a:blip>
+            <a:stretch>
+              <a:fillRect/>
+            </a:stretch>
+          </p:blipFill>
+          <p:spPr>
+            <a:xfrm>
+              <a:off x="10424763" y="6399498"/>
+              <a:ext cx="264404" cy="264404"/>
+            </a:xfrm>
+            <a:prstGeom prst="rect">
+              <a:avLst/>
+            </a:prstGeom>
+          </p:spPr>
+        </p:pic>
+        <p:pic>
+          <p:nvPicPr>
+            <p:cNvPr id="8" name="Graphic 7" descr="The sun peeking from behind a cloud">
+              <a:extLst>
+                <a:ext uri="{FF2B5EF4-FFF2-40B4-BE49-F238E27FC236}">
+                  <a16:creationId xmlns:a16="http://schemas.microsoft.com/office/drawing/2014/main" id="{7E5D0E38-18A3-ECA3-CCE7-D0279FD96243}"/>
+                </a:ext>
+              </a:extLst>
+            </p:cNvPr>
+            <p:cNvPicPr>
+              <a:picLocks noChangeAspect="1"/>
+            </p:cNvPicPr>
+            <p:nvPr/>
+          </p:nvPicPr>
+          <p:blipFill>
+            <a:blip r:embed="rId5">
+              <a:extLst>
+                <a:ext uri="{96DAC541-7B7A-43D3-8B79-37D633B846F1}">
+                  <asvg:svgBlip xmlns:asvg="http://schemas.microsoft.com/office/drawing/2016/SVG/main" r:embed="rId6"/>
+                </a:ext>
+              </a:extLst>
+            </a:blip>
+            <a:stretch>
+              <a:fillRect/>
+            </a:stretch>
+          </p:blipFill>
+          <p:spPr>
+            <a:xfrm>
+              <a:off x="9979363" y="6399498"/>
+              <a:ext cx="387171" cy="387171"/>
+            </a:xfrm>
+            <a:prstGeom prst="rect">
+              <a:avLst/>
+            </a:prstGeom>
+          </p:spPr>
+        </p:pic>
+      </p:grpSp>
+      <p:sp>
+        <p:nvSpPr>
+          <p:cNvPr id="9" name="Rectangle: Folded Corner 8">
+            <a:extLst>
+              <a:ext uri="{FF2B5EF4-FFF2-40B4-BE49-F238E27FC236}">
+                <a16:creationId xmlns:a16="http://schemas.microsoft.com/office/drawing/2014/main" id="{9DED1EFB-B9CA-9F55-53C6-1DA8B3EC54E0}"/>
+              </a:ext>
+            </a:extLst>
+          </p:cNvPr>
+          <p:cNvSpPr/>
+          <p:nvPr/>
+        </p:nvSpPr>
+        <p:spPr>
+          <a:xfrm>
+            <a:off x="801384" y="431515"/>
+            <a:ext cx="2825394" cy="1664413"/>
+          </a:xfrm>
+          <a:prstGeom prst="foldedCorner">
+            <a:avLst/>
+          </a:prstGeom>
+          <a:solidFill>
+            <a:srgbClr val="FFFF99"/>
+          </a:solidFill>
+          <a:ln w="19050">
+            <a:solidFill>
+              <a:srgbClr val="CDCD7B"/>
+            </a:solidFill>
+          </a:ln>
+        </p:spPr>
+        <p:style>
+          <a:lnRef idx="2">
+            <a:schemeClr val="accent1">
+              <a:shade val="15000"/>
+            </a:schemeClr>
+          </a:lnRef>
+          <a:fillRef idx="1">
+            <a:schemeClr val="accent1"/>
+          </a:fillRef>
+          <a:effectRef idx="0">
+            <a:schemeClr val="accent1"/>
+          </a:effectRef>
+          <a:fontRef idx="minor">
+            <a:schemeClr val="lt1"/>
+          </a:fontRef>
+        </p:style>
+        <p:txBody>
+          <a:bodyPr rtlCol="0" anchor="t"/>
+          <a:lstStyle/>
+          <a:p>
+            <a:r>
+              <a:rPr lang="en-US" sz="1700" b="1">
+                <a:solidFill>
+                  <a:schemeClr val="tx1"/>
+                </a:solidFill>
+              </a:rPr>
+              <a:t>Team Yellow:</a:t>
+            </a:r>
+          </a:p>
+          <a:p>
+            <a:pPr marL="285750" indent="-285750">
+              <a:buFont typeface="Arial" panose="020B0604020202020204" pitchFamily="34" charset="0"/>
+              <a:buChar char="•"/>
+            </a:pPr>
+            <a:r>
+              <a:rPr lang="en-US" sz="1700" b="1">
+                <a:solidFill>
+                  <a:schemeClr val="tx1"/>
+                </a:solidFill>
+              </a:rPr>
+              <a:t>Ben Edens</a:t>
+            </a:r>
+          </a:p>
+          <a:p>
+            <a:pPr marL="285750" indent="-285750">
+              <a:buFont typeface="Arial" panose="020B0604020202020204" pitchFamily="34" charset="0"/>
+              <a:buChar char="•"/>
+            </a:pPr>
+            <a:r>
+              <a:rPr lang="en-US" sz="1700" b="1">
+                <a:solidFill>
+                  <a:schemeClr val="tx1"/>
+                </a:solidFill>
+              </a:rPr>
+              <a:t>Claire Oliver</a:t>
+            </a:r>
+          </a:p>
+          <a:p>
+            <a:pPr marL="285750" indent="-285750">
+              <a:buFont typeface="Arial" panose="020B0604020202020204" pitchFamily="34" charset="0"/>
+              <a:buChar char="•"/>
+            </a:pPr>
+            <a:r>
+              <a:rPr lang="en-US" sz="1700" b="1">
+                <a:solidFill>
+                  <a:schemeClr val="tx1"/>
+                </a:solidFill>
+              </a:rPr>
+              <a:t>Dennis Shelby</a:t>
+            </a:r>
+          </a:p>
+          <a:p>
+            <a:pPr marL="285750" indent="-285750">
+              <a:buFont typeface="Arial" panose="020B0604020202020204" pitchFamily="34" charset="0"/>
+              <a:buChar char="•"/>
+            </a:pPr>
+            <a:r>
+              <a:rPr lang="en-US" sz="1700" b="1">
+                <a:solidFill>
+                  <a:schemeClr val="tx1"/>
+                </a:solidFill>
+              </a:rPr>
+              <a:t>Janniebeth Melendez</a:t>
+            </a:r>
+          </a:p>
+          <a:p>
+            <a:pPr marL="285750" indent="-285750">
+              <a:buFont typeface="Arial" panose="020B0604020202020204" pitchFamily="34" charset="0"/>
+              <a:buChar char="•"/>
+            </a:pPr>
+            <a:r>
+              <a:rPr lang="en-US" sz="1700" b="1">
+                <a:solidFill>
+                  <a:schemeClr val="tx1"/>
+                </a:solidFill>
+              </a:rPr>
+              <a:t>Ted Bjurlin</a:t>
+            </a:r>
+          </a:p>
+        </p:txBody>
+      </p:sp>
+      <p:pic>
+        <p:nvPicPr>
+          <p:cNvPr id="3" name="Graphic 2" descr="Cursor with solid fill">
+            <a:extLst>
+              <a:ext uri="{FF2B5EF4-FFF2-40B4-BE49-F238E27FC236}">
+                <a16:creationId xmlns:a16="http://schemas.microsoft.com/office/drawing/2014/main" id="{F131B2B8-E661-60F8-8990-6E416EF010CA}"/>
+              </a:ext>
+            </a:extLst>
+          </p:cNvPr>
+          <p:cNvPicPr>
+            <a:picLocks noChangeAspect="1"/>
+          </p:cNvPicPr>
+          <p:nvPr/>
+        </p:nvPicPr>
+        <p:blipFill>
+          <a:blip r:embed="rId7">
+            <a:extLst>
+              <a:ext uri="{96DAC541-7B7A-43D3-8B79-37D633B846F1}">
+                <asvg:svgBlip xmlns:asvg="http://schemas.microsoft.com/office/drawing/2016/SVG/main" r:embed="rId8"/>
+              </a:ext>
+            </a:extLst>
+          </a:blip>
+          <a:stretch>
+            <a:fillRect/>
+          </a:stretch>
+        </p:blipFill>
+        <p:spPr>
+          <a:xfrm>
+            <a:off x="4105227" y="4561573"/>
+            <a:ext cx="491759" cy="491759"/>
+          </a:xfrm>
+          <a:prstGeom prst="rect">
+            <a:avLst/>
+          </a:prstGeom>
+        </p:spPr>
+      </p:pic>
+    </p:spTree>
+    <p:extLst>
+      <p:ext uri="{BB962C8B-B14F-4D97-AF65-F5344CB8AC3E}">
+        <p14:creationId xmlns:p14="http://schemas.microsoft.com/office/powerpoint/2010/main" val="1612611133"/>
+      </p:ext>
+    </p:extLst>
+  </p:cSld>
+  <p:clrMapOvr>
+    <a:masterClrMapping/>
+  </p:clrMapOvr>
+  <mc:AlternateContent xmlns:mc="http://schemas.openxmlformats.org/markup-compatibility/2006">
+    <mc:Choice xmlns:p159="http://schemas.microsoft.com/office/powerpoint/2015/09/main" Requires="p159">
+      <p:transition xmlns:p14="http://schemas.microsoft.com/office/powerpoint/2010/main" spd="slow" p14:dur="2000">
+        <p159:morph option="byObject"/>
+      </p:transition>
+    </mc:Choice>
+    <mc:Fallback>
+      <p:transition spd="slow">
+        <p:fade/>
+      </p:transition>
+    </mc:Fallback>
+  </mc:AlternateContent>
+</p:sld>
+</file>
+
+<file path=ppt/slides/slide20.xml><?xml version="1.0" encoding="utf-8"?>
 <p:sld xmlns:a="http://schemas.openxmlformats.org/drawingml/2006/main" xmlns:r="http://schemas.openxmlformats.org/officeDocument/2006/relationships" xmlns:p="http://schemas.openxmlformats.org/presentationml/2006/main">
   <p:cSld>
     <p:bg>
@@ -26200,7 +28100,7 @@
 </p:sld>
 </file>
 
-<file path=ppt/slides/slide19.xml><?xml version="1.0" encoding="utf-8"?>
+<file path=ppt/slides/slide21.xml><?xml version="1.0" encoding="utf-8"?>
 <p:sld xmlns:a="http://schemas.openxmlformats.org/drawingml/2006/main" xmlns:r="http://schemas.openxmlformats.org/officeDocument/2006/relationships" xmlns:p="http://schemas.openxmlformats.org/presentationml/2006/main">
   <p:cSld>
     <p:bg>
@@ -26604,531 +28504,7 @@
 </p:sld>
 </file>
 
-<file path=ppt/slides/slide2.xml><?xml version="1.0" encoding="utf-8"?>
-<p:sld xmlns:a="http://schemas.openxmlformats.org/drawingml/2006/main" xmlns:r="http://schemas.openxmlformats.org/officeDocument/2006/relationships" xmlns:p="http://schemas.openxmlformats.org/presentationml/2006/main">
-  <p:cSld>
-    <p:spTree>
-      <p:nvGrpSpPr>
-        <p:cNvPr id="1" name=""/>
-        <p:cNvGrpSpPr/>
-        <p:nvPr/>
-      </p:nvGrpSpPr>
-      <p:grpSpPr>
-        <a:xfrm>
-          <a:off x="0" y="0"/>
-          <a:ext cx="0" cy="0"/>
-          <a:chOff x="0" y="0"/>
-          <a:chExt cx="0" cy="0"/>
-        </a:xfrm>
-      </p:grpSpPr>
-      <p:sp>
-        <p:nvSpPr>
-          <p:cNvPr id="2" name="Title 1">
-            <a:extLst>
-              <a:ext uri="{FF2B5EF4-FFF2-40B4-BE49-F238E27FC236}">
-                <a16:creationId xmlns:a16="http://schemas.microsoft.com/office/drawing/2014/main" id="{62CEC09F-9520-E3F1-FF9B-BCADBF5DCD49}"/>
-              </a:ext>
-            </a:extLst>
-          </p:cNvPr>
-          <p:cNvSpPr>
-            <a:spLocks noGrp="1"/>
-          </p:cNvSpPr>
-          <p:nvPr>
-            <p:ph type="title"/>
-          </p:nvPr>
-        </p:nvSpPr>
-        <p:spPr>
-          <a:xfrm>
-            <a:off x="381000" y="2944146"/>
-            <a:ext cx="4269017" cy="2109186"/>
-          </a:xfrm>
-        </p:spPr>
-        <p:txBody>
-          <a:bodyPr/>
-          <a:lstStyle/>
-          <a:p>
-            <a:pPr>
-              <a:lnSpc>
-                <a:spcPct val="150000"/>
-              </a:lnSpc>
-            </a:pPr>
-            <a:r>
-              <a:rPr lang="en-US"/>
-              <a:t>Refresher:</a:t>
-            </a:r>
-            <a:br>
-              <a:rPr lang="en-US"/>
-            </a:br>
-            <a:r>
-              <a:rPr lang="en-US"/>
-              <a:t>What is the BRL?</a:t>
-            </a:r>
-          </a:p>
-        </p:txBody>
-      </p:sp>
-      <p:sp>
-        <p:nvSpPr>
-          <p:cNvPr id="4" name="TextBox 3">
-            <a:extLst>
-              <a:ext uri="{FF2B5EF4-FFF2-40B4-BE49-F238E27FC236}">
-                <a16:creationId xmlns:a16="http://schemas.microsoft.com/office/drawing/2014/main" id="{1181B0AF-5537-5EDE-83E4-FEA4C07342D7}"/>
-              </a:ext>
-            </a:extLst>
-          </p:cNvPr>
-          <p:cNvSpPr txBox="1"/>
-          <p:nvPr/>
-        </p:nvSpPr>
-        <p:spPr>
-          <a:xfrm>
-            <a:off x="5075434" y="1438382"/>
-            <a:ext cx="6735566" cy="3785652"/>
-          </a:xfrm>
-          <a:prstGeom prst="rect">
-            <a:avLst/>
-          </a:prstGeom>
-          <a:noFill/>
-        </p:spPr>
-        <p:txBody>
-          <a:bodyPr wrap="square" rtlCol="0">
-            <a:spAutoFit/>
-          </a:bodyPr>
-          <a:lstStyle/>
-          <a:p>
-            <a:pPr marL="342900" indent="-342900">
-              <a:buFont typeface="Arial" panose="020B0604020202020204" pitchFamily="34" charset="0"/>
-              <a:buChar char="•"/>
-            </a:pPr>
-            <a:r>
-              <a:rPr lang="en-US" sz="2000" b="1"/>
-              <a:t>Wiki-style REST API backend</a:t>
-            </a:r>
-          </a:p>
-          <a:p>
-            <a:pPr marL="342900" indent="-342900">
-              <a:buFont typeface="Arial" panose="020B0604020202020204" pitchFamily="34" charset="0"/>
-              <a:buChar char="•"/>
-            </a:pPr>
-            <a:endParaRPr lang="en-US" sz="2000" b="1"/>
-          </a:p>
-          <a:p>
-            <a:pPr marL="342900" indent="-342900">
-              <a:buFont typeface="Arial" panose="020B0604020202020204" pitchFamily="34" charset="0"/>
-              <a:buChar char="•"/>
-            </a:pPr>
-            <a:r>
-              <a:rPr lang="en-US" sz="2000" b="1"/>
-              <a:t>Internal developer resource-sharing service</a:t>
-            </a:r>
-          </a:p>
-          <a:p>
-            <a:pPr marL="800100" lvl="1" indent="-342900">
-              <a:buFont typeface="Arial" panose="020B0604020202020204" pitchFamily="34" charset="0"/>
-              <a:buChar char="•"/>
-            </a:pPr>
-            <a:r>
-              <a:rPr lang="en-US" sz="2000" b="1"/>
-              <a:t>URLs w/ title and description</a:t>
-            </a:r>
-          </a:p>
-          <a:p>
-            <a:pPr marL="800100" lvl="1" indent="-342900">
-              <a:buFont typeface="Arial" panose="020B0604020202020204" pitchFamily="34" charset="0"/>
-              <a:buChar char="•"/>
-            </a:pPr>
-            <a:r>
-              <a:rPr lang="en-US" sz="2000" b="1"/>
-              <a:t>Commenting</a:t>
-            </a:r>
-          </a:p>
-          <a:p>
-            <a:pPr marL="800100" lvl="1" indent="-342900">
-              <a:buFont typeface="Arial" panose="020B0604020202020204" pitchFamily="34" charset="0"/>
-              <a:buChar char="•"/>
-            </a:pPr>
-            <a:r>
-              <a:rPr lang="en-US" sz="2000" b="1"/>
-              <a:t>Upvoting</a:t>
-            </a:r>
-          </a:p>
-          <a:p>
-            <a:pPr marL="800100" lvl="1" indent="-342900">
-              <a:buFont typeface="Arial" panose="020B0604020202020204" pitchFamily="34" charset="0"/>
-              <a:buChar char="•"/>
-            </a:pPr>
-            <a:r>
-              <a:rPr lang="en-US" sz="2000" b="1"/>
-              <a:t>Flagging for manager review</a:t>
-            </a:r>
-          </a:p>
-          <a:p>
-            <a:pPr marL="800100" lvl="1" indent="-342900">
-              <a:buFont typeface="Arial" panose="020B0604020202020204" pitchFamily="34" charset="0"/>
-              <a:buChar char="•"/>
-            </a:pPr>
-            <a:endParaRPr lang="en-US" sz="2000" b="1"/>
-          </a:p>
-          <a:p>
-            <a:pPr marL="342900" indent="-342900">
-              <a:buFont typeface="Arial" panose="020B0604020202020204" pitchFamily="34" charset="0"/>
-              <a:buChar char="•"/>
-            </a:pPr>
-            <a:r>
-              <a:rPr lang="en-US" sz="2000" b="1"/>
-              <a:t>Permissions levels</a:t>
-            </a:r>
-          </a:p>
-          <a:p>
-            <a:pPr marL="800100" lvl="1" indent="-342900">
-              <a:buFont typeface="Arial" panose="020B0604020202020204" pitchFamily="34" charset="0"/>
-              <a:buChar char="•"/>
-            </a:pPr>
-            <a:r>
-              <a:rPr lang="en-US" sz="2000" b="1"/>
-              <a:t>Manager</a:t>
-            </a:r>
-          </a:p>
-          <a:p>
-            <a:pPr marL="800100" lvl="1" indent="-342900">
-              <a:buFont typeface="Arial" panose="020B0604020202020204" pitchFamily="34" charset="0"/>
-              <a:buChar char="•"/>
-            </a:pPr>
-            <a:r>
-              <a:rPr lang="en-US" sz="2000" b="1"/>
-              <a:t>Developer</a:t>
-            </a:r>
-          </a:p>
-          <a:p>
-            <a:pPr marL="800100" lvl="1" indent="-342900">
-              <a:buFont typeface="Arial" panose="020B0604020202020204" pitchFamily="34" charset="0"/>
-              <a:buChar char="•"/>
-            </a:pPr>
-            <a:r>
-              <a:rPr lang="en-US" sz="2000" b="1"/>
-              <a:t>General Employee</a:t>
-            </a:r>
-          </a:p>
-        </p:txBody>
-      </p:sp>
-      <p:grpSp>
-        <p:nvGrpSpPr>
-          <p:cNvPr id="5" name="Group 4">
-            <a:extLst>
-              <a:ext uri="{FF2B5EF4-FFF2-40B4-BE49-F238E27FC236}">
-                <a16:creationId xmlns:a16="http://schemas.microsoft.com/office/drawing/2014/main" id="{004F0CA6-4456-7577-A53D-C3E0C75BCCB6}"/>
-              </a:ext>
-            </a:extLst>
-          </p:cNvPr>
-          <p:cNvGrpSpPr/>
-          <p:nvPr/>
-        </p:nvGrpSpPr>
-        <p:grpSpPr>
-          <a:xfrm>
-            <a:off x="9979363" y="6377811"/>
-            <a:ext cx="2171585" cy="408858"/>
-            <a:chOff x="9979363" y="6377811"/>
-            <a:chExt cx="2171585" cy="408858"/>
-          </a:xfrm>
-        </p:grpSpPr>
-        <p:sp>
-          <p:nvSpPr>
-            <p:cNvPr id="6" name="TextBox 5">
-              <a:extLst>
-                <a:ext uri="{FF2B5EF4-FFF2-40B4-BE49-F238E27FC236}">
-                  <a16:creationId xmlns:a16="http://schemas.microsoft.com/office/drawing/2014/main" id="{FB4AB5A1-BC6B-73CF-53EA-C0232D32FC24}"/>
-                </a:ext>
-              </a:extLst>
-            </p:cNvPr>
-            <p:cNvSpPr txBox="1"/>
-            <p:nvPr/>
-          </p:nvSpPr>
-          <p:spPr>
-            <a:xfrm>
-              <a:off x="10689167" y="6377811"/>
-              <a:ext cx="1461781" cy="307777"/>
-            </a:xfrm>
-            <a:prstGeom prst="rect">
-              <a:avLst/>
-            </a:prstGeom>
-            <a:noFill/>
-          </p:spPr>
-          <p:txBody>
-            <a:bodyPr wrap="square" rtlCol="0">
-              <a:spAutoFit/>
-            </a:bodyPr>
-            <a:lstStyle/>
-            <a:p>
-              <a:r>
-                <a:rPr lang="en-US" sz="1400" b="1"/>
-                <a:t>10/24/25</a:t>
-              </a:r>
-            </a:p>
-          </p:txBody>
-        </p:sp>
-        <p:pic>
-          <p:nvPicPr>
-            <p:cNvPr id="7" name="Graphic 6" descr="Flip calendar with solid fill">
-              <a:extLst>
-                <a:ext uri="{FF2B5EF4-FFF2-40B4-BE49-F238E27FC236}">
-                  <a16:creationId xmlns:a16="http://schemas.microsoft.com/office/drawing/2014/main" id="{D771506D-8778-C439-8F50-23480A84B6AA}"/>
-                </a:ext>
-              </a:extLst>
-            </p:cNvPr>
-            <p:cNvPicPr>
-              <a:picLocks noChangeAspect="1"/>
-            </p:cNvPicPr>
-            <p:nvPr/>
-          </p:nvPicPr>
-          <p:blipFill>
-            <a:blip r:embed="rId3">
-              <a:extLst>
-                <a:ext uri="{96DAC541-7B7A-43D3-8B79-37D633B846F1}">
-                  <asvg:svgBlip xmlns:asvg="http://schemas.microsoft.com/office/drawing/2016/SVG/main" r:embed="rId4"/>
-                </a:ext>
-              </a:extLst>
-            </a:blip>
-            <a:stretch>
-              <a:fillRect/>
-            </a:stretch>
-          </p:blipFill>
-          <p:spPr>
-            <a:xfrm>
-              <a:off x="10424763" y="6399498"/>
-              <a:ext cx="264404" cy="264404"/>
-            </a:xfrm>
-            <a:prstGeom prst="rect">
-              <a:avLst/>
-            </a:prstGeom>
-          </p:spPr>
-        </p:pic>
-        <p:pic>
-          <p:nvPicPr>
-            <p:cNvPr id="8" name="Graphic 7" descr="The sun peeking from behind a cloud">
-              <a:extLst>
-                <a:ext uri="{FF2B5EF4-FFF2-40B4-BE49-F238E27FC236}">
-                  <a16:creationId xmlns:a16="http://schemas.microsoft.com/office/drawing/2014/main" id="{7E5D0E38-18A3-ECA3-CCE7-D0279FD96243}"/>
-                </a:ext>
-              </a:extLst>
-            </p:cNvPr>
-            <p:cNvPicPr>
-              <a:picLocks noChangeAspect="1"/>
-            </p:cNvPicPr>
-            <p:nvPr/>
-          </p:nvPicPr>
-          <p:blipFill>
-            <a:blip r:embed="rId5">
-              <a:extLst>
-                <a:ext uri="{96DAC541-7B7A-43D3-8B79-37D633B846F1}">
-                  <asvg:svgBlip xmlns:asvg="http://schemas.microsoft.com/office/drawing/2016/SVG/main" r:embed="rId6"/>
-                </a:ext>
-              </a:extLst>
-            </a:blip>
-            <a:stretch>
-              <a:fillRect/>
-            </a:stretch>
-          </p:blipFill>
-          <p:spPr>
-            <a:xfrm>
-              <a:off x="9979363" y="6399498"/>
-              <a:ext cx="387171" cy="387171"/>
-            </a:xfrm>
-            <a:prstGeom prst="rect">
-              <a:avLst/>
-            </a:prstGeom>
-          </p:spPr>
-        </p:pic>
-      </p:grpSp>
-      <p:sp>
-        <p:nvSpPr>
-          <p:cNvPr id="9" name="Rectangle: Folded Corner 8">
-            <a:extLst>
-              <a:ext uri="{FF2B5EF4-FFF2-40B4-BE49-F238E27FC236}">
-                <a16:creationId xmlns:a16="http://schemas.microsoft.com/office/drawing/2014/main" id="{9DED1EFB-B9CA-9F55-53C6-1DA8B3EC54E0}"/>
-              </a:ext>
-            </a:extLst>
-          </p:cNvPr>
-          <p:cNvSpPr/>
-          <p:nvPr/>
-        </p:nvSpPr>
-        <p:spPr>
-          <a:xfrm>
-            <a:off x="801384" y="431515"/>
-            <a:ext cx="2825394" cy="1664413"/>
-          </a:xfrm>
-          <a:prstGeom prst="foldedCorner">
-            <a:avLst/>
-          </a:prstGeom>
-          <a:solidFill>
-            <a:srgbClr val="FFFF99"/>
-          </a:solidFill>
-          <a:ln w="19050">
-            <a:solidFill>
-              <a:srgbClr val="CDCD7B"/>
-            </a:solidFill>
-          </a:ln>
-        </p:spPr>
-        <p:style>
-          <a:lnRef idx="2">
-            <a:schemeClr val="accent1">
-              <a:shade val="15000"/>
-            </a:schemeClr>
-          </a:lnRef>
-          <a:fillRef idx="1">
-            <a:schemeClr val="accent1"/>
-          </a:fillRef>
-          <a:effectRef idx="0">
-            <a:schemeClr val="accent1"/>
-          </a:effectRef>
-          <a:fontRef idx="minor">
-            <a:schemeClr val="lt1"/>
-          </a:fontRef>
-        </p:style>
-        <p:txBody>
-          <a:bodyPr rtlCol="0" anchor="t"/>
-          <a:lstStyle/>
-          <a:p>
-            <a:r>
-              <a:rPr lang="en-US" sz="1700" b="1">
-                <a:solidFill>
-                  <a:schemeClr val="tx1"/>
-                </a:solidFill>
-              </a:rPr>
-              <a:t>Team Yellow:</a:t>
-            </a:r>
-          </a:p>
-          <a:p>
-            <a:pPr marL="285750" indent="-285750">
-              <a:buFont typeface="Arial" panose="020B0604020202020204" pitchFamily="34" charset="0"/>
-              <a:buChar char="•"/>
-            </a:pPr>
-            <a:r>
-              <a:rPr lang="en-US" sz="1700" b="1">
-                <a:solidFill>
-                  <a:schemeClr val="tx1"/>
-                </a:solidFill>
-              </a:rPr>
-              <a:t>Ben Edens</a:t>
-            </a:r>
-          </a:p>
-          <a:p>
-            <a:pPr marL="285750" indent="-285750">
-              <a:buFont typeface="Arial" panose="020B0604020202020204" pitchFamily="34" charset="0"/>
-              <a:buChar char="•"/>
-            </a:pPr>
-            <a:r>
-              <a:rPr lang="en-US" sz="1700" b="1">
-                <a:solidFill>
-                  <a:schemeClr val="tx1"/>
-                </a:solidFill>
-              </a:rPr>
-              <a:t>Claire Oliver</a:t>
-            </a:r>
-          </a:p>
-          <a:p>
-            <a:pPr marL="285750" indent="-285750">
-              <a:buFont typeface="Arial" panose="020B0604020202020204" pitchFamily="34" charset="0"/>
-              <a:buChar char="•"/>
-            </a:pPr>
-            <a:r>
-              <a:rPr lang="en-US" sz="1700" b="1">
-                <a:solidFill>
-                  <a:schemeClr val="tx1"/>
-                </a:solidFill>
-              </a:rPr>
-              <a:t>Dennis Shelby</a:t>
-            </a:r>
-          </a:p>
-          <a:p>
-            <a:pPr marL="285750" indent="-285750">
-              <a:buFont typeface="Arial" panose="020B0604020202020204" pitchFamily="34" charset="0"/>
-              <a:buChar char="•"/>
-            </a:pPr>
-            <a:r>
-              <a:rPr lang="en-US" sz="1700" b="1">
-                <a:solidFill>
-                  <a:schemeClr val="tx1"/>
-                </a:solidFill>
-              </a:rPr>
-              <a:t>Janniebeth Melendez</a:t>
-            </a:r>
-          </a:p>
-          <a:p>
-            <a:pPr marL="285750" indent="-285750">
-              <a:buFont typeface="Arial" panose="020B0604020202020204" pitchFamily="34" charset="0"/>
-              <a:buChar char="•"/>
-            </a:pPr>
-            <a:r>
-              <a:rPr lang="en-US" sz="1700" b="1">
-                <a:solidFill>
-                  <a:schemeClr val="tx1"/>
-                </a:solidFill>
-              </a:rPr>
-              <a:t>Ted Bjurlin</a:t>
-            </a:r>
-          </a:p>
-        </p:txBody>
-      </p:sp>
-      <p:pic>
-        <p:nvPicPr>
-          <p:cNvPr id="3" name="Graphic 2" descr="Cursor with solid fill">
-            <a:extLst>
-              <a:ext uri="{FF2B5EF4-FFF2-40B4-BE49-F238E27FC236}">
-                <a16:creationId xmlns:a16="http://schemas.microsoft.com/office/drawing/2014/main" id="{F131B2B8-E661-60F8-8990-6E416EF010CA}"/>
-              </a:ext>
-            </a:extLst>
-          </p:cNvPr>
-          <p:cNvPicPr>
-            <a:picLocks noChangeAspect="1"/>
-          </p:cNvPicPr>
-          <p:nvPr/>
-        </p:nvPicPr>
-        <p:blipFill>
-          <a:blip r:embed="rId7">
-            <a:extLst>
-              <a:ext uri="{96DAC541-7B7A-43D3-8B79-37D633B846F1}">
-                <asvg:svgBlip xmlns:asvg="http://schemas.microsoft.com/office/drawing/2016/SVG/main" r:embed="rId8"/>
-              </a:ext>
-            </a:extLst>
-          </a:blip>
-          <a:stretch>
-            <a:fillRect/>
-          </a:stretch>
-        </p:blipFill>
-        <p:spPr>
-          <a:xfrm>
-            <a:off x="4105227" y="4561573"/>
-            <a:ext cx="491759" cy="491759"/>
-          </a:xfrm>
-          <a:prstGeom prst="rect">
-            <a:avLst/>
-          </a:prstGeom>
-        </p:spPr>
-      </p:pic>
-    </p:spTree>
-    <p:extLst>
-      <p:ext uri="{BB962C8B-B14F-4D97-AF65-F5344CB8AC3E}">
-        <p14:creationId xmlns:p14="http://schemas.microsoft.com/office/powerpoint/2010/main" val="1612611133"/>
-      </p:ext>
-    </p:extLst>
-  </p:cSld>
-  <p:clrMapOvr>
-    <a:masterClrMapping/>
-  </p:clrMapOvr>
-  <mc:AlternateContent xmlns:mc="http://schemas.openxmlformats.org/markup-compatibility/2006">
-    <mc:Choice xmlns:p159="http://schemas.microsoft.com/office/powerpoint/2015/09/main" Requires="p159">
-      <p:transition xmlns:p14="http://schemas.microsoft.com/office/powerpoint/2010/main" spd="slow" p14:dur="2000">
-        <p159:morph option="byObject"/>
-      </p:transition>
-    </mc:Choice>
-    <mc:Fallback>
-      <p:transition spd="slow">
-        <p:fade/>
-      </p:transition>
-    </mc:Fallback>
-  </mc:AlternateContent>
-</p:sld>
-</file>
-
-<file path=ppt/slides/slide20.xml><?xml version="1.0" encoding="utf-8"?>
+<file path=ppt/slides/slide22.xml><?xml version="1.0" encoding="utf-8"?>
 <p:sld xmlns:a="http://schemas.openxmlformats.org/drawingml/2006/main" xmlns:r="http://schemas.openxmlformats.org/officeDocument/2006/relationships" xmlns:p="http://schemas.openxmlformats.org/presentationml/2006/main">
   <p:cSld>
     <p:bg>
@@ -27568,7 +28944,7 @@
 </p:sld>
 </file>
 
-<file path=ppt/slides/slide21.xml><?xml version="1.0" encoding="utf-8"?>
+<file path=ppt/slides/slide23.xml><?xml version="1.0" encoding="utf-8"?>
 <p:sld xmlns:a="http://schemas.openxmlformats.org/drawingml/2006/main" xmlns:r="http://schemas.openxmlformats.org/officeDocument/2006/relationships" xmlns:p="http://schemas.openxmlformats.org/presentationml/2006/main">
   <p:cSld>
     <p:spTree>
@@ -28790,7 +30166,7 @@
         <p:spPr>
           <a:xfrm>
             <a:off x="446078" y="2790109"/>
-            <a:ext cx="6284922" cy="2236894"/>
+            <a:ext cx="6284922" cy="2802819"/>
           </a:xfrm>
           <a:prstGeom prst="rect">
             <a:avLst/>
@@ -28811,9 +30187,10 @@
               <a:buChar char="•"/>
             </a:pPr>
             <a:r>
-              <a:rPr lang="en-US" sz="2400" b="1"/>
-              <a:t>Database – Mongo DB (non-relational)</a:t>
+              <a:rPr lang="en-US" sz="2000" b="1"/>
+              <a:t>Database – MongoDB (MongoDB SSPL)</a:t>
             </a:r>
+            <a:endParaRPr lang="en-US" sz="1600" b="1"/>
           </a:p>
           <a:p>
             <a:pPr marL="342900" indent="-342900">
@@ -28824,8 +30201,50 @@
               <a:buChar char="•"/>
             </a:pPr>
             <a:r>
-              <a:rPr lang="en-US" sz="2400" b="1"/>
-              <a:t>Testing &amp; Automation – Maven, JUnit</a:t>
+              <a:rPr lang="en-US" sz="2000" b="1"/>
+              <a:t>Testing &amp; Automation</a:t>
+            </a:r>
+          </a:p>
+          <a:p>
+            <a:pPr marL="800100" lvl="1" indent="-342900">
+              <a:lnSpc>
+                <a:spcPct val="150000"/>
+              </a:lnSpc>
+              <a:buFont typeface="Arial" panose="020B0604020202020204" pitchFamily="34" charset="0"/>
+              <a:buChar char="•"/>
+            </a:pPr>
+            <a:r>
+              <a:rPr lang="en-US" sz="2000" b="1"/>
+              <a:t>Maven (</a:t>
+            </a:r>
+            <a:r>
+              <a:rPr lang="en-US" b="1"/>
+              <a:t>Apache License 2.0</a:t>
+            </a:r>
+            <a:r>
+              <a:rPr lang="en-US" sz="2000" b="1"/>
+              <a:t>)</a:t>
+            </a:r>
+          </a:p>
+          <a:p>
+            <a:pPr marL="800100" lvl="1" indent="-342900">
+              <a:lnSpc>
+                <a:spcPct val="150000"/>
+              </a:lnSpc>
+              <a:buFont typeface="Arial" panose="020B0604020202020204" pitchFamily="34" charset="0"/>
+              <a:buChar char="•"/>
+            </a:pPr>
+            <a:r>
+              <a:rPr lang="en-US" sz="2000" b="1"/>
+              <a:t>Junit (Eclipse </a:t>
+            </a:r>
+            <a:r>
+              <a:rPr lang="en-US" b="1"/>
+              <a:t>Public License 1.0</a:t>
+            </a:r>
+            <a:r>
+              <a:rPr lang="en-US" sz="2000" b="1"/>
+              <a:t>)</a:t>
             </a:r>
           </a:p>
           <a:p>
@@ -28837,8 +30256,16 @@
               <a:buChar char="•"/>
             </a:pPr>
             <a:r>
-              <a:rPr lang="en-US" sz="2400" b="1"/>
-              <a:t>Web Server – Tomcat</a:t>
+              <a:rPr lang="en-US" sz="2000" b="1"/>
+              <a:t>Web Server – Tomcat (</a:t>
+            </a:r>
+            <a:r>
+              <a:rPr lang="en-US" b="1"/>
+              <a:t>Apache License 2.0</a:t>
+            </a:r>
+            <a:r>
+              <a:rPr lang="en-US" sz="2000" b="1"/>
+              <a:t>)</a:t>
             </a:r>
           </a:p>
           <a:p>
@@ -28850,8 +30277,16 @@
               <a:buChar char="•"/>
             </a:pPr>
             <a:r>
-              <a:rPr lang="en-US" sz="2400" b="1"/>
-              <a:t>Logging – Log4j</a:t>
+              <a:rPr lang="en-US" sz="2000" b="1"/>
+              <a:t>Logging – Log4j (</a:t>
+            </a:r>
+            <a:r>
+              <a:rPr lang="en-US" b="1"/>
+              <a:t>Apache License 2.0</a:t>
+            </a:r>
+            <a:r>
+              <a:rPr lang="en-US" sz="2000" b="1"/>
+              <a:t>)</a:t>
             </a:r>
           </a:p>
         </p:txBody>
@@ -28884,7 +30319,7 @@
         </p:blipFill>
         <p:spPr>
           <a:xfrm>
-            <a:off x="7821683" y="4159150"/>
+            <a:off x="7882706" y="4170428"/>
             <a:ext cx="491759" cy="491759"/>
           </a:xfrm>
           <a:prstGeom prst="rect">
@@ -29049,8 +30484,8 @@
         </p:blipFill>
         <p:spPr bwMode="auto">
           <a:xfrm>
-            <a:off x="7261287" y="2730903"/>
-            <a:ext cx="3000314" cy="1101624"/>
+            <a:off x="7861141" y="2728931"/>
+            <a:ext cx="3660455" cy="1344008"/>
           </a:xfrm>
           <a:prstGeom prst="rect">
             <a:avLst/>
@@ -29096,8 +30531,8 @@
         </p:blipFill>
         <p:spPr>
           <a:xfrm>
-            <a:off x="8313442" y="3779102"/>
-            <a:ext cx="2710841" cy="934156"/>
+            <a:off x="8332330" y="3873732"/>
+            <a:ext cx="2718075" cy="936649"/>
           </a:xfrm>
           <a:prstGeom prst="rect">
             <a:avLst/>
@@ -29133,8 +30568,8 @@
         </p:blipFill>
         <p:spPr bwMode="auto">
           <a:xfrm>
-            <a:off x="5892800" y="4781203"/>
-            <a:ext cx="2420642" cy="739504"/>
+            <a:off x="6010344" y="4810381"/>
+            <a:ext cx="2718076" cy="830370"/>
           </a:xfrm>
           <a:prstGeom prst="rect">
             <a:avLst/>
@@ -29180,8 +30615,8 @@
         </p:blipFill>
         <p:spPr bwMode="auto">
           <a:xfrm>
-            <a:off x="6516347" y="3712785"/>
-            <a:ext cx="1473071" cy="1049591"/>
+            <a:off x="6369561" y="3643357"/>
+            <a:ext cx="1621783" cy="1155551"/>
           </a:xfrm>
           <a:prstGeom prst="rect">
             <a:avLst/>
@@ -29227,8 +30662,8 @@
         </p:blipFill>
         <p:spPr bwMode="auto">
           <a:xfrm>
-            <a:off x="9011113" y="4614089"/>
-            <a:ext cx="2537253" cy="1049590"/>
+            <a:off x="8881417" y="4612521"/>
+            <a:ext cx="2820602" cy="1166804"/>
           </a:xfrm>
           <a:prstGeom prst="rect">
             <a:avLst/>
@@ -29271,6 +30706,400 @@
 </file>
 
 <file path=ppt/slides/slide6.xml><?xml version="1.0" encoding="utf-8"?>
+<p:sld xmlns:a="http://schemas.openxmlformats.org/drawingml/2006/main" xmlns:r="http://schemas.openxmlformats.org/officeDocument/2006/relationships" xmlns:p="http://schemas.openxmlformats.org/presentationml/2006/main">
+  <p:cSld>
+    <p:spTree>
+      <p:nvGrpSpPr>
+        <p:cNvPr id="1" name="">
+          <a:extLst>
+            <a:ext uri="{FF2B5EF4-FFF2-40B4-BE49-F238E27FC236}">
+              <a16:creationId xmlns:a16="http://schemas.microsoft.com/office/drawing/2014/main" id="{DE1A31B9-1FEC-822A-7C9B-ECD8C03F72AD}"/>
+            </a:ext>
+          </a:extLst>
+        </p:cNvPr>
+        <p:cNvGrpSpPr/>
+        <p:nvPr/>
+      </p:nvGrpSpPr>
+      <p:grpSpPr>
+        <a:xfrm>
+          <a:off x="0" y="0"/>
+          <a:ext cx="0" cy="0"/>
+          <a:chOff x="0" y="0"/>
+          <a:chExt cx="0" cy="0"/>
+        </a:xfrm>
+      </p:grpSpPr>
+      <p:sp>
+        <p:nvSpPr>
+          <p:cNvPr id="2" name="Title 1">
+            <a:extLst>
+              <a:ext uri="{FF2B5EF4-FFF2-40B4-BE49-F238E27FC236}">
+                <a16:creationId xmlns:a16="http://schemas.microsoft.com/office/drawing/2014/main" id="{9D08EF2D-66E0-5923-441E-0A160EB2F13F}"/>
+              </a:ext>
+            </a:extLst>
+          </p:cNvPr>
+          <p:cNvSpPr>
+            <a:spLocks noGrp="1"/>
+          </p:cNvSpPr>
+          <p:nvPr>
+            <p:ph type="title"/>
+          </p:nvPr>
+        </p:nvSpPr>
+        <p:spPr/>
+        <p:txBody>
+          <a:bodyPr/>
+          <a:lstStyle/>
+          <a:p>
+            <a:r>
+              <a:rPr lang="en-US"/>
+              <a:t>Technical Design Decisions - </a:t>
+            </a:r>
+            <a:r>
+              <a:rPr lang="en-US" err="1"/>
+              <a:t>Gitflow</a:t>
+            </a:r>
+            <a:endParaRPr lang="en-US"/>
+          </a:p>
+        </p:txBody>
+      </p:sp>
+      <p:sp>
+        <p:nvSpPr>
+          <p:cNvPr id="5" name="TextBox 4">
+            <a:extLst>
+              <a:ext uri="{FF2B5EF4-FFF2-40B4-BE49-F238E27FC236}">
+                <a16:creationId xmlns:a16="http://schemas.microsoft.com/office/drawing/2014/main" id="{BE11F3DB-6ABE-74F4-7EE5-033C92099B3C}"/>
+              </a:ext>
+            </a:extLst>
+          </p:cNvPr>
+          <p:cNvSpPr txBox="1"/>
+          <p:nvPr/>
+        </p:nvSpPr>
+        <p:spPr>
+          <a:xfrm>
+            <a:off x="446078" y="2790109"/>
+            <a:ext cx="5723716" cy="2236894"/>
+          </a:xfrm>
+          <a:prstGeom prst="rect">
+            <a:avLst/>
+          </a:prstGeom>
+          <a:noFill/>
+        </p:spPr>
+        <p:txBody>
+          <a:bodyPr wrap="square" rtlCol="0">
+            <a:spAutoFit/>
+          </a:bodyPr>
+          <a:lstStyle/>
+          <a:p>
+            <a:pPr marL="342900" indent="-342900">
+              <a:lnSpc>
+                <a:spcPct val="150000"/>
+              </a:lnSpc>
+              <a:buFont typeface="Arial" panose="020B0604020202020204" pitchFamily="34" charset="0"/>
+              <a:buChar char="•"/>
+            </a:pPr>
+            <a:r>
+              <a:rPr lang="en-US" sz="2400" b="1"/>
+              <a:t>Feature Branching Workflow</a:t>
+            </a:r>
+          </a:p>
+          <a:p>
+            <a:pPr marL="800100" lvl="1" indent="-342900">
+              <a:lnSpc>
+                <a:spcPct val="150000"/>
+              </a:lnSpc>
+              <a:buFont typeface="Arial" panose="020B0604020202020204" pitchFamily="34" charset="0"/>
+              <a:buChar char="•"/>
+            </a:pPr>
+            <a:r>
+              <a:rPr lang="en-US" sz="2400" b="1"/>
+              <a:t>Main branch for development</a:t>
+            </a:r>
+          </a:p>
+          <a:p>
+            <a:pPr marL="800100" lvl="1" indent="-342900">
+              <a:lnSpc>
+                <a:spcPct val="150000"/>
+              </a:lnSpc>
+              <a:buFont typeface="Arial" panose="020B0604020202020204" pitchFamily="34" charset="0"/>
+              <a:buChar char="•"/>
+            </a:pPr>
+            <a:r>
+              <a:rPr lang="en-US" sz="2400" b="1"/>
+              <a:t>Prototype branch</a:t>
+            </a:r>
+          </a:p>
+          <a:p>
+            <a:pPr marL="800100" lvl="1" indent="-342900">
+              <a:lnSpc>
+                <a:spcPct val="150000"/>
+              </a:lnSpc>
+              <a:buFont typeface="Arial" panose="020B0604020202020204" pitchFamily="34" charset="0"/>
+              <a:buChar char="•"/>
+            </a:pPr>
+            <a:r>
+              <a:rPr lang="en-US" sz="2400" b="1"/>
+              <a:t>Branches for each feature</a:t>
+            </a:r>
+          </a:p>
+        </p:txBody>
+      </p:sp>
+      <p:pic>
+        <p:nvPicPr>
+          <p:cNvPr id="9" name="Graphic 8" descr="Cursor with solid fill">
+            <a:extLst>
+              <a:ext uri="{FF2B5EF4-FFF2-40B4-BE49-F238E27FC236}">
+                <a16:creationId xmlns:a16="http://schemas.microsoft.com/office/drawing/2014/main" id="{F86468FC-C423-5658-2364-E8D90476727E}"/>
+              </a:ext>
+            </a:extLst>
+          </p:cNvPr>
+          <p:cNvPicPr>
+            <a:picLocks noChangeAspect="1"/>
+          </p:cNvPicPr>
+          <p:nvPr/>
+        </p:nvPicPr>
+        <p:blipFill>
+          <a:blip r:embed="rId3">
+            <a:extLst>
+              <a:ext uri="{96DAC541-7B7A-43D3-8B79-37D633B846F1}">
+                <asvg:svgBlip xmlns:asvg="http://schemas.microsoft.com/office/drawing/2016/SVG/main" r:embed="rId4"/>
+              </a:ext>
+            </a:extLst>
+          </a:blip>
+          <a:stretch>
+            <a:fillRect/>
+          </a:stretch>
+        </p:blipFill>
+        <p:spPr>
+          <a:xfrm>
+            <a:off x="7782772" y="1420762"/>
+            <a:ext cx="491759" cy="491759"/>
+          </a:xfrm>
+          <a:prstGeom prst="rect">
+            <a:avLst/>
+          </a:prstGeom>
+        </p:spPr>
+      </p:pic>
+      <p:grpSp>
+        <p:nvGrpSpPr>
+          <p:cNvPr id="3" name="Group 2">
+            <a:extLst>
+              <a:ext uri="{FF2B5EF4-FFF2-40B4-BE49-F238E27FC236}">
+                <a16:creationId xmlns:a16="http://schemas.microsoft.com/office/drawing/2014/main" id="{184D8295-A57D-BB77-59F4-4E80C0BB2C11}"/>
+              </a:ext>
+            </a:extLst>
+          </p:cNvPr>
+          <p:cNvGrpSpPr/>
+          <p:nvPr/>
+        </p:nvGrpSpPr>
+        <p:grpSpPr>
+          <a:xfrm>
+            <a:off x="9979363" y="6377811"/>
+            <a:ext cx="2171585" cy="408858"/>
+            <a:chOff x="9979363" y="6377811"/>
+            <a:chExt cx="2171585" cy="408858"/>
+          </a:xfrm>
+        </p:grpSpPr>
+        <p:sp>
+          <p:nvSpPr>
+            <p:cNvPr id="10" name="TextBox 9">
+              <a:extLst>
+                <a:ext uri="{FF2B5EF4-FFF2-40B4-BE49-F238E27FC236}">
+                  <a16:creationId xmlns:a16="http://schemas.microsoft.com/office/drawing/2014/main" id="{D7CCECBA-9403-EDFE-911E-5976F89D0D26}"/>
+                </a:ext>
+              </a:extLst>
+            </p:cNvPr>
+            <p:cNvSpPr txBox="1"/>
+            <p:nvPr/>
+          </p:nvSpPr>
+          <p:spPr>
+            <a:xfrm>
+              <a:off x="10689167" y="6377811"/>
+              <a:ext cx="1461781" cy="307777"/>
+            </a:xfrm>
+            <a:prstGeom prst="rect">
+              <a:avLst/>
+            </a:prstGeom>
+            <a:noFill/>
+          </p:spPr>
+          <p:txBody>
+            <a:bodyPr wrap="square" rtlCol="0">
+              <a:spAutoFit/>
+            </a:bodyPr>
+            <a:lstStyle/>
+            <a:p>
+              <a:r>
+                <a:rPr lang="en-US" sz="1400" b="1"/>
+                <a:t>10/24/25</a:t>
+              </a:r>
+            </a:p>
+          </p:txBody>
+        </p:sp>
+        <p:pic>
+          <p:nvPicPr>
+            <p:cNvPr id="12" name="Graphic 11" descr="Flip calendar with solid fill">
+              <a:extLst>
+                <a:ext uri="{FF2B5EF4-FFF2-40B4-BE49-F238E27FC236}">
+                  <a16:creationId xmlns:a16="http://schemas.microsoft.com/office/drawing/2014/main" id="{A87D784A-9F9C-0732-5EAF-8B62E3E964D7}"/>
+                </a:ext>
+              </a:extLst>
+            </p:cNvPr>
+            <p:cNvPicPr>
+              <a:picLocks noChangeAspect="1"/>
+            </p:cNvPicPr>
+            <p:nvPr/>
+          </p:nvPicPr>
+          <p:blipFill>
+            <a:blip r:embed="rId5">
+              <a:extLst>
+                <a:ext uri="{96DAC541-7B7A-43D3-8B79-37D633B846F1}">
+                  <asvg:svgBlip xmlns:asvg="http://schemas.microsoft.com/office/drawing/2016/SVG/main" r:embed="rId6"/>
+                </a:ext>
+              </a:extLst>
+            </a:blip>
+            <a:stretch>
+              <a:fillRect/>
+            </a:stretch>
+          </p:blipFill>
+          <p:spPr>
+            <a:xfrm>
+              <a:off x="10424763" y="6399498"/>
+              <a:ext cx="264404" cy="264404"/>
+            </a:xfrm>
+            <a:prstGeom prst="rect">
+              <a:avLst/>
+            </a:prstGeom>
+          </p:spPr>
+        </p:pic>
+        <p:pic>
+          <p:nvPicPr>
+            <p:cNvPr id="14" name="Graphic 13" descr="The sun peeking from behind a cloud">
+              <a:extLst>
+                <a:ext uri="{FF2B5EF4-FFF2-40B4-BE49-F238E27FC236}">
+                  <a16:creationId xmlns:a16="http://schemas.microsoft.com/office/drawing/2014/main" id="{F2956015-F716-6930-82A6-030A5FEE7FB2}"/>
+                </a:ext>
+              </a:extLst>
+            </p:cNvPr>
+            <p:cNvPicPr>
+              <a:picLocks noChangeAspect="1"/>
+            </p:cNvPicPr>
+            <p:nvPr/>
+          </p:nvPicPr>
+          <p:blipFill>
+            <a:blip r:embed="rId7">
+              <a:extLst>
+                <a:ext uri="{96DAC541-7B7A-43D3-8B79-37D633B846F1}">
+                  <asvg:svgBlip xmlns:asvg="http://schemas.microsoft.com/office/drawing/2016/SVG/main" r:embed="rId8"/>
+                </a:ext>
+              </a:extLst>
+            </a:blip>
+            <a:stretch>
+              <a:fillRect/>
+            </a:stretch>
+          </p:blipFill>
+          <p:spPr>
+            <a:xfrm>
+              <a:off x="9979363" y="6399498"/>
+              <a:ext cx="387171" cy="387171"/>
+            </a:xfrm>
+            <a:prstGeom prst="rect">
+              <a:avLst/>
+            </a:prstGeom>
+          </p:spPr>
+        </p:pic>
+      </p:grpSp>
+      <p:sp>
+        <p:nvSpPr>
+          <p:cNvPr id="8" name="TextBox 7">
+            <a:extLst>
+              <a:ext uri="{FF2B5EF4-FFF2-40B4-BE49-F238E27FC236}">
+                <a16:creationId xmlns:a16="http://schemas.microsoft.com/office/drawing/2014/main" id="{5FFB546B-FAB3-5587-DEB6-2C2FFFE41D8A}"/>
+              </a:ext>
+            </a:extLst>
+          </p:cNvPr>
+          <p:cNvSpPr txBox="1"/>
+          <p:nvPr/>
+        </p:nvSpPr>
+        <p:spPr>
+          <a:xfrm>
+            <a:off x="6169794" y="2708586"/>
+            <a:ext cx="5723716" cy="2236894"/>
+          </a:xfrm>
+          <a:prstGeom prst="rect">
+            <a:avLst/>
+          </a:prstGeom>
+          <a:noFill/>
+        </p:spPr>
+        <p:txBody>
+          <a:bodyPr wrap="square" rtlCol="0">
+            <a:spAutoFit/>
+          </a:bodyPr>
+          <a:lstStyle/>
+          <a:p>
+            <a:pPr marL="342900" indent="-342900">
+              <a:lnSpc>
+                <a:spcPct val="150000"/>
+              </a:lnSpc>
+              <a:buFont typeface="Arial" panose="020B0604020202020204" pitchFamily="34" charset="0"/>
+              <a:buChar char="•"/>
+            </a:pPr>
+            <a:r>
+              <a:rPr lang="en-US" sz="2400" b="1"/>
+              <a:t>GitHub security</a:t>
+            </a:r>
+          </a:p>
+          <a:p>
+            <a:pPr marL="800100" lvl="1" indent="-342900">
+              <a:lnSpc>
+                <a:spcPct val="150000"/>
+              </a:lnSpc>
+              <a:buFont typeface="Arial" panose="020B0604020202020204" pitchFamily="34" charset="0"/>
+              <a:buChar char="•"/>
+            </a:pPr>
+            <a:r>
+              <a:rPr lang="en-US" sz="2400" b="1"/>
+              <a:t>Locked main branch</a:t>
+            </a:r>
+          </a:p>
+          <a:p>
+            <a:pPr marL="800100" lvl="1" indent="-342900">
+              <a:lnSpc>
+                <a:spcPct val="150000"/>
+              </a:lnSpc>
+              <a:buFont typeface="Arial" panose="020B0604020202020204" pitchFamily="34" charset="0"/>
+              <a:buChar char="•"/>
+            </a:pPr>
+            <a:r>
+              <a:rPr lang="en-US" sz="2400" b="1"/>
+              <a:t>All pull requests require approval</a:t>
+            </a:r>
+          </a:p>
+        </p:txBody>
+      </p:sp>
+    </p:spTree>
+    <p:extLst>
+      <p:ext uri="{BB962C8B-B14F-4D97-AF65-F5344CB8AC3E}">
+        <p14:creationId xmlns:p14="http://schemas.microsoft.com/office/powerpoint/2010/main" val="2711256727"/>
+      </p:ext>
+    </p:extLst>
+  </p:cSld>
+  <p:clrMapOvr>
+    <a:masterClrMapping/>
+  </p:clrMapOvr>
+  <mc:AlternateContent xmlns:mc="http://schemas.openxmlformats.org/markup-compatibility/2006">
+    <mc:Choice xmlns:p159="http://schemas.microsoft.com/office/powerpoint/2015/09/main" Requires="p159">
+      <p:transition xmlns:p14="http://schemas.microsoft.com/office/powerpoint/2010/main" spd="slow" p14:dur="2000">
+        <p159:morph option="byObject"/>
+      </p:transition>
+    </mc:Choice>
+    <mc:Fallback>
+      <p:transition spd="slow">
+        <p:fade/>
+      </p:transition>
+    </mc:Fallback>
+  </mc:AlternateContent>
+</p:sld>
+</file>
+
+<file path=ppt/slides/slide7.xml><?xml version="1.0" encoding="utf-8"?>
 <p:sld xmlns:a="http://schemas.openxmlformats.org/drawingml/2006/main" xmlns:r="http://schemas.openxmlformats.org/officeDocument/2006/relationships" xmlns:p="http://schemas.openxmlformats.org/presentationml/2006/main">
   <p:cSld>
     <p:spTree>
@@ -29828,7 +31657,7 @@
 </p:sld>
 </file>
 
-<file path=ppt/slides/slide7.xml><?xml version="1.0" encoding="utf-8"?>
+<file path=ppt/slides/slide8.xml><?xml version="1.0" encoding="utf-8"?>
 <p:sld xmlns:a="http://schemas.openxmlformats.org/drawingml/2006/main" xmlns:r="http://schemas.openxmlformats.org/officeDocument/2006/relationships" xmlns:p="http://schemas.openxmlformats.org/presentationml/2006/main">
   <p:cSld>
     <p:spTree>
@@ -30161,12 +31990,18 @@
 </p:sld>
 </file>
 
-<file path=ppt/slides/slide8.xml><?xml version="1.0" encoding="utf-8"?>
+<file path=ppt/slides/slide9.xml><?xml version="1.0" encoding="utf-8"?>
 <p:sld xmlns:a="http://schemas.openxmlformats.org/drawingml/2006/main" xmlns:r="http://schemas.openxmlformats.org/officeDocument/2006/relationships" xmlns:p="http://schemas.openxmlformats.org/presentationml/2006/main">
   <p:cSld>
     <p:spTree>
       <p:nvGrpSpPr>
-        <p:cNvPr id="1" name=""/>
+        <p:cNvPr id="1" name="">
+          <a:extLst>
+            <a:ext uri="{FF2B5EF4-FFF2-40B4-BE49-F238E27FC236}">
+              <a16:creationId xmlns:a16="http://schemas.microsoft.com/office/drawing/2014/main" id="{DB503CD3-5781-8B57-E85A-FE6894347357}"/>
+            </a:ext>
+          </a:extLst>
+        </p:cNvPr>
         <p:cNvGrpSpPr/>
         <p:nvPr/>
       </p:nvGrpSpPr>
@@ -30183,7 +32018,7 @@
           <p:cNvPr id="2" name="Title 1">
             <a:extLst>
               <a:ext uri="{FF2B5EF4-FFF2-40B4-BE49-F238E27FC236}">
-                <a16:creationId xmlns:a16="http://schemas.microsoft.com/office/drawing/2014/main" id="{9AC122B9-0A28-3240-AD4C-1D20101697A9}"/>
+                <a16:creationId xmlns:a16="http://schemas.microsoft.com/office/drawing/2014/main" id="{03AF6988-786F-5B65-2813-7BE3C3BE3D90}"/>
               </a:ext>
             </a:extLst>
           </p:cNvPr>
@@ -30196,8 +32031,8 @@
         </p:nvSpPr>
         <p:spPr>
           <a:xfrm>
-            <a:off x="699102" y="513728"/>
-            <a:ext cx="5114557" cy="1162882"/>
+            <a:off x="3958318" y="208772"/>
+            <a:ext cx="4275364" cy="1979634"/>
           </a:xfrm>
         </p:spPr>
         <p:txBody>
@@ -30205,18 +32040,18 @@
           <a:lstStyle/>
           <a:p>
             <a:r>
-              <a:rPr lang="en-US" sz="2800"/>
-              <a:t>High Level Data Flow Diagram (DFD)</a:t>
+              <a:rPr lang="en-US" sz="3600"/>
+              <a:t>Code Organization</a:t>
             </a:r>
           </a:p>
         </p:txBody>
       </p:sp>
       <p:pic>
         <p:nvPicPr>
-          <p:cNvPr id="7" name="Picture 6" descr="A diagram of a server&#10;&#10;AI-generated content may be incorrect.">
-            <a:extLst>
-              <a:ext uri="{FF2B5EF4-FFF2-40B4-BE49-F238E27FC236}">
-                <a16:creationId xmlns:a16="http://schemas.microsoft.com/office/drawing/2014/main" id="{42DB5CA9-00B6-CFF4-B7C8-C0691B738ECA}"/>
+          <p:cNvPr id="4" name="Graphic 3" descr="Cursor with solid fill">
+            <a:extLst>
+              <a:ext uri="{FF2B5EF4-FFF2-40B4-BE49-F238E27FC236}">
+                <a16:creationId xmlns:a16="http://schemas.microsoft.com/office/drawing/2014/main" id="{BD515EE2-C04B-39B4-8A91-E0A88684CDD5}"/>
               </a:ext>
             </a:extLst>
           </p:cNvPr>
@@ -30228,8 +32063,8 @@
         <p:blipFill>
           <a:blip r:embed="rId3">
             <a:extLst>
-              <a:ext uri="{28A0092B-C50C-407E-A947-70E740481C1C}">
-                <a14:useLocalDpi xmlns:a14="http://schemas.microsoft.com/office/drawing/2010/main" val="0"/>
+              <a:ext uri="{96DAC541-7B7A-43D3-8B79-37D633B846F1}">
+                <asvg:svgBlip xmlns:asvg="http://schemas.microsoft.com/office/drawing/2016/SVG/main" r:embed="rId4"/>
               </a:ext>
             </a:extLst>
           </a:blip>
@@ -30239,224 +32074,7 @@
         </p:blipFill>
         <p:spPr>
           <a:xfrm>
-            <a:off x="4331368" y="301536"/>
-            <a:ext cx="7353701" cy="5623419"/>
-          </a:xfrm>
-          <a:prstGeom prst="rect">
-            <a:avLst/>
-          </a:prstGeom>
-        </p:spPr>
-      </p:pic>
-      <p:sp>
-        <p:nvSpPr>
-          <p:cNvPr id="11" name="Rectangle: Folded Corner 10">
-            <a:extLst>
-              <a:ext uri="{FF2B5EF4-FFF2-40B4-BE49-F238E27FC236}">
-                <a16:creationId xmlns:a16="http://schemas.microsoft.com/office/drawing/2014/main" id="{7F2510A0-240E-2938-6711-1993EDFDE77A}"/>
-              </a:ext>
-            </a:extLst>
-          </p:cNvPr>
-          <p:cNvSpPr/>
-          <p:nvPr/>
-        </p:nvSpPr>
-        <p:spPr>
-          <a:xfrm>
-            <a:off x="987860" y="1676610"/>
-            <a:ext cx="3189504" cy="3286252"/>
-          </a:xfrm>
-          <a:prstGeom prst="foldedCorner">
-            <a:avLst>
-              <a:gd name="adj" fmla="val 21172"/>
-            </a:avLst>
-          </a:prstGeom>
-          <a:solidFill>
-            <a:srgbClr val="FFFF99"/>
-          </a:solidFill>
-          <a:ln w="19050">
-            <a:solidFill>
-              <a:srgbClr val="CDCD7B"/>
-            </a:solidFill>
-          </a:ln>
-        </p:spPr>
-        <p:style>
-          <a:lnRef idx="2">
-            <a:schemeClr val="accent1">
-              <a:shade val="15000"/>
-            </a:schemeClr>
-          </a:lnRef>
-          <a:fillRef idx="1">
-            <a:schemeClr val="accent1"/>
-          </a:fillRef>
-          <a:effectRef idx="0">
-            <a:schemeClr val="accent1"/>
-          </a:effectRef>
-          <a:fontRef idx="minor">
-            <a:schemeClr val="lt1"/>
-          </a:fontRef>
-        </p:style>
-        <p:txBody>
-          <a:bodyPr lIns="91440" tIns="45720" rIns="91440" bIns="45720" rtlCol="0" anchor="t"/>
-          <a:lstStyle/>
-          <a:p>
-            <a:r>
-              <a:rPr lang="en-US" sz="2400" b="1" u="sng">
-                <a:solidFill>
-                  <a:schemeClr val="tx1"/>
-                </a:solidFill>
-              </a:rPr>
-              <a:t>Packages:</a:t>
-            </a:r>
-          </a:p>
-          <a:p>
-            <a:pPr marL="285750" indent="-285750">
-              <a:buFont typeface="Arial" panose="020B0604020202020204" pitchFamily="34" charset="0"/>
-              <a:buChar char="•"/>
-            </a:pPr>
-            <a:r>
-              <a:rPr lang="en-US" b="1">
-                <a:solidFill>
-                  <a:schemeClr val="tx1"/>
-                </a:solidFill>
-              </a:rPr>
-              <a:t>API Endpoint</a:t>
-            </a:r>
-          </a:p>
-          <a:p>
-            <a:pPr marL="285750" indent="-285750">
-              <a:buFont typeface="Arial" panose="020B0604020202020204" pitchFamily="34" charset="0"/>
-              <a:buChar char="•"/>
-            </a:pPr>
-            <a:r>
-              <a:rPr lang="en-US" b="1">
-                <a:solidFill>
-                  <a:schemeClr val="tx1"/>
-                </a:solidFill>
-              </a:rPr>
-              <a:t>Business Logic</a:t>
-            </a:r>
-          </a:p>
-          <a:p>
-            <a:pPr marL="285750" indent="-285750">
-              <a:buFont typeface="Arial" panose="020B0604020202020204" pitchFamily="34" charset="0"/>
-              <a:buChar char="•"/>
-            </a:pPr>
-            <a:r>
-              <a:rPr lang="en-US" b="1">
-                <a:solidFill>
-                  <a:schemeClr val="tx1"/>
-                </a:solidFill>
-              </a:rPr>
-              <a:t>Auth Server Interface</a:t>
-            </a:r>
-          </a:p>
-          <a:p>
-            <a:pPr marL="285750" indent="-285750">
-              <a:buFont typeface="Arial" panose="020B0604020202020204" pitchFamily="34" charset="0"/>
-              <a:buChar char="•"/>
-            </a:pPr>
-            <a:r>
-              <a:rPr lang="en-US" b="1">
-                <a:solidFill>
-                  <a:schemeClr val="tx1"/>
-                </a:solidFill>
-              </a:rPr>
-              <a:t>Database Interface</a:t>
-            </a:r>
-          </a:p>
-          <a:p>
-            <a:pPr marL="285750" indent="-285750">
-              <a:buFont typeface="Arial" panose="020B0604020202020204" pitchFamily="34" charset="0"/>
-              <a:buChar char="•"/>
-            </a:pPr>
-            <a:r>
-              <a:rPr lang="en-US" b="1">
-                <a:solidFill>
-                  <a:schemeClr val="tx1"/>
-                </a:solidFill>
-              </a:rPr>
-              <a:t>Logging</a:t>
-            </a:r>
-          </a:p>
-          <a:p>
-            <a:pPr marL="285750" indent="-285750">
-              <a:buFont typeface="Arial" panose="020B0604020202020204" pitchFamily="34" charset="0"/>
-              <a:buChar char="•"/>
-            </a:pPr>
-            <a:r>
-              <a:rPr lang="en-US" b="1">
-                <a:solidFill>
-                  <a:schemeClr val="tx1"/>
-                </a:solidFill>
-              </a:rPr>
-              <a:t>Security</a:t>
-            </a:r>
-          </a:p>
-          <a:p>
-            <a:pPr marL="285750" indent="-285750">
-              <a:buFont typeface="Arial" panose="020B0604020202020204" pitchFamily="34" charset="0"/>
-              <a:buChar char="•"/>
-            </a:pPr>
-            <a:r>
-              <a:rPr lang="en-US" b="1">
-                <a:solidFill>
-                  <a:schemeClr val="tx1"/>
-                </a:solidFill>
-              </a:rPr>
-              <a:t>Config Management</a:t>
-            </a:r>
-          </a:p>
-          <a:p>
-            <a:pPr marL="285750" indent="-285750">
-              <a:buFont typeface="Arial" panose="020B0604020202020204" pitchFamily="34" charset="0"/>
-              <a:buChar char="•"/>
-            </a:pPr>
-            <a:endParaRPr lang="en-US" sz="1400" b="1">
-              <a:solidFill>
-                <a:schemeClr val="tx1"/>
-              </a:solidFill>
-            </a:endParaRPr>
-          </a:p>
-          <a:p>
-            <a:r>
-              <a:rPr lang="en-US" sz="2400" b="1">
-                <a:solidFill>
-                  <a:schemeClr val="tx1"/>
-                </a:solidFill>
-              </a:rPr>
-              <a:t>Successful Prototypes</a:t>
-            </a:r>
-          </a:p>
-        </p:txBody>
-      </p:sp>
-      <p:pic>
-        <p:nvPicPr>
-          <p:cNvPr id="4" name="Graphic 3" descr="Cursor with solid fill">
-            <a:extLst>
-              <a:ext uri="{FF2B5EF4-FFF2-40B4-BE49-F238E27FC236}">
-                <a16:creationId xmlns:a16="http://schemas.microsoft.com/office/drawing/2014/main" id="{4AA0B2C1-CAF8-86A8-88D5-11977A4D7073}"/>
-              </a:ext>
-            </a:extLst>
-          </p:cNvPr>
-          <p:cNvPicPr>
-            <a:picLocks noChangeAspect="1"/>
-          </p:cNvPicPr>
-          <p:nvPr/>
-        </p:nvPicPr>
-        <p:blipFill>
-          <a:blip r:embed="rId4">
-            <a:extLst>
-              <a:ext uri="{96DAC541-7B7A-43D3-8B79-37D633B846F1}">
-                <asvg:svgBlip xmlns:asvg="http://schemas.microsoft.com/office/drawing/2016/SVG/main" r:embed="rId5"/>
-              </a:ext>
-            </a:extLst>
-          </a:blip>
-          <a:stretch>
-            <a:fillRect/>
-          </a:stretch>
-        </p:blipFill>
-        <p:spPr>
-          <a:xfrm>
-            <a:off x="9758606" y="3454610"/>
+            <a:off x="7522850" y="1628971"/>
             <a:ext cx="491759" cy="491759"/>
           </a:xfrm>
           <a:prstGeom prst="rect">
@@ -30469,7 +32087,7 @@
           <p:cNvPr id="3" name="Group 2">
             <a:extLst>
               <a:ext uri="{FF2B5EF4-FFF2-40B4-BE49-F238E27FC236}">
-                <a16:creationId xmlns:a16="http://schemas.microsoft.com/office/drawing/2014/main" id="{569179EF-8000-C73B-7073-5E8F26F28781}"/>
+                <a16:creationId xmlns:a16="http://schemas.microsoft.com/office/drawing/2014/main" id="{7DBF313D-BA0D-49A4-E14A-887CB58E5A36}"/>
               </a:ext>
             </a:extLst>
           </p:cNvPr>
@@ -30489,7 +32107,7 @@
             <p:cNvPr id="5" name="TextBox 4">
               <a:extLst>
                 <a:ext uri="{FF2B5EF4-FFF2-40B4-BE49-F238E27FC236}">
-                  <a16:creationId xmlns:a16="http://schemas.microsoft.com/office/drawing/2014/main" id="{9DB8C2EC-E83F-62D4-D4B2-4694597CB0C2}"/>
+                  <a16:creationId xmlns:a16="http://schemas.microsoft.com/office/drawing/2014/main" id="{EDB345A9-7BE3-52D1-949A-0E4200A6C939}"/>
                 </a:ext>
               </a:extLst>
             </p:cNvPr>
@@ -30524,7 +32142,7 @@
             <p:cNvPr id="6" name="Graphic 5" descr="Flip calendar with solid fill">
               <a:extLst>
                 <a:ext uri="{FF2B5EF4-FFF2-40B4-BE49-F238E27FC236}">
-                  <a16:creationId xmlns:a16="http://schemas.microsoft.com/office/drawing/2014/main" id="{E991F26F-BE82-706B-78DE-BD347DA7261D}"/>
+                  <a16:creationId xmlns:a16="http://schemas.microsoft.com/office/drawing/2014/main" id="{4A1D5D56-344D-D5B4-BCD6-C133C778A06E}"/>
                 </a:ext>
               </a:extLst>
             </p:cNvPr>
@@ -30534,10 +32152,10 @@
             <p:nvPr/>
           </p:nvPicPr>
           <p:blipFill>
-            <a:blip r:embed="rId6">
+            <a:blip r:embed="rId5">
               <a:extLst>
                 <a:ext uri="{96DAC541-7B7A-43D3-8B79-37D633B846F1}">
-                  <asvg:svgBlip xmlns:asvg="http://schemas.microsoft.com/office/drawing/2016/SVG/main" r:embed="rId7"/>
+                  <asvg:svgBlip xmlns:asvg="http://schemas.microsoft.com/office/drawing/2016/SVG/main" r:embed="rId6"/>
                 </a:ext>
               </a:extLst>
             </a:blip>
@@ -30560,7 +32178,7 @@
             <p:cNvPr id="8" name="Graphic 7" descr="The sun peeking from behind a cloud">
               <a:extLst>
                 <a:ext uri="{FF2B5EF4-FFF2-40B4-BE49-F238E27FC236}">
-                  <a16:creationId xmlns:a16="http://schemas.microsoft.com/office/drawing/2014/main" id="{1B04333C-AABE-3EB4-E629-487E501A7DFA}"/>
+                  <a16:creationId xmlns:a16="http://schemas.microsoft.com/office/drawing/2014/main" id="{8D710273-CF2A-3775-CA39-06AC1D86C760}"/>
                 </a:ext>
               </a:extLst>
             </p:cNvPr>
@@ -30570,10 +32188,10 @@
             <p:nvPr/>
           </p:nvPicPr>
           <p:blipFill>
-            <a:blip r:embed="rId8">
+            <a:blip r:embed="rId7">
               <a:extLst>
                 <a:ext uri="{96DAC541-7B7A-43D3-8B79-37D633B846F1}">
-                  <asvg:svgBlip xmlns:asvg="http://schemas.microsoft.com/office/drawing/2016/SVG/main" r:embed="rId9"/>
+                  <asvg:svgBlip xmlns:asvg="http://schemas.microsoft.com/office/drawing/2016/SVG/main" r:embed="rId8"/>
                 </a:ext>
               </a:extLst>
             </a:blip>
@@ -30592,270 +32210,12 @@
           </p:spPr>
         </p:pic>
       </p:grpSp>
-    </p:spTree>
-    <p:extLst>
-      <p:ext uri="{BB962C8B-B14F-4D97-AF65-F5344CB8AC3E}">
-        <p14:creationId xmlns:p14="http://schemas.microsoft.com/office/powerpoint/2010/main" val="3504638596"/>
-      </p:ext>
-    </p:extLst>
-  </p:cSld>
-  <p:clrMapOvr>
-    <a:masterClrMapping/>
-  </p:clrMapOvr>
-  <mc:AlternateContent xmlns:mc="http://schemas.openxmlformats.org/markup-compatibility/2006">
-    <mc:Choice xmlns:p159="http://schemas.microsoft.com/office/powerpoint/2015/09/main" Requires="p159">
-      <p:transition xmlns:p14="http://schemas.microsoft.com/office/powerpoint/2010/main" spd="slow" p14:dur="2000">
-        <p159:morph option="byObject"/>
-      </p:transition>
-    </mc:Choice>
-    <mc:Fallback>
-      <p:transition spd="slow">
-        <p:fade/>
-      </p:transition>
-    </mc:Fallback>
-  </mc:AlternateContent>
-</p:sld>
-</file>
-
-<file path=ppt/slides/slide9.xml><?xml version="1.0" encoding="utf-8"?>
-<p:sld xmlns:a="http://schemas.openxmlformats.org/drawingml/2006/main" xmlns:r="http://schemas.openxmlformats.org/officeDocument/2006/relationships" xmlns:p="http://schemas.openxmlformats.org/presentationml/2006/main">
-  <p:cSld>
-    <p:bg>
-      <p:bgPr>
-        <a:blipFill dpi="0" rotWithShape="1">
-          <a:blip r:embed="rId3" cstate="hqprint">
-            <a:lum/>
-            <a:extLst>
-              <a:ext uri="{BEBA8EAE-BF5A-486C-A8C5-ECC9F3942E4B}">
-                <a14:imgProps xmlns:a14="http://schemas.microsoft.com/office/drawing/2010/main">
-                  <a14:imgLayer r:embed="rId4">
-                    <a14:imgEffect>
-                      <a14:sharpenSoften amount="6000"/>
-                    </a14:imgEffect>
-                  </a14:imgLayer>
-                </a14:imgProps>
-              </a:ext>
-              <a:ext uri="{28A0092B-C50C-407E-A947-70E740481C1C}">
-                <a14:useLocalDpi xmlns:a14="http://schemas.microsoft.com/office/drawing/2010/main"/>
-              </a:ext>
-            </a:extLst>
-          </a:blip>
-          <a:srcRect/>
-          <a:stretch>
-            <a:fillRect/>
-          </a:stretch>
-        </a:blipFill>
-        <a:effectLst/>
-      </p:bgPr>
-    </p:bg>
-    <p:spTree>
-      <p:nvGrpSpPr>
-        <p:cNvPr id="1" name=""/>
-        <p:cNvGrpSpPr/>
-        <p:nvPr/>
-      </p:nvGrpSpPr>
-      <p:grpSpPr>
-        <a:xfrm>
-          <a:off x="0" y="0"/>
-          <a:ext cx="0" cy="0"/>
-          <a:chOff x="0" y="0"/>
-          <a:chExt cx="0" cy="0"/>
-        </a:xfrm>
-      </p:grpSpPr>
-      <p:pic>
-        <p:nvPicPr>
-          <p:cNvPr id="10" name="Picture 9">
-            <a:extLst>
-              <a:ext uri="{FF2B5EF4-FFF2-40B4-BE49-F238E27FC236}">
-                <a16:creationId xmlns:a16="http://schemas.microsoft.com/office/drawing/2014/main" id="{2F74339A-ADD1-AF9D-26CA-8EC2F9471318}"/>
-              </a:ext>
-            </a:extLst>
-          </p:cNvPr>
-          <p:cNvPicPr>
-            <a:picLocks noChangeAspect="1"/>
-          </p:cNvPicPr>
-          <p:nvPr/>
-        </p:nvPicPr>
-        <p:blipFill>
-          <a:blip r:embed="rId5">
-            <a:extLst>
-              <a:ext uri="{28A0092B-C50C-407E-A947-70E740481C1C}">
-                <a14:useLocalDpi xmlns:a14="http://schemas.microsoft.com/office/drawing/2010/main" val="0"/>
-              </a:ext>
-            </a:extLst>
-          </a:blip>
-          <a:srcRect l="2084" t="10067" r="2467" b="3926"/>
-          <a:stretch>
-            <a:fillRect/>
-          </a:stretch>
-        </p:blipFill>
-        <p:spPr>
-          <a:xfrm>
-            <a:off x="679704" y="930123"/>
-            <a:ext cx="8567929" cy="4653184"/>
-          </a:xfrm>
-          <a:prstGeom prst="rect">
-            <a:avLst/>
-          </a:prstGeom>
-        </p:spPr>
-      </p:pic>
-      <p:sp>
-        <p:nvSpPr>
-          <p:cNvPr id="11" name="Rectangle: Folded Corner 10">
-            <a:extLst>
-              <a:ext uri="{FF2B5EF4-FFF2-40B4-BE49-F238E27FC236}">
-                <a16:creationId xmlns:a16="http://schemas.microsoft.com/office/drawing/2014/main" id="{53A85A3C-DA7A-8DAD-EE95-D1B0BB07A63A}"/>
-              </a:ext>
-            </a:extLst>
-          </p:cNvPr>
-          <p:cNvSpPr/>
-          <p:nvPr/>
-        </p:nvSpPr>
-        <p:spPr>
-          <a:xfrm>
-            <a:off x="9482545" y="714683"/>
-            <a:ext cx="2219720" cy="2449757"/>
-          </a:xfrm>
-          <a:prstGeom prst="foldedCorner">
-            <a:avLst>
-              <a:gd name="adj" fmla="val 21172"/>
-            </a:avLst>
-          </a:prstGeom>
-          <a:solidFill>
-            <a:srgbClr val="FFFF99"/>
-          </a:solidFill>
-          <a:ln w="19050">
-            <a:solidFill>
-              <a:srgbClr val="CDCD7B"/>
-            </a:solidFill>
-          </a:ln>
-        </p:spPr>
-        <p:style>
-          <a:lnRef idx="2">
-            <a:schemeClr val="accent1">
-              <a:shade val="15000"/>
-            </a:schemeClr>
-          </a:lnRef>
-          <a:fillRef idx="1">
-            <a:schemeClr val="accent1"/>
-          </a:fillRef>
-          <a:effectRef idx="0">
-            <a:schemeClr val="accent1"/>
-          </a:effectRef>
-          <a:fontRef idx="minor">
-            <a:schemeClr val="lt1"/>
-          </a:fontRef>
-        </p:style>
-        <p:txBody>
-          <a:bodyPr lIns="91440" tIns="45720" rIns="91440" bIns="45720" rtlCol="0" anchor="t"/>
-          <a:lstStyle/>
-          <a:p>
-            <a:r>
-              <a:rPr lang="en-US" sz="1600" b="1" u="sng">
-                <a:solidFill>
-                  <a:schemeClr val="tx1"/>
-                </a:solidFill>
-              </a:rPr>
-              <a:t>Use Cases:</a:t>
-            </a:r>
-          </a:p>
-          <a:p>
-            <a:pPr marL="285750" indent="-285750">
-              <a:buFont typeface="Arial" panose="020B0604020202020204" pitchFamily="34" charset="0"/>
-              <a:buChar char="•"/>
-            </a:pPr>
-            <a:r>
-              <a:rPr lang="en-US" sz="1400" b="1">
-                <a:solidFill>
-                  <a:schemeClr val="tx1"/>
-                </a:solidFill>
-              </a:rPr>
-              <a:t>Adding a new resource record</a:t>
-            </a:r>
-          </a:p>
-          <a:p>
-            <a:pPr marL="285750" indent="-285750">
-              <a:buFont typeface="Arial" panose="020B0604020202020204" pitchFamily="34" charset="0"/>
-              <a:buChar char="•"/>
-            </a:pPr>
-            <a:endParaRPr lang="en-US" sz="1400" b="1">
-              <a:solidFill>
-                <a:schemeClr val="tx1"/>
-              </a:solidFill>
-            </a:endParaRPr>
-          </a:p>
-          <a:p>
-            <a:pPr marL="285750" indent="-285750">
-              <a:buFont typeface="Arial" panose="020B0604020202020204" pitchFamily="34" charset="0"/>
-              <a:buChar char="•"/>
-            </a:pPr>
-            <a:r>
-              <a:rPr lang="en-US" sz="1400" b="1">
-                <a:solidFill>
-                  <a:schemeClr val="tx1"/>
-                </a:solidFill>
-              </a:rPr>
-              <a:t>Adding a comment</a:t>
-            </a:r>
-          </a:p>
-          <a:p>
-            <a:pPr marL="285750" indent="-285750">
-              <a:buFont typeface="Arial" panose="020B0604020202020204" pitchFamily="34" charset="0"/>
-              <a:buChar char="•"/>
-            </a:pPr>
-            <a:endParaRPr lang="en-US" sz="1400" b="1">
-              <a:solidFill>
-                <a:schemeClr val="tx1"/>
-              </a:solidFill>
-            </a:endParaRPr>
-          </a:p>
-          <a:p>
-            <a:pPr marL="285750" indent="-285750">
-              <a:buFont typeface="Arial" panose="020B0604020202020204" pitchFamily="34" charset="0"/>
-              <a:buChar char="•"/>
-            </a:pPr>
-            <a:r>
-              <a:rPr lang="en-US" sz="1400" b="1">
-                <a:solidFill>
-                  <a:schemeClr val="tx1"/>
-                </a:solidFill>
-              </a:rPr>
-              <a:t>Adding a review flag</a:t>
-            </a:r>
-          </a:p>
-          <a:p>
-            <a:pPr marL="285750" indent="-285750">
-              <a:buFont typeface="Arial" panose="020B0604020202020204" pitchFamily="34" charset="0"/>
-              <a:buChar char="•"/>
-            </a:pPr>
-            <a:endParaRPr lang="en-US" sz="1400" b="1">
-              <a:solidFill>
-                <a:schemeClr val="tx1"/>
-              </a:solidFill>
-            </a:endParaRPr>
-          </a:p>
-          <a:p>
-            <a:pPr marL="285750" indent="-285750">
-              <a:buFont typeface="Arial" panose="020B0604020202020204" pitchFamily="34" charset="0"/>
-              <a:buChar char="•"/>
-            </a:pPr>
-            <a:r>
-              <a:rPr lang="en-US" sz="1400" b="1">
-                <a:solidFill>
-                  <a:schemeClr val="tx1"/>
-                </a:solidFill>
-              </a:rPr>
-              <a:t>Adding a rating</a:t>
-            </a:r>
-          </a:p>
-        </p:txBody>
-      </p:sp>
       <p:sp>
         <p:nvSpPr>
           <p:cNvPr id="12" name="TextBox 11">
             <a:extLst>
               <a:ext uri="{FF2B5EF4-FFF2-40B4-BE49-F238E27FC236}">
-                <a16:creationId xmlns:a16="http://schemas.microsoft.com/office/drawing/2014/main" id="{5E912811-05DB-89BE-FCDA-01A80BAF1100}"/>
+                <a16:creationId xmlns:a16="http://schemas.microsoft.com/office/drawing/2014/main" id="{2B89FFAF-55DF-0AF4-4EEB-0DC4EAA194EA}"/>
               </a:ext>
             </a:extLst>
           </p:cNvPr>
@@ -30864,8 +32224,8 @@
         </p:nvSpPr>
         <p:spPr>
           <a:xfrm>
-            <a:off x="679704" y="557589"/>
-            <a:ext cx="3589867" cy="372534"/>
+            <a:off x="4011929" y="1366839"/>
+            <a:ext cx="4168141" cy="4401205"/>
           </a:xfrm>
           <a:prstGeom prst="rect">
             <a:avLst/>
@@ -30873,188 +32233,185 @@
           <a:noFill/>
         </p:spPr>
         <p:txBody>
-          <a:bodyPr wrap="square" rtlCol="0">
+          <a:bodyPr wrap="square">
             <a:spAutoFit/>
           </a:bodyPr>
           <a:lstStyle/>
           <a:p>
             <a:r>
-              <a:rPr lang="en-US">
-                <a:latin typeface="+mj-lt"/>
+              <a:rPr lang="en-US" sz="2000" err="1">
+                <a:latin typeface="Consolas" panose="020B0609020204030204" pitchFamily="49" charset="0"/>
               </a:rPr>
-              <a:t>REST API  POST Request</a:t>
+              <a:t>BuzzworthyResourceLocator</a:t>
             </a:r>
+            <a:r>
+              <a:rPr lang="en-US" sz="2000">
+                <a:latin typeface="Consolas" panose="020B0609020204030204" pitchFamily="49" charset="0"/>
+              </a:rPr>
+              <a:t>/</a:t>
+            </a:r>
+          </a:p>
+          <a:p>
+            <a:r>
+              <a:rPr lang="en-US" sz="2000">
+                <a:latin typeface="Consolas" panose="020B0609020204030204" pitchFamily="49" charset="0"/>
+              </a:rPr>
+              <a:t>├── documents</a:t>
+            </a:r>
+          </a:p>
+          <a:p>
+            <a:r>
+              <a:rPr lang="en-US" sz="2000">
+                <a:latin typeface="Consolas" panose="020B0609020204030204" pitchFamily="49" charset="0"/>
+              </a:rPr>
+              <a:t>├── logs/</a:t>
+            </a:r>
+          </a:p>
+          <a:p>
+            <a:r>
+              <a:rPr lang="en-US" sz="2000">
+                <a:latin typeface="Consolas" panose="020B0609020204030204" pitchFamily="49" charset="0"/>
+              </a:rPr>
+              <a:t>│   ├── events.log</a:t>
+            </a:r>
+          </a:p>
+          <a:p>
+            <a:r>
+              <a:rPr lang="en-US" sz="2000">
+                <a:latin typeface="Consolas" panose="020B0609020204030204" pitchFamily="49" charset="0"/>
+              </a:rPr>
+              <a:t>│   └── security.log</a:t>
+            </a:r>
+          </a:p>
+          <a:p>
+            <a:r>
+              <a:rPr lang="en-US" sz="2000">
+                <a:latin typeface="Consolas" panose="020B0609020204030204" pitchFamily="49" charset="0"/>
+              </a:rPr>
+              <a:t>├── </a:t>
+            </a:r>
+            <a:r>
+              <a:rPr lang="en-US" sz="2000" err="1">
+                <a:latin typeface="Consolas" panose="020B0609020204030204" pitchFamily="49" charset="0"/>
+              </a:rPr>
+              <a:t>api</a:t>
+            </a:r>
+            <a:r>
+              <a:rPr lang="en-US" sz="2000">
+                <a:latin typeface="Consolas" panose="020B0609020204030204" pitchFamily="49" charset="0"/>
+              </a:rPr>
+              <a:t>/</a:t>
+            </a:r>
+          </a:p>
+          <a:p>
+            <a:r>
+              <a:rPr lang="en-US" sz="2000">
+                <a:latin typeface="Consolas" panose="020B0609020204030204" pitchFamily="49" charset="0"/>
+              </a:rPr>
+              <a:t>│   └── </a:t>
+            </a:r>
+            <a:r>
+              <a:rPr lang="en-US" sz="2000" err="1">
+                <a:latin typeface="Consolas" panose="020B0609020204030204" pitchFamily="49" charset="0"/>
+              </a:rPr>
+              <a:t>src</a:t>
+            </a:r>
+            <a:r>
+              <a:rPr lang="en-US" sz="2000">
+                <a:latin typeface="Consolas" panose="020B0609020204030204" pitchFamily="49" charset="0"/>
+              </a:rPr>
+              <a:t>/</a:t>
+            </a:r>
+          </a:p>
+          <a:p>
+            <a:r>
+              <a:rPr lang="en-US" sz="2000">
+                <a:latin typeface="Consolas" panose="020B0609020204030204" pitchFamily="49" charset="0"/>
+              </a:rPr>
+              <a:t>│       └── ...</a:t>
+            </a:r>
+          </a:p>
+          <a:p>
+            <a:r>
+              <a:rPr lang="en-US" sz="2000">
+                <a:latin typeface="Consolas" panose="020B0609020204030204" pitchFamily="49" charset="0"/>
+              </a:rPr>
+              <a:t>├── </a:t>
+            </a:r>
+            <a:r>
+              <a:rPr lang="en-US" sz="2000" err="1">
+                <a:latin typeface="Consolas" panose="020B0609020204030204" pitchFamily="49" charset="0"/>
+              </a:rPr>
+              <a:t>buisinesslogic</a:t>
+            </a:r>
+            <a:endParaRPr lang="en-US" sz="2000">
+              <a:latin typeface="Consolas" panose="020B0609020204030204" pitchFamily="49" charset="0"/>
+            </a:endParaRPr>
+          </a:p>
+          <a:p>
+            <a:r>
+              <a:rPr lang="en-US" sz="2000">
+                <a:latin typeface="Consolas" panose="020B0609020204030204" pitchFamily="49" charset="0"/>
+              </a:rPr>
+              <a:t>├── authentication</a:t>
+            </a:r>
+          </a:p>
+          <a:p>
+            <a:r>
+              <a:rPr lang="en-US" sz="2000">
+                <a:latin typeface="Consolas" panose="020B0609020204030204" pitchFamily="49" charset="0"/>
+              </a:rPr>
+              <a:t>├── database</a:t>
+            </a:r>
+          </a:p>
+          <a:p>
+            <a:r>
+              <a:rPr lang="en-US" sz="2000">
+                <a:latin typeface="Consolas" panose="020B0609020204030204" pitchFamily="49" charset="0"/>
+              </a:rPr>
+              <a:t>├── security</a:t>
+            </a:r>
+          </a:p>
+          <a:p>
+            <a:r>
+              <a:rPr lang="en-US" sz="2000">
+                <a:latin typeface="Consolas" panose="020B0609020204030204" pitchFamily="49" charset="0"/>
+              </a:rPr>
+              <a:t>├── </a:t>
+            </a:r>
+            <a:r>
+              <a:rPr lang="en-US" sz="2000" err="1">
+                <a:latin typeface="Consolas" panose="020B0609020204030204" pitchFamily="49" charset="0"/>
+              </a:rPr>
+              <a:t>logmanager</a:t>
+            </a:r>
+            <a:endParaRPr lang="en-US" sz="2000">
+              <a:latin typeface="Consolas" panose="020B0609020204030204" pitchFamily="49" charset="0"/>
+            </a:endParaRPr>
+          </a:p>
+          <a:p>
+            <a:r>
+              <a:rPr lang="en-US" sz="2000">
+                <a:latin typeface="Consolas" panose="020B0609020204030204" pitchFamily="49" charset="0"/>
+              </a:rPr>
+              <a:t>└── </a:t>
+            </a:r>
+            <a:r>
+              <a:rPr lang="en-US" sz="2000" err="1">
+                <a:latin typeface="Consolas" panose="020B0609020204030204" pitchFamily="49" charset="0"/>
+              </a:rPr>
+              <a:t>configurationmanager</a:t>
+            </a:r>
+            <a:endParaRPr lang="en-US" sz="2000">
+              <a:latin typeface="Consolas" panose="020B0609020204030204" pitchFamily="49" charset="0"/>
+            </a:endParaRPr>
           </a:p>
         </p:txBody>
       </p:sp>
-      <p:grpSp>
-        <p:nvGrpSpPr>
-          <p:cNvPr id="5" name="Group 4">
-            <a:extLst>
-              <a:ext uri="{FF2B5EF4-FFF2-40B4-BE49-F238E27FC236}">
-                <a16:creationId xmlns:a16="http://schemas.microsoft.com/office/drawing/2014/main" id="{E09F458D-48EC-C17C-9789-6EAC7D03D023}"/>
-              </a:ext>
-            </a:extLst>
-          </p:cNvPr>
-          <p:cNvGrpSpPr/>
-          <p:nvPr/>
-        </p:nvGrpSpPr>
-        <p:grpSpPr>
-          <a:xfrm>
-            <a:off x="9979363" y="6377811"/>
-            <a:ext cx="2171585" cy="408858"/>
-            <a:chOff x="9979363" y="6377811"/>
-            <a:chExt cx="2171585" cy="408858"/>
-          </a:xfrm>
-        </p:grpSpPr>
-        <p:sp>
-          <p:nvSpPr>
-            <p:cNvPr id="6" name="TextBox 5">
-              <a:extLst>
-                <a:ext uri="{FF2B5EF4-FFF2-40B4-BE49-F238E27FC236}">
-                  <a16:creationId xmlns:a16="http://schemas.microsoft.com/office/drawing/2014/main" id="{8043B04E-4DA3-994E-5DCC-BCAA4B9AE0D7}"/>
-                </a:ext>
-              </a:extLst>
-            </p:cNvPr>
-            <p:cNvSpPr txBox="1"/>
-            <p:nvPr/>
-          </p:nvSpPr>
-          <p:spPr>
-            <a:xfrm>
-              <a:off x="10689167" y="6377811"/>
-              <a:ext cx="1461781" cy="307777"/>
-            </a:xfrm>
-            <a:prstGeom prst="rect">
-              <a:avLst/>
-            </a:prstGeom>
-            <a:noFill/>
-          </p:spPr>
-          <p:txBody>
-            <a:bodyPr wrap="square" rtlCol="0">
-              <a:spAutoFit/>
-            </a:bodyPr>
-            <a:lstStyle/>
-            <a:p>
-              <a:r>
-                <a:rPr lang="en-US" sz="1400" b="1"/>
-                <a:t>10/24/25</a:t>
-              </a:r>
-            </a:p>
-          </p:txBody>
-        </p:sp>
-        <p:pic>
-          <p:nvPicPr>
-            <p:cNvPr id="7" name="Graphic 6" descr="Flip calendar with solid fill">
-              <a:extLst>
-                <a:ext uri="{FF2B5EF4-FFF2-40B4-BE49-F238E27FC236}">
-                  <a16:creationId xmlns:a16="http://schemas.microsoft.com/office/drawing/2014/main" id="{8018F7EB-5ABB-F559-7D74-6EFEE6E290C4}"/>
-                </a:ext>
-              </a:extLst>
-            </p:cNvPr>
-            <p:cNvPicPr>
-              <a:picLocks noChangeAspect="1"/>
-            </p:cNvPicPr>
-            <p:nvPr/>
-          </p:nvPicPr>
-          <p:blipFill>
-            <a:blip r:embed="rId6">
-              <a:extLst>
-                <a:ext uri="{96DAC541-7B7A-43D3-8B79-37D633B846F1}">
-                  <asvg:svgBlip xmlns:asvg="http://schemas.microsoft.com/office/drawing/2016/SVG/main" r:embed="rId7"/>
-                </a:ext>
-              </a:extLst>
-            </a:blip>
-            <a:stretch>
-              <a:fillRect/>
-            </a:stretch>
-          </p:blipFill>
-          <p:spPr>
-            <a:xfrm>
-              <a:off x="10424763" y="6399498"/>
-              <a:ext cx="264404" cy="264404"/>
-            </a:xfrm>
-            <a:prstGeom prst="rect">
-              <a:avLst/>
-            </a:prstGeom>
-          </p:spPr>
-        </p:pic>
-        <p:pic>
-          <p:nvPicPr>
-            <p:cNvPr id="8" name="Graphic 7" descr="The sun peeking from behind a cloud">
-              <a:extLst>
-                <a:ext uri="{FF2B5EF4-FFF2-40B4-BE49-F238E27FC236}">
-                  <a16:creationId xmlns:a16="http://schemas.microsoft.com/office/drawing/2014/main" id="{AE1D6D85-61B1-F889-CFC1-AC8DBA5EE7EB}"/>
-                </a:ext>
-              </a:extLst>
-            </p:cNvPr>
-            <p:cNvPicPr>
-              <a:picLocks noChangeAspect="1"/>
-            </p:cNvPicPr>
-            <p:nvPr/>
-          </p:nvPicPr>
-          <p:blipFill>
-            <a:blip r:embed="rId8">
-              <a:extLst>
-                <a:ext uri="{96DAC541-7B7A-43D3-8B79-37D633B846F1}">
-                  <asvg:svgBlip xmlns:asvg="http://schemas.microsoft.com/office/drawing/2016/SVG/main" r:embed="rId9"/>
-                </a:ext>
-              </a:extLst>
-            </a:blip>
-            <a:stretch>
-              <a:fillRect/>
-            </a:stretch>
-          </p:blipFill>
-          <p:spPr>
-            <a:xfrm>
-              <a:off x="9979363" y="6399498"/>
-              <a:ext cx="387171" cy="387171"/>
-            </a:xfrm>
-            <a:prstGeom prst="rect">
-              <a:avLst/>
-            </a:prstGeom>
-          </p:spPr>
-        </p:pic>
-      </p:grpSp>
-      <p:pic>
-        <p:nvPicPr>
-          <p:cNvPr id="9" name="Graphic 8" descr="Cursor with solid fill">
-            <a:extLst>
-              <a:ext uri="{FF2B5EF4-FFF2-40B4-BE49-F238E27FC236}">
-                <a16:creationId xmlns:a16="http://schemas.microsoft.com/office/drawing/2014/main" id="{7CD316EE-769F-F9D0-60AE-952445315C41}"/>
-              </a:ext>
-            </a:extLst>
-          </p:cNvPr>
-          <p:cNvPicPr>
-            <a:picLocks noChangeAspect="1"/>
-          </p:cNvPicPr>
-          <p:nvPr/>
-        </p:nvPicPr>
-        <p:blipFill>
-          <a:blip r:embed="rId10">
-            <a:extLst>
-              <a:ext uri="{96DAC541-7B7A-43D3-8B79-37D633B846F1}">
-                <asvg:svgBlip xmlns:asvg="http://schemas.microsoft.com/office/drawing/2016/SVG/main" r:embed="rId11"/>
-              </a:ext>
-            </a:extLst>
-          </a:blip>
-          <a:stretch>
-            <a:fillRect/>
-          </a:stretch>
-        </p:blipFill>
-        <p:spPr>
-          <a:xfrm>
-            <a:off x="12357968" y="3721738"/>
-            <a:ext cx="491759" cy="491759"/>
-          </a:xfrm>
-          <a:prstGeom prst="rect">
-            <a:avLst/>
-          </a:prstGeom>
-        </p:spPr>
-      </p:pic>
     </p:spTree>
     <p:extLst>
       <p:ext uri="{BB962C8B-B14F-4D97-AF65-F5344CB8AC3E}">
-        <p14:creationId xmlns:p14="http://schemas.microsoft.com/office/powerpoint/2010/main" val="3918441574"/>
+        <p14:creationId xmlns:p14="http://schemas.microsoft.com/office/powerpoint/2010/main" val="1174091969"/>
       </p:ext>
     </p:extLst>
   </p:cSld>
